--- a/PCTO_GameAbility2024.pptx
+++ b/PCTO_GameAbility2024.pptx
@@ -151,7 +151,7 @@
           <p:cNvPr id="12" name="Rectangle 11">
             <a:extLst>
               <a:ext uri="{FF2B5EF4-FFF2-40B4-BE49-F238E27FC236}">
-                <a16:creationId xmlns="" xmlns:a16="http://schemas.microsoft.com/office/drawing/2014/main" id="{AF68666B-80B7-5FA5-FC9F-2F928A26B010}"/>
+                <a16:creationId xmlns:a16="http://schemas.microsoft.com/office/drawing/2014/main" id="{AF68666B-80B7-5FA5-FC9F-2F928A26B010}"/>
               </a:ext>
             </a:extLst>
           </p:cNvPr>
@@ -206,7 +206,7 @@
           <p:cNvPr id="2" name="Title 1">
             <a:extLst>
               <a:ext uri="{FF2B5EF4-FFF2-40B4-BE49-F238E27FC236}">
-                <a16:creationId xmlns="" xmlns:a16="http://schemas.microsoft.com/office/drawing/2014/main" id="{44C9E92B-FE67-1F3D-DCA0-195195A4AB6A}"/>
+                <a16:creationId xmlns:a16="http://schemas.microsoft.com/office/drawing/2014/main" id="{44C9E92B-FE67-1F3D-DCA0-195195A4AB6A}"/>
               </a:ext>
             </a:extLst>
           </p:cNvPr>
@@ -248,7 +248,7 @@
           <p:cNvPr id="9" name="Picture Placeholder 8">
             <a:extLst>
               <a:ext uri="{FF2B5EF4-FFF2-40B4-BE49-F238E27FC236}">
-                <a16:creationId xmlns="" xmlns:a16="http://schemas.microsoft.com/office/drawing/2014/main" id="{BA87BAAC-9384-2363-2089-821720F16DD3}"/>
+                <a16:creationId xmlns:a16="http://schemas.microsoft.com/office/drawing/2014/main" id="{BA87BAAC-9384-2363-2089-821720F16DD3}"/>
               </a:ext>
             </a:extLst>
           </p:cNvPr>
@@ -278,7 +278,7 @@
           <p:cNvPr id="11" name="Straight Connector 10">
             <a:extLst>
               <a:ext uri="{FF2B5EF4-FFF2-40B4-BE49-F238E27FC236}">
-                <a16:creationId xmlns="" xmlns:a16="http://schemas.microsoft.com/office/drawing/2014/main" id="{0CA0C2D1-06AD-3620-044D-2EAE71AC87AC}"/>
+                <a16:creationId xmlns:a16="http://schemas.microsoft.com/office/drawing/2014/main" id="{0CA0C2D1-06AD-3620-044D-2EAE71AC87AC}"/>
               </a:ext>
             </a:extLst>
           </p:cNvPr>
@@ -322,7 +322,7 @@
           <p:cNvPr id="13" name="Straight Connector 12">
             <a:extLst>
               <a:ext uri="{FF2B5EF4-FFF2-40B4-BE49-F238E27FC236}">
-                <a16:creationId xmlns="" xmlns:a16="http://schemas.microsoft.com/office/drawing/2014/main" id="{60C99D5D-5452-4897-02A9-A1B32F0BE968}"/>
+                <a16:creationId xmlns:a16="http://schemas.microsoft.com/office/drawing/2014/main" id="{60C99D5D-5452-4897-02A9-A1B32F0BE968}"/>
               </a:ext>
             </a:extLst>
           </p:cNvPr>
@@ -366,7 +366,7 @@
           <p:cNvPr id="10" name="Straight Connector 9">
             <a:extLst>
               <a:ext uri="{FF2B5EF4-FFF2-40B4-BE49-F238E27FC236}">
-                <a16:creationId xmlns="" xmlns:a16="http://schemas.microsoft.com/office/drawing/2014/main" id="{3FB318F3-41C4-0F1C-1CBD-D5A32280E575}"/>
+                <a16:creationId xmlns:a16="http://schemas.microsoft.com/office/drawing/2014/main" id="{3FB318F3-41C4-0F1C-1CBD-D5A32280E575}"/>
               </a:ext>
             </a:extLst>
           </p:cNvPr>
@@ -412,7 +412,7 @@
           <p:cNvPr id="14" name="Straight Connector 13">
             <a:extLst>
               <a:ext uri="{FF2B5EF4-FFF2-40B4-BE49-F238E27FC236}">
-                <a16:creationId xmlns="" xmlns:a16="http://schemas.microsoft.com/office/drawing/2014/main" id="{0C43CC35-4750-6912-E49F-E917DF9AB637}"/>
+                <a16:creationId xmlns:a16="http://schemas.microsoft.com/office/drawing/2014/main" id="{0C43CC35-4750-6912-E49F-E917DF9AB637}"/>
               </a:ext>
             </a:extLst>
           </p:cNvPr>
@@ -458,7 +458,7 @@
           <p:cNvPr id="17" name="Text Placeholder 16">
             <a:extLst>
               <a:ext uri="{FF2B5EF4-FFF2-40B4-BE49-F238E27FC236}">
-                <a16:creationId xmlns="" xmlns:a16="http://schemas.microsoft.com/office/drawing/2014/main" id="{003331A5-D35A-E699-E3EA-6035EB0DCD16}"/>
+                <a16:creationId xmlns:a16="http://schemas.microsoft.com/office/drawing/2014/main" id="{003331A5-D35A-E699-E3EA-6035EB0DCD16}"/>
               </a:ext>
             </a:extLst>
           </p:cNvPr>
@@ -522,7 +522,7 @@
           <p:cNvPr id="18" name="Text Placeholder 16">
             <a:extLst>
               <a:ext uri="{FF2B5EF4-FFF2-40B4-BE49-F238E27FC236}">
-                <a16:creationId xmlns="" xmlns:a16="http://schemas.microsoft.com/office/drawing/2014/main" id="{442CA476-8654-0542-5C0B-4F439516AF31}"/>
+                <a16:creationId xmlns:a16="http://schemas.microsoft.com/office/drawing/2014/main" id="{442CA476-8654-0542-5C0B-4F439516AF31}"/>
               </a:ext>
             </a:extLst>
           </p:cNvPr>
@@ -591,7 +591,7 @@
   <p:clrMapOvr>
     <a:masterClrMapping/>
   </p:clrMapOvr>
-  <p:extLst mod="1">
+  <p:extLst>
     <p:ext uri="{DCECCB84-F9BA-43D5-87BE-67443E8EF086}">
       <p15:sldGuideLst xmlns:p15="http://schemas.microsoft.com/office/powerpoint/2012/main">
         <p15:guide id="1" orient="horz" pos="936">
@@ -707,7 +707,7 @@
           <p:cNvPr id="12" name="Rectangle 11">
             <a:extLst>
               <a:ext uri="{FF2B5EF4-FFF2-40B4-BE49-F238E27FC236}">
-                <a16:creationId xmlns="" xmlns:a16="http://schemas.microsoft.com/office/drawing/2014/main" id="{AF68666B-80B7-5FA5-FC9F-2F928A26B010}"/>
+                <a16:creationId xmlns:a16="http://schemas.microsoft.com/office/drawing/2014/main" id="{AF68666B-80B7-5FA5-FC9F-2F928A26B010}"/>
               </a:ext>
             </a:extLst>
           </p:cNvPr>
@@ -762,7 +762,7 @@
           <p:cNvPr id="2" name="Title 1">
             <a:extLst>
               <a:ext uri="{FF2B5EF4-FFF2-40B4-BE49-F238E27FC236}">
-                <a16:creationId xmlns="" xmlns:a16="http://schemas.microsoft.com/office/drawing/2014/main" id="{44C9E92B-FE67-1F3D-DCA0-195195A4AB6A}"/>
+                <a16:creationId xmlns:a16="http://schemas.microsoft.com/office/drawing/2014/main" id="{44C9E92B-FE67-1F3D-DCA0-195195A4AB6A}"/>
               </a:ext>
             </a:extLst>
           </p:cNvPr>
@@ -804,7 +804,7 @@
           <p:cNvPr id="9" name="Picture Placeholder 8">
             <a:extLst>
               <a:ext uri="{FF2B5EF4-FFF2-40B4-BE49-F238E27FC236}">
-                <a16:creationId xmlns="" xmlns:a16="http://schemas.microsoft.com/office/drawing/2014/main" id="{BA87BAAC-9384-2363-2089-821720F16DD3}"/>
+                <a16:creationId xmlns:a16="http://schemas.microsoft.com/office/drawing/2014/main" id="{BA87BAAC-9384-2363-2089-821720F16DD3}"/>
               </a:ext>
             </a:extLst>
           </p:cNvPr>
@@ -834,7 +834,7 @@
           <p:cNvPr id="11" name="Straight Connector 10">
             <a:extLst>
               <a:ext uri="{FF2B5EF4-FFF2-40B4-BE49-F238E27FC236}">
-                <a16:creationId xmlns="" xmlns:a16="http://schemas.microsoft.com/office/drawing/2014/main" id="{0CA0C2D1-06AD-3620-044D-2EAE71AC87AC}"/>
+                <a16:creationId xmlns:a16="http://schemas.microsoft.com/office/drawing/2014/main" id="{0CA0C2D1-06AD-3620-044D-2EAE71AC87AC}"/>
               </a:ext>
             </a:extLst>
           </p:cNvPr>
@@ -878,7 +878,7 @@
           <p:cNvPr id="13" name="Straight Connector 12">
             <a:extLst>
               <a:ext uri="{FF2B5EF4-FFF2-40B4-BE49-F238E27FC236}">
-                <a16:creationId xmlns="" xmlns:a16="http://schemas.microsoft.com/office/drawing/2014/main" id="{60C99D5D-5452-4897-02A9-A1B32F0BE968}"/>
+                <a16:creationId xmlns:a16="http://schemas.microsoft.com/office/drawing/2014/main" id="{60C99D5D-5452-4897-02A9-A1B32F0BE968}"/>
               </a:ext>
             </a:extLst>
           </p:cNvPr>
@@ -922,7 +922,7 @@
           <p:cNvPr id="10" name="Straight Connector 9">
             <a:extLst>
               <a:ext uri="{FF2B5EF4-FFF2-40B4-BE49-F238E27FC236}">
-                <a16:creationId xmlns="" xmlns:a16="http://schemas.microsoft.com/office/drawing/2014/main" id="{3FB318F3-41C4-0F1C-1CBD-D5A32280E575}"/>
+                <a16:creationId xmlns:a16="http://schemas.microsoft.com/office/drawing/2014/main" id="{3FB318F3-41C4-0F1C-1CBD-D5A32280E575}"/>
               </a:ext>
             </a:extLst>
           </p:cNvPr>
@@ -968,7 +968,7 @@
           <p:cNvPr id="14" name="Straight Connector 13">
             <a:extLst>
               <a:ext uri="{FF2B5EF4-FFF2-40B4-BE49-F238E27FC236}">
-                <a16:creationId xmlns="" xmlns:a16="http://schemas.microsoft.com/office/drawing/2014/main" id="{0C43CC35-4750-6912-E49F-E917DF9AB637}"/>
+                <a16:creationId xmlns:a16="http://schemas.microsoft.com/office/drawing/2014/main" id="{0C43CC35-4750-6912-E49F-E917DF9AB637}"/>
               </a:ext>
             </a:extLst>
           </p:cNvPr>
@@ -1014,7 +1014,7 @@
           <p:cNvPr id="17" name="Text Placeholder 16">
             <a:extLst>
               <a:ext uri="{FF2B5EF4-FFF2-40B4-BE49-F238E27FC236}">
-                <a16:creationId xmlns="" xmlns:a16="http://schemas.microsoft.com/office/drawing/2014/main" id="{003331A5-D35A-E699-E3EA-6035EB0DCD16}"/>
+                <a16:creationId xmlns:a16="http://schemas.microsoft.com/office/drawing/2014/main" id="{003331A5-D35A-E699-E3EA-6035EB0DCD16}"/>
               </a:ext>
             </a:extLst>
           </p:cNvPr>
@@ -1078,7 +1078,7 @@
           <p:cNvPr id="18" name="Text Placeholder 16">
             <a:extLst>
               <a:ext uri="{FF2B5EF4-FFF2-40B4-BE49-F238E27FC236}">
-                <a16:creationId xmlns="" xmlns:a16="http://schemas.microsoft.com/office/drawing/2014/main" id="{442CA476-8654-0542-5C0B-4F439516AF31}"/>
+                <a16:creationId xmlns:a16="http://schemas.microsoft.com/office/drawing/2014/main" id="{442CA476-8654-0542-5C0B-4F439516AF31}"/>
               </a:ext>
             </a:extLst>
           </p:cNvPr>
@@ -1147,7 +1147,7 @@
   <p:clrMapOvr>
     <a:masterClrMapping/>
   </p:clrMapOvr>
-  <p:extLst mod="1">
+  <p:extLst>
     <p:ext uri="{DCECCB84-F9BA-43D5-87BE-67443E8EF086}">
       <p15:sldGuideLst xmlns:p15="http://schemas.microsoft.com/office/powerpoint/2012/main">
         <p15:guide id="1" orient="horz" pos="936">
@@ -1253,7 +1253,7 @@
           </a:lstStyle>
           <a:p>
             <a:r>
-              <a:rPr lang="it-IT" smtClean="0"/>
+              <a:rPr lang="it-IT"/>
               <a:t>Fare clic per modificare lo stile del titolo</a:t>
             </a:r>
             <a:endParaRPr lang="en-US" dirty="0"/>
@@ -1318,7 +1318,7 @@
           </a:lstStyle>
           <a:p>
             <a:r>
-              <a:rPr lang="it-IT" smtClean="0"/>
+              <a:rPr lang="it-IT"/>
               <a:t>Fare clic per modificare lo stile del sottotitolo dello schema</a:t>
             </a:r>
             <a:endParaRPr lang="en-US" dirty="0"/>
@@ -1342,7 +1342,7 @@
           <a:p>
             <a:fld id="{58934856-B684-4EEB-A536-ADAAFD9BF0FD}" type="datetimeFigureOut">
               <a:rPr lang="it-IT" smtClean="0"/>
-              <a:t>29/02/2024</a:t>
+              <a:t>01/03/2024</a:t>
             </a:fld>
             <a:endParaRPr lang="it-IT"/>
           </a:p>
@@ -1436,7 +1436,7 @@
           <a:lstStyle/>
           <a:p>
             <a:r>
-              <a:rPr lang="it-IT" smtClean="0"/>
+              <a:rPr lang="it-IT"/>
               <a:t>Fare clic per modificare lo stile del titolo</a:t>
             </a:r>
             <a:endParaRPr lang="en-US" dirty="0"/>
@@ -1460,35 +1460,35 @@
           <a:p>
             <a:pPr lvl="0"/>
             <a:r>
-              <a:rPr lang="it-IT" smtClean="0"/>
+              <a:rPr lang="it-IT"/>
               <a:t>Fare clic per modificare stili del testo dello schema</a:t>
             </a:r>
           </a:p>
           <a:p>
             <a:pPr lvl="1"/>
             <a:r>
-              <a:rPr lang="it-IT" smtClean="0"/>
+              <a:rPr lang="it-IT"/>
               <a:t>Secondo livello</a:t>
             </a:r>
           </a:p>
           <a:p>
             <a:pPr lvl="2"/>
             <a:r>
-              <a:rPr lang="it-IT" smtClean="0"/>
+              <a:rPr lang="it-IT"/>
               <a:t>Terzo livello</a:t>
             </a:r>
           </a:p>
           <a:p>
             <a:pPr lvl="3"/>
             <a:r>
-              <a:rPr lang="it-IT" smtClean="0"/>
+              <a:rPr lang="it-IT"/>
               <a:t>Quarto livello</a:t>
             </a:r>
           </a:p>
           <a:p>
             <a:pPr lvl="4"/>
             <a:r>
-              <a:rPr lang="it-IT" smtClean="0"/>
+              <a:rPr lang="it-IT"/>
               <a:t>Quinto livello</a:t>
             </a:r>
             <a:endParaRPr lang="en-US" dirty="0"/>
@@ -1512,7 +1512,7 @@
           <a:p>
             <a:fld id="{58934856-B684-4EEB-A536-ADAAFD9BF0FD}" type="datetimeFigureOut">
               <a:rPr lang="it-IT" smtClean="0"/>
-              <a:t>29/02/2024</a:t>
+              <a:t>01/03/2024</a:t>
             </a:fld>
             <a:endParaRPr lang="it-IT"/>
           </a:p>
@@ -1615,7 +1615,7 @@
           </a:lstStyle>
           <a:p>
             <a:r>
-              <a:rPr lang="it-IT" smtClean="0"/>
+              <a:rPr lang="it-IT"/>
               <a:t>Fare clic per modificare lo stile del titolo</a:t>
             </a:r>
             <a:endParaRPr lang="en-US" dirty="0"/>
@@ -1735,7 +1735,7 @@
           <a:p>
             <a:pPr lvl="0"/>
             <a:r>
-              <a:rPr lang="it-IT" smtClean="0"/>
+              <a:rPr lang="it-IT"/>
               <a:t>Fare clic per modificare stili del testo dello schema</a:t>
             </a:r>
           </a:p>
@@ -1758,7 +1758,7 @@
           <a:p>
             <a:fld id="{58934856-B684-4EEB-A536-ADAAFD9BF0FD}" type="datetimeFigureOut">
               <a:rPr lang="it-IT" smtClean="0"/>
-              <a:t>29/02/2024</a:t>
+              <a:t>01/03/2024</a:t>
             </a:fld>
             <a:endParaRPr lang="it-IT"/>
           </a:p>
@@ -1852,7 +1852,7 @@
           <a:lstStyle/>
           <a:p>
             <a:r>
-              <a:rPr lang="it-IT" smtClean="0"/>
+              <a:rPr lang="it-IT"/>
               <a:t>Fare clic per modificare lo stile del titolo</a:t>
             </a:r>
             <a:endParaRPr lang="en-US" dirty="0"/>
@@ -1881,35 +1881,35 @@
           <a:p>
             <a:pPr lvl="0"/>
             <a:r>
-              <a:rPr lang="it-IT" smtClean="0"/>
+              <a:rPr lang="it-IT"/>
               <a:t>Fare clic per modificare stili del testo dello schema</a:t>
             </a:r>
           </a:p>
           <a:p>
             <a:pPr lvl="1"/>
             <a:r>
-              <a:rPr lang="it-IT" smtClean="0"/>
+              <a:rPr lang="it-IT"/>
               <a:t>Secondo livello</a:t>
             </a:r>
           </a:p>
           <a:p>
             <a:pPr lvl="2"/>
             <a:r>
-              <a:rPr lang="it-IT" smtClean="0"/>
+              <a:rPr lang="it-IT"/>
               <a:t>Terzo livello</a:t>
             </a:r>
           </a:p>
           <a:p>
             <a:pPr lvl="3"/>
             <a:r>
-              <a:rPr lang="it-IT" smtClean="0"/>
+              <a:rPr lang="it-IT"/>
               <a:t>Quarto livello</a:t>
             </a:r>
           </a:p>
           <a:p>
             <a:pPr lvl="4"/>
             <a:r>
-              <a:rPr lang="it-IT" smtClean="0"/>
+              <a:rPr lang="it-IT"/>
               <a:t>Quinto livello</a:t>
             </a:r>
             <a:endParaRPr lang="en-US" dirty="0"/>
@@ -1938,35 +1938,35 @@
           <a:p>
             <a:pPr lvl="0"/>
             <a:r>
-              <a:rPr lang="it-IT" smtClean="0"/>
+              <a:rPr lang="it-IT"/>
               <a:t>Fare clic per modificare stili del testo dello schema</a:t>
             </a:r>
           </a:p>
           <a:p>
             <a:pPr lvl="1"/>
             <a:r>
-              <a:rPr lang="it-IT" smtClean="0"/>
+              <a:rPr lang="it-IT"/>
               <a:t>Secondo livello</a:t>
             </a:r>
           </a:p>
           <a:p>
             <a:pPr lvl="2"/>
             <a:r>
-              <a:rPr lang="it-IT" smtClean="0"/>
+              <a:rPr lang="it-IT"/>
               <a:t>Terzo livello</a:t>
             </a:r>
           </a:p>
           <a:p>
             <a:pPr lvl="3"/>
             <a:r>
-              <a:rPr lang="it-IT" smtClean="0"/>
+              <a:rPr lang="it-IT"/>
               <a:t>Quarto livello</a:t>
             </a:r>
           </a:p>
           <a:p>
             <a:pPr lvl="4"/>
             <a:r>
-              <a:rPr lang="it-IT" smtClean="0"/>
+              <a:rPr lang="it-IT"/>
               <a:t>Quinto livello</a:t>
             </a:r>
             <a:endParaRPr lang="en-US" dirty="0"/>
@@ -1990,7 +1990,7 @@
           <a:p>
             <a:fld id="{58934856-B684-4EEB-A536-ADAAFD9BF0FD}" type="datetimeFigureOut">
               <a:rPr lang="it-IT" smtClean="0"/>
-              <a:t>29/02/2024</a:t>
+              <a:t>01/03/2024</a:t>
             </a:fld>
             <a:endParaRPr lang="it-IT"/>
           </a:p>
@@ -2089,7 +2089,7 @@
           <a:lstStyle/>
           <a:p>
             <a:r>
-              <a:rPr lang="it-IT" smtClean="0"/>
+              <a:rPr lang="it-IT"/>
               <a:t>Fare clic per modificare lo stile del titolo</a:t>
             </a:r>
             <a:endParaRPr lang="en-US" dirty="0"/>
@@ -2155,7 +2155,7 @@
           <a:p>
             <a:pPr lvl="0"/>
             <a:r>
-              <a:rPr lang="it-IT" smtClean="0"/>
+              <a:rPr lang="it-IT"/>
               <a:t>Fare clic per modificare stili del testo dello schema</a:t>
             </a:r>
           </a:p>
@@ -2183,35 +2183,35 @@
           <a:p>
             <a:pPr lvl="0"/>
             <a:r>
-              <a:rPr lang="it-IT" smtClean="0"/>
+              <a:rPr lang="it-IT"/>
               <a:t>Fare clic per modificare stili del testo dello schema</a:t>
             </a:r>
           </a:p>
           <a:p>
             <a:pPr lvl="1"/>
             <a:r>
-              <a:rPr lang="it-IT" smtClean="0"/>
+              <a:rPr lang="it-IT"/>
               <a:t>Secondo livello</a:t>
             </a:r>
           </a:p>
           <a:p>
             <a:pPr lvl="2"/>
             <a:r>
-              <a:rPr lang="it-IT" smtClean="0"/>
+              <a:rPr lang="it-IT"/>
               <a:t>Terzo livello</a:t>
             </a:r>
           </a:p>
           <a:p>
             <a:pPr lvl="3"/>
             <a:r>
-              <a:rPr lang="it-IT" smtClean="0"/>
+              <a:rPr lang="it-IT"/>
               <a:t>Quarto livello</a:t>
             </a:r>
           </a:p>
           <a:p>
             <a:pPr lvl="4"/>
             <a:r>
-              <a:rPr lang="it-IT" smtClean="0"/>
+              <a:rPr lang="it-IT"/>
               <a:t>Quinto livello</a:t>
             </a:r>
             <a:endParaRPr lang="en-US" dirty="0"/>
@@ -2277,7 +2277,7 @@
           <a:p>
             <a:pPr lvl="0"/>
             <a:r>
-              <a:rPr lang="it-IT" smtClean="0"/>
+              <a:rPr lang="it-IT"/>
               <a:t>Fare clic per modificare stili del testo dello schema</a:t>
             </a:r>
           </a:p>
@@ -2305,35 +2305,35 @@
           <a:p>
             <a:pPr lvl="0"/>
             <a:r>
-              <a:rPr lang="it-IT" smtClean="0"/>
+              <a:rPr lang="it-IT"/>
               <a:t>Fare clic per modificare stili del testo dello schema</a:t>
             </a:r>
           </a:p>
           <a:p>
             <a:pPr lvl="1"/>
             <a:r>
-              <a:rPr lang="it-IT" smtClean="0"/>
+              <a:rPr lang="it-IT"/>
               <a:t>Secondo livello</a:t>
             </a:r>
           </a:p>
           <a:p>
             <a:pPr lvl="2"/>
             <a:r>
-              <a:rPr lang="it-IT" smtClean="0"/>
+              <a:rPr lang="it-IT"/>
               <a:t>Terzo livello</a:t>
             </a:r>
           </a:p>
           <a:p>
             <a:pPr lvl="3"/>
             <a:r>
-              <a:rPr lang="it-IT" smtClean="0"/>
+              <a:rPr lang="it-IT"/>
               <a:t>Quarto livello</a:t>
             </a:r>
           </a:p>
           <a:p>
             <a:pPr lvl="4"/>
             <a:r>
-              <a:rPr lang="it-IT" smtClean="0"/>
+              <a:rPr lang="it-IT"/>
               <a:t>Quinto livello</a:t>
             </a:r>
             <a:endParaRPr lang="en-US" dirty="0"/>
@@ -2357,7 +2357,7 @@
           <a:p>
             <a:fld id="{58934856-B684-4EEB-A536-ADAAFD9BF0FD}" type="datetimeFigureOut">
               <a:rPr lang="it-IT" smtClean="0"/>
-              <a:t>29/02/2024</a:t>
+              <a:t>01/03/2024</a:t>
             </a:fld>
             <a:endParaRPr lang="it-IT"/>
           </a:p>
@@ -2451,7 +2451,7 @@
           <a:lstStyle/>
           <a:p>
             <a:r>
-              <a:rPr lang="it-IT" smtClean="0"/>
+              <a:rPr lang="it-IT"/>
               <a:t>Fare clic per modificare lo stile del titolo</a:t>
             </a:r>
             <a:endParaRPr lang="en-US" dirty="0"/>
@@ -2475,7 +2475,7 @@
           <a:p>
             <a:fld id="{58934856-B684-4EEB-A536-ADAAFD9BF0FD}" type="datetimeFigureOut">
               <a:rPr lang="it-IT" smtClean="0"/>
-              <a:t>29/02/2024</a:t>
+              <a:t>01/03/2024</a:t>
             </a:fld>
             <a:endParaRPr lang="it-IT"/>
           </a:p>
@@ -2570,7 +2570,7 @@
           <a:p>
             <a:fld id="{58934856-B684-4EEB-A536-ADAAFD9BF0FD}" type="datetimeFigureOut">
               <a:rPr lang="it-IT" smtClean="0"/>
-              <a:t>29/02/2024</a:t>
+              <a:t>01/03/2024</a:t>
             </a:fld>
             <a:endParaRPr lang="it-IT"/>
           </a:p>
@@ -2673,7 +2673,7 @@
           </a:lstStyle>
           <a:p>
             <a:r>
-              <a:rPr lang="it-IT" smtClean="0"/>
+              <a:rPr lang="it-IT"/>
               <a:t>Fare clic per modificare lo stile del titolo</a:t>
             </a:r>
             <a:endParaRPr lang="en-US" dirty="0"/>
@@ -2730,35 +2730,35 @@
           <a:p>
             <a:pPr lvl="0"/>
             <a:r>
-              <a:rPr lang="it-IT" smtClean="0"/>
+              <a:rPr lang="it-IT"/>
               <a:t>Fare clic per modificare stili del testo dello schema</a:t>
             </a:r>
           </a:p>
           <a:p>
             <a:pPr lvl="1"/>
             <a:r>
-              <a:rPr lang="it-IT" smtClean="0"/>
+              <a:rPr lang="it-IT"/>
               <a:t>Secondo livello</a:t>
             </a:r>
           </a:p>
           <a:p>
             <a:pPr lvl="2"/>
             <a:r>
-              <a:rPr lang="it-IT" smtClean="0"/>
+              <a:rPr lang="it-IT"/>
               <a:t>Terzo livello</a:t>
             </a:r>
           </a:p>
           <a:p>
             <a:pPr lvl="3"/>
             <a:r>
-              <a:rPr lang="it-IT" smtClean="0"/>
+              <a:rPr lang="it-IT"/>
               <a:t>Quarto livello</a:t>
             </a:r>
           </a:p>
           <a:p>
             <a:pPr lvl="4"/>
             <a:r>
-              <a:rPr lang="it-IT" smtClean="0"/>
+              <a:rPr lang="it-IT"/>
               <a:t>Quinto livello</a:t>
             </a:r>
             <a:endParaRPr lang="en-US" dirty="0"/>
@@ -2824,7 +2824,7 @@
           <a:p>
             <a:pPr lvl="0"/>
             <a:r>
-              <a:rPr lang="it-IT" smtClean="0"/>
+              <a:rPr lang="it-IT"/>
               <a:t>Fare clic per modificare stili del testo dello schema</a:t>
             </a:r>
           </a:p>
@@ -2847,7 +2847,7 @@
           <a:p>
             <a:fld id="{58934856-B684-4EEB-A536-ADAAFD9BF0FD}" type="datetimeFigureOut">
               <a:rPr lang="it-IT" smtClean="0"/>
-              <a:t>29/02/2024</a:t>
+              <a:t>01/03/2024</a:t>
             </a:fld>
             <a:endParaRPr lang="it-IT"/>
           </a:p>
@@ -2930,7 +2930,7 @@
           <p:cNvPr id="16" name="Rectangle 15">
             <a:extLst>
               <a:ext uri="{FF2B5EF4-FFF2-40B4-BE49-F238E27FC236}">
-                <a16:creationId xmlns="" xmlns:a16="http://schemas.microsoft.com/office/drawing/2014/main" id="{6B735EAF-8052-DDCD-6CEC-D825479BEFD3}"/>
+                <a16:creationId xmlns:a16="http://schemas.microsoft.com/office/drawing/2014/main" id="{6B735EAF-8052-DDCD-6CEC-D825479BEFD3}"/>
               </a:ext>
             </a:extLst>
           </p:cNvPr>
@@ -2985,7 +2985,7 @@
           <p:cNvPr id="2" name="Title 1">
             <a:extLst>
               <a:ext uri="{FF2B5EF4-FFF2-40B4-BE49-F238E27FC236}">
-                <a16:creationId xmlns="" xmlns:a16="http://schemas.microsoft.com/office/drawing/2014/main" id="{44C9E92B-FE67-1F3D-DCA0-195195A4AB6A}"/>
+                <a16:creationId xmlns:a16="http://schemas.microsoft.com/office/drawing/2014/main" id="{44C9E92B-FE67-1F3D-DCA0-195195A4AB6A}"/>
               </a:ext>
             </a:extLst>
           </p:cNvPr>
@@ -3027,7 +3027,7 @@
           <p:cNvPr id="10" name="Straight Connector 9">
             <a:extLst>
               <a:ext uri="{FF2B5EF4-FFF2-40B4-BE49-F238E27FC236}">
-                <a16:creationId xmlns="" xmlns:a16="http://schemas.microsoft.com/office/drawing/2014/main" id="{3FB318F3-41C4-0F1C-1CBD-D5A32280E575}"/>
+                <a16:creationId xmlns:a16="http://schemas.microsoft.com/office/drawing/2014/main" id="{3FB318F3-41C4-0F1C-1CBD-D5A32280E575}"/>
               </a:ext>
             </a:extLst>
           </p:cNvPr>
@@ -3073,7 +3073,7 @@
           <p:cNvPr id="14" name="Straight Connector 13">
             <a:extLst>
               <a:ext uri="{FF2B5EF4-FFF2-40B4-BE49-F238E27FC236}">
-                <a16:creationId xmlns="" xmlns:a16="http://schemas.microsoft.com/office/drawing/2014/main" id="{0C43CC35-4750-6912-E49F-E917DF9AB637}"/>
+                <a16:creationId xmlns:a16="http://schemas.microsoft.com/office/drawing/2014/main" id="{0C43CC35-4750-6912-E49F-E917DF9AB637}"/>
               </a:ext>
             </a:extLst>
           </p:cNvPr>
@@ -3119,7 +3119,7 @@
           <p:cNvPr id="7" name="Picture Placeholder 6">
             <a:extLst>
               <a:ext uri="{FF2B5EF4-FFF2-40B4-BE49-F238E27FC236}">
-                <a16:creationId xmlns="" xmlns:a16="http://schemas.microsoft.com/office/drawing/2014/main" id="{DCB9F921-8097-7740-47FD-1905F9FE448C}"/>
+                <a16:creationId xmlns:a16="http://schemas.microsoft.com/office/drawing/2014/main" id="{DCB9F921-8097-7740-47FD-1905F9FE448C}"/>
               </a:ext>
             </a:extLst>
           </p:cNvPr>
@@ -3149,7 +3149,7 @@
           <p:cNvPr id="9" name="Text Placeholder 7">
             <a:extLst>
               <a:ext uri="{FF2B5EF4-FFF2-40B4-BE49-F238E27FC236}">
-                <a16:creationId xmlns="" xmlns:a16="http://schemas.microsoft.com/office/drawing/2014/main" id="{DEBCBD63-480F-D96C-B0DF-94EF264BA08C}"/>
+                <a16:creationId xmlns:a16="http://schemas.microsoft.com/office/drawing/2014/main" id="{DEBCBD63-480F-D96C-B0DF-94EF264BA08C}"/>
               </a:ext>
             </a:extLst>
           </p:cNvPr>
@@ -3200,7 +3200,7 @@
           <p:cNvPr id="12" name="Text Placeholder 7">
             <a:extLst>
               <a:ext uri="{FF2B5EF4-FFF2-40B4-BE49-F238E27FC236}">
-                <a16:creationId xmlns="" xmlns:a16="http://schemas.microsoft.com/office/drawing/2014/main" id="{23F1D198-945D-C96D-60E9-C0AEC5E296ED}"/>
+                <a16:creationId xmlns:a16="http://schemas.microsoft.com/office/drawing/2014/main" id="{23F1D198-945D-C96D-60E9-C0AEC5E296ED}"/>
               </a:ext>
             </a:extLst>
           </p:cNvPr>
@@ -3251,7 +3251,7 @@
           <p:cNvPr id="13" name="Text Placeholder 7">
             <a:extLst>
               <a:ext uri="{FF2B5EF4-FFF2-40B4-BE49-F238E27FC236}">
-                <a16:creationId xmlns="" xmlns:a16="http://schemas.microsoft.com/office/drawing/2014/main" id="{BDCD9B2A-F0BB-F9DB-CC75-2EC1683475F8}"/>
+                <a16:creationId xmlns:a16="http://schemas.microsoft.com/office/drawing/2014/main" id="{BDCD9B2A-F0BB-F9DB-CC75-2EC1683475F8}"/>
               </a:ext>
             </a:extLst>
           </p:cNvPr>
@@ -3302,7 +3302,7 @@
           <p:cNvPr id="17" name="Text Placeholder 12">
             <a:extLst>
               <a:ext uri="{FF2B5EF4-FFF2-40B4-BE49-F238E27FC236}">
-                <a16:creationId xmlns="" xmlns:a16="http://schemas.microsoft.com/office/drawing/2014/main" id="{68651C4C-4AD1-19DA-CC78-BEC58707B5AD}"/>
+                <a16:creationId xmlns:a16="http://schemas.microsoft.com/office/drawing/2014/main" id="{68651C4C-4AD1-19DA-CC78-BEC58707B5AD}"/>
               </a:ext>
             </a:extLst>
           </p:cNvPr>
@@ -3366,7 +3366,7 @@
           <p:cNvPr id="3" name="Text Placeholder 7">
             <a:extLst>
               <a:ext uri="{FF2B5EF4-FFF2-40B4-BE49-F238E27FC236}">
-                <a16:creationId xmlns="" xmlns:a16="http://schemas.microsoft.com/office/drawing/2014/main" id="{12271BA1-38C2-A7FE-AC76-8EC49BFBBE35}"/>
+                <a16:creationId xmlns:a16="http://schemas.microsoft.com/office/drawing/2014/main" id="{12271BA1-38C2-A7FE-AC76-8EC49BFBBE35}"/>
               </a:ext>
             </a:extLst>
           </p:cNvPr>
@@ -3422,7 +3422,7 @@
   <p:clrMapOvr>
     <a:masterClrMapping/>
   </p:clrMapOvr>
-  <p:extLst mod="1">
+  <p:extLst>
     <p:ext uri="{DCECCB84-F9BA-43D5-87BE-67443E8EF086}">
       <p15:sldGuideLst xmlns:p15="http://schemas.microsoft.com/office/powerpoint/2012/main">
         <p15:guide id="1" orient="horz" pos="840">
@@ -3538,7 +3538,7 @@
           </a:lstStyle>
           <a:p>
             <a:r>
-              <a:rPr lang="it-IT" smtClean="0"/>
+              <a:rPr lang="it-IT"/>
               <a:t>Fare clic per modificare lo stile del titolo</a:t>
             </a:r>
             <a:endParaRPr lang="en-US" dirty="0"/>
@@ -3603,7 +3603,7 @@
           </a:lstStyle>
           <a:p>
             <a:r>
-              <a:rPr lang="it-IT" smtClean="0"/>
+              <a:rPr lang="it-IT"/>
               <a:t>Fare clic sull'icona per inserire un'immagine</a:t>
             </a:r>
             <a:endParaRPr lang="en-US" dirty="0"/>
@@ -3669,7 +3669,7 @@
           <a:p>
             <a:pPr lvl="0"/>
             <a:r>
-              <a:rPr lang="it-IT" smtClean="0"/>
+              <a:rPr lang="it-IT"/>
               <a:t>Fare clic per modificare stili del testo dello schema</a:t>
             </a:r>
           </a:p>
@@ -3692,7 +3692,7 @@
           <a:p>
             <a:fld id="{58934856-B684-4EEB-A536-ADAAFD9BF0FD}" type="datetimeFigureOut">
               <a:rPr lang="it-IT" smtClean="0"/>
-              <a:t>29/02/2024</a:t>
+              <a:t>01/03/2024</a:t>
             </a:fld>
             <a:endParaRPr lang="it-IT"/>
           </a:p>
@@ -3786,7 +3786,7 @@
           <a:lstStyle/>
           <a:p>
             <a:r>
-              <a:rPr lang="it-IT" smtClean="0"/>
+              <a:rPr lang="it-IT"/>
               <a:t>Fare clic per modificare lo stile del titolo</a:t>
             </a:r>
             <a:endParaRPr lang="en-US" dirty="0"/>
@@ -3810,35 +3810,35 @@
           <a:p>
             <a:pPr lvl="0"/>
             <a:r>
-              <a:rPr lang="it-IT" smtClean="0"/>
+              <a:rPr lang="it-IT"/>
               <a:t>Fare clic per modificare stili del testo dello schema</a:t>
             </a:r>
           </a:p>
           <a:p>
             <a:pPr lvl="1"/>
             <a:r>
-              <a:rPr lang="it-IT" smtClean="0"/>
+              <a:rPr lang="it-IT"/>
               <a:t>Secondo livello</a:t>
             </a:r>
           </a:p>
           <a:p>
             <a:pPr lvl="2"/>
             <a:r>
-              <a:rPr lang="it-IT" smtClean="0"/>
+              <a:rPr lang="it-IT"/>
               <a:t>Terzo livello</a:t>
             </a:r>
           </a:p>
           <a:p>
             <a:pPr lvl="3"/>
             <a:r>
-              <a:rPr lang="it-IT" smtClean="0"/>
+              <a:rPr lang="it-IT"/>
               <a:t>Quarto livello</a:t>
             </a:r>
           </a:p>
           <a:p>
             <a:pPr lvl="4"/>
             <a:r>
-              <a:rPr lang="it-IT" smtClean="0"/>
+              <a:rPr lang="it-IT"/>
               <a:t>Quinto livello</a:t>
             </a:r>
             <a:endParaRPr lang="en-US" dirty="0"/>
@@ -3862,7 +3862,7 @@
           <a:p>
             <a:fld id="{58934856-B684-4EEB-A536-ADAAFD9BF0FD}" type="datetimeFigureOut">
               <a:rPr lang="it-IT" smtClean="0"/>
-              <a:t>29/02/2024</a:t>
+              <a:t>01/03/2024</a:t>
             </a:fld>
             <a:endParaRPr lang="it-IT"/>
           </a:p>
@@ -3961,7 +3961,7 @@
           <a:lstStyle/>
           <a:p>
             <a:r>
-              <a:rPr lang="it-IT" smtClean="0"/>
+              <a:rPr lang="it-IT"/>
               <a:t>Fare clic per modificare lo stile del titolo</a:t>
             </a:r>
             <a:endParaRPr lang="en-US" dirty="0"/>
@@ -3990,35 +3990,35 @@
           <a:p>
             <a:pPr lvl="0"/>
             <a:r>
-              <a:rPr lang="it-IT" smtClean="0"/>
+              <a:rPr lang="it-IT"/>
               <a:t>Fare clic per modificare stili del testo dello schema</a:t>
             </a:r>
           </a:p>
           <a:p>
             <a:pPr lvl="1"/>
             <a:r>
-              <a:rPr lang="it-IT" smtClean="0"/>
+              <a:rPr lang="it-IT"/>
               <a:t>Secondo livello</a:t>
             </a:r>
           </a:p>
           <a:p>
             <a:pPr lvl="2"/>
             <a:r>
-              <a:rPr lang="it-IT" smtClean="0"/>
+              <a:rPr lang="it-IT"/>
               <a:t>Terzo livello</a:t>
             </a:r>
           </a:p>
           <a:p>
             <a:pPr lvl="3"/>
             <a:r>
-              <a:rPr lang="it-IT" smtClean="0"/>
+              <a:rPr lang="it-IT"/>
               <a:t>Quarto livello</a:t>
             </a:r>
           </a:p>
           <a:p>
             <a:pPr lvl="4"/>
             <a:r>
-              <a:rPr lang="it-IT" smtClean="0"/>
+              <a:rPr lang="it-IT"/>
               <a:t>Quinto livello</a:t>
             </a:r>
             <a:endParaRPr lang="en-US" dirty="0"/>
@@ -4042,7 +4042,7 @@
           <a:p>
             <a:fld id="{58934856-B684-4EEB-A536-ADAAFD9BF0FD}" type="datetimeFigureOut">
               <a:rPr lang="it-IT" smtClean="0"/>
-              <a:t>29/02/2024</a:t>
+              <a:t>01/03/2024</a:t>
             </a:fld>
             <a:endParaRPr lang="it-IT"/>
           </a:p>
@@ -4125,7 +4125,7 @@
           <p:cNvPr id="3" name="Rectangle 2">
             <a:extLst>
               <a:ext uri="{FF2B5EF4-FFF2-40B4-BE49-F238E27FC236}">
-                <a16:creationId xmlns="" xmlns:a16="http://schemas.microsoft.com/office/drawing/2014/main" id="{1E7C7D43-1CC3-3332-AEFC-59ABB023F7AC}"/>
+                <a16:creationId xmlns:a16="http://schemas.microsoft.com/office/drawing/2014/main" id="{1E7C7D43-1CC3-3332-AEFC-59ABB023F7AC}"/>
               </a:ext>
             </a:extLst>
           </p:cNvPr>
@@ -4180,7 +4180,7 @@
           <p:cNvPr id="2" name="Title 1">
             <a:extLst>
               <a:ext uri="{FF2B5EF4-FFF2-40B4-BE49-F238E27FC236}">
-                <a16:creationId xmlns="" xmlns:a16="http://schemas.microsoft.com/office/drawing/2014/main" id="{44C9E92B-FE67-1F3D-DCA0-195195A4AB6A}"/>
+                <a16:creationId xmlns:a16="http://schemas.microsoft.com/office/drawing/2014/main" id="{44C9E92B-FE67-1F3D-DCA0-195195A4AB6A}"/>
               </a:ext>
             </a:extLst>
           </p:cNvPr>
@@ -4222,7 +4222,7 @@
           <p:cNvPr id="10" name="Straight Connector 9">
             <a:extLst>
               <a:ext uri="{FF2B5EF4-FFF2-40B4-BE49-F238E27FC236}">
-                <a16:creationId xmlns="" xmlns:a16="http://schemas.microsoft.com/office/drawing/2014/main" id="{3FB318F3-41C4-0F1C-1CBD-D5A32280E575}"/>
+                <a16:creationId xmlns:a16="http://schemas.microsoft.com/office/drawing/2014/main" id="{3FB318F3-41C4-0F1C-1CBD-D5A32280E575}"/>
               </a:ext>
             </a:extLst>
           </p:cNvPr>
@@ -4268,7 +4268,7 @@
           <p:cNvPr id="14" name="Straight Connector 13">
             <a:extLst>
               <a:ext uri="{FF2B5EF4-FFF2-40B4-BE49-F238E27FC236}">
-                <a16:creationId xmlns="" xmlns:a16="http://schemas.microsoft.com/office/drawing/2014/main" id="{0C43CC35-4750-6912-E49F-E917DF9AB637}"/>
+                <a16:creationId xmlns:a16="http://schemas.microsoft.com/office/drawing/2014/main" id="{0C43CC35-4750-6912-E49F-E917DF9AB637}"/>
               </a:ext>
             </a:extLst>
           </p:cNvPr>
@@ -4314,7 +4314,7 @@
           <p:cNvPr id="8" name="Text Placeholder 7">
             <a:extLst>
               <a:ext uri="{FF2B5EF4-FFF2-40B4-BE49-F238E27FC236}">
-                <a16:creationId xmlns="" xmlns:a16="http://schemas.microsoft.com/office/drawing/2014/main" id="{CF06E8DC-A0CF-0798-ADF8-761E7E68BAC4}"/>
+                <a16:creationId xmlns:a16="http://schemas.microsoft.com/office/drawing/2014/main" id="{CF06E8DC-A0CF-0798-ADF8-761E7E68BAC4}"/>
               </a:ext>
             </a:extLst>
           </p:cNvPr>
@@ -4365,7 +4365,7 @@
           <p:cNvPr id="12" name="Text Placeholder 7">
             <a:extLst>
               <a:ext uri="{FF2B5EF4-FFF2-40B4-BE49-F238E27FC236}">
-                <a16:creationId xmlns="" xmlns:a16="http://schemas.microsoft.com/office/drawing/2014/main" id="{FCFA915D-63BE-A1E7-E7C6-A8B7F841C27B}"/>
+                <a16:creationId xmlns:a16="http://schemas.microsoft.com/office/drawing/2014/main" id="{FCFA915D-63BE-A1E7-E7C6-A8B7F841C27B}"/>
               </a:ext>
             </a:extLst>
           </p:cNvPr>
@@ -4416,7 +4416,7 @@
           <p:cNvPr id="15" name="Text Placeholder 7">
             <a:extLst>
               <a:ext uri="{FF2B5EF4-FFF2-40B4-BE49-F238E27FC236}">
-                <a16:creationId xmlns="" xmlns:a16="http://schemas.microsoft.com/office/drawing/2014/main" id="{2D2F8532-EAC1-4C87-C49E-5B099E83972D}"/>
+                <a16:creationId xmlns:a16="http://schemas.microsoft.com/office/drawing/2014/main" id="{2D2F8532-EAC1-4C87-C49E-5B099E83972D}"/>
               </a:ext>
             </a:extLst>
           </p:cNvPr>
@@ -4467,7 +4467,7 @@
           <p:cNvPr id="16" name="Text Placeholder 7">
             <a:extLst>
               <a:ext uri="{FF2B5EF4-FFF2-40B4-BE49-F238E27FC236}">
-                <a16:creationId xmlns="" xmlns:a16="http://schemas.microsoft.com/office/drawing/2014/main" id="{267078C8-F910-8FC3-7286-ADF1FB40862C}"/>
+                <a16:creationId xmlns:a16="http://schemas.microsoft.com/office/drawing/2014/main" id="{267078C8-F910-8FC3-7286-ADF1FB40862C}"/>
               </a:ext>
             </a:extLst>
           </p:cNvPr>
@@ -4518,7 +4518,7 @@
           <p:cNvPr id="17" name="Text Placeholder 7">
             <a:extLst>
               <a:ext uri="{FF2B5EF4-FFF2-40B4-BE49-F238E27FC236}">
-                <a16:creationId xmlns="" xmlns:a16="http://schemas.microsoft.com/office/drawing/2014/main" id="{2A8B99F6-09B0-9487-3A2A-0062188384B3}"/>
+                <a16:creationId xmlns:a16="http://schemas.microsoft.com/office/drawing/2014/main" id="{2A8B99F6-09B0-9487-3A2A-0062188384B3}"/>
               </a:ext>
             </a:extLst>
           </p:cNvPr>
@@ -4569,7 +4569,7 @@
           <p:cNvPr id="18" name="Text Placeholder 7">
             <a:extLst>
               <a:ext uri="{FF2B5EF4-FFF2-40B4-BE49-F238E27FC236}">
-                <a16:creationId xmlns="" xmlns:a16="http://schemas.microsoft.com/office/drawing/2014/main" id="{E2F86FE2-AC0C-C76C-B2BD-9A02FA2E0205}"/>
+                <a16:creationId xmlns:a16="http://schemas.microsoft.com/office/drawing/2014/main" id="{E2F86FE2-AC0C-C76C-B2BD-9A02FA2E0205}"/>
               </a:ext>
             </a:extLst>
           </p:cNvPr>
@@ -4625,7 +4625,7 @@
   <p:clrMapOvr>
     <a:masterClrMapping/>
   </p:clrMapOvr>
-  <p:extLst mod="1">
+  <p:extLst>
     <p:ext uri="{DCECCB84-F9BA-43D5-87BE-67443E8EF086}">
       <p15:sldGuideLst xmlns:p15="http://schemas.microsoft.com/office/powerpoint/2012/main">
         <p15:guide id="1" orient="horz" pos="840">
@@ -4726,7 +4726,7 @@
           <p:cNvPr id="2" name="Title 1">
             <a:extLst>
               <a:ext uri="{FF2B5EF4-FFF2-40B4-BE49-F238E27FC236}">
-                <a16:creationId xmlns="" xmlns:a16="http://schemas.microsoft.com/office/drawing/2014/main" id="{44C9E92B-FE67-1F3D-DCA0-195195A4AB6A}"/>
+                <a16:creationId xmlns:a16="http://schemas.microsoft.com/office/drawing/2014/main" id="{44C9E92B-FE67-1F3D-DCA0-195195A4AB6A}"/>
               </a:ext>
             </a:extLst>
           </p:cNvPr>
@@ -4768,7 +4768,7 @@
           <p:cNvPr id="10" name="Straight Connector 9">
             <a:extLst>
               <a:ext uri="{FF2B5EF4-FFF2-40B4-BE49-F238E27FC236}">
-                <a16:creationId xmlns="" xmlns:a16="http://schemas.microsoft.com/office/drawing/2014/main" id="{3FB318F3-41C4-0F1C-1CBD-D5A32280E575}"/>
+                <a16:creationId xmlns:a16="http://schemas.microsoft.com/office/drawing/2014/main" id="{3FB318F3-41C4-0F1C-1CBD-D5A32280E575}"/>
               </a:ext>
             </a:extLst>
           </p:cNvPr>
@@ -4814,7 +4814,7 @@
           <p:cNvPr id="14" name="Straight Connector 13">
             <a:extLst>
               <a:ext uri="{FF2B5EF4-FFF2-40B4-BE49-F238E27FC236}">
-                <a16:creationId xmlns="" xmlns:a16="http://schemas.microsoft.com/office/drawing/2014/main" id="{0C43CC35-4750-6912-E49F-E917DF9AB637}"/>
+                <a16:creationId xmlns:a16="http://schemas.microsoft.com/office/drawing/2014/main" id="{0C43CC35-4750-6912-E49F-E917DF9AB637}"/>
               </a:ext>
             </a:extLst>
           </p:cNvPr>
@@ -4860,7 +4860,7 @@
           <p:cNvPr id="8" name="Text Placeholder 7">
             <a:extLst>
               <a:ext uri="{FF2B5EF4-FFF2-40B4-BE49-F238E27FC236}">
-                <a16:creationId xmlns="" xmlns:a16="http://schemas.microsoft.com/office/drawing/2014/main" id="{CF06E8DC-A0CF-0798-ADF8-761E7E68BAC4}"/>
+                <a16:creationId xmlns:a16="http://schemas.microsoft.com/office/drawing/2014/main" id="{CF06E8DC-A0CF-0798-ADF8-761E7E68BAC4}"/>
               </a:ext>
             </a:extLst>
           </p:cNvPr>
@@ -4911,7 +4911,7 @@
           <p:cNvPr id="12" name="Text Placeholder 7">
             <a:extLst>
               <a:ext uri="{FF2B5EF4-FFF2-40B4-BE49-F238E27FC236}">
-                <a16:creationId xmlns="" xmlns:a16="http://schemas.microsoft.com/office/drawing/2014/main" id="{FCFA915D-63BE-A1E7-E7C6-A8B7F841C27B}"/>
+                <a16:creationId xmlns:a16="http://schemas.microsoft.com/office/drawing/2014/main" id="{FCFA915D-63BE-A1E7-E7C6-A8B7F841C27B}"/>
               </a:ext>
             </a:extLst>
           </p:cNvPr>
@@ -4962,7 +4962,7 @@
           <p:cNvPr id="16" name="Text Placeholder 7">
             <a:extLst>
               <a:ext uri="{FF2B5EF4-FFF2-40B4-BE49-F238E27FC236}">
-                <a16:creationId xmlns="" xmlns:a16="http://schemas.microsoft.com/office/drawing/2014/main" id="{267078C8-F910-8FC3-7286-ADF1FB40862C}"/>
+                <a16:creationId xmlns:a16="http://schemas.microsoft.com/office/drawing/2014/main" id="{267078C8-F910-8FC3-7286-ADF1FB40862C}"/>
               </a:ext>
             </a:extLst>
           </p:cNvPr>
@@ -5013,7 +5013,7 @@
           <p:cNvPr id="17" name="Text Placeholder 7">
             <a:extLst>
               <a:ext uri="{FF2B5EF4-FFF2-40B4-BE49-F238E27FC236}">
-                <a16:creationId xmlns="" xmlns:a16="http://schemas.microsoft.com/office/drawing/2014/main" id="{2A8B99F6-09B0-9487-3A2A-0062188384B3}"/>
+                <a16:creationId xmlns:a16="http://schemas.microsoft.com/office/drawing/2014/main" id="{2A8B99F6-09B0-9487-3A2A-0062188384B3}"/>
               </a:ext>
             </a:extLst>
           </p:cNvPr>
@@ -5064,7 +5064,7 @@
           <p:cNvPr id="7" name="Picture Placeholder 6">
             <a:extLst>
               <a:ext uri="{FF2B5EF4-FFF2-40B4-BE49-F238E27FC236}">
-                <a16:creationId xmlns="" xmlns:a16="http://schemas.microsoft.com/office/drawing/2014/main" id="{39F175D2-EEFE-E4BF-0E57-03025B8F8D64}"/>
+                <a16:creationId xmlns:a16="http://schemas.microsoft.com/office/drawing/2014/main" id="{39F175D2-EEFE-E4BF-0E57-03025B8F8D64}"/>
               </a:ext>
             </a:extLst>
           </p:cNvPr>
@@ -5094,7 +5094,7 @@
           <p:cNvPr id="15" name="Text Placeholder 12">
             <a:extLst>
               <a:ext uri="{FF2B5EF4-FFF2-40B4-BE49-F238E27FC236}">
-                <a16:creationId xmlns="" xmlns:a16="http://schemas.microsoft.com/office/drawing/2014/main" id="{273C4E42-511B-EB94-CA0A-051B1A4A918D}"/>
+                <a16:creationId xmlns:a16="http://schemas.microsoft.com/office/drawing/2014/main" id="{273C4E42-511B-EB94-CA0A-051B1A4A918D}"/>
               </a:ext>
             </a:extLst>
           </p:cNvPr>
@@ -5163,7 +5163,7 @@
   <p:clrMapOvr>
     <a:masterClrMapping/>
   </p:clrMapOvr>
-  <p:extLst mod="1">
+  <p:extLst>
     <p:ext uri="{DCECCB84-F9BA-43D5-87BE-67443E8EF086}">
       <p15:sldGuideLst xmlns:p15="http://schemas.microsoft.com/office/powerpoint/2012/main">
         <p15:guide id="1" orient="horz" pos="840">
@@ -5244,7 +5244,7 @@
           <p:cNvPr id="3" name="Rectangle 2">
             <a:extLst>
               <a:ext uri="{FF2B5EF4-FFF2-40B4-BE49-F238E27FC236}">
-                <a16:creationId xmlns="" xmlns:a16="http://schemas.microsoft.com/office/drawing/2014/main" id="{EE70AFB9-F87E-11AC-2B32-B5178FE34E78}"/>
+                <a16:creationId xmlns:a16="http://schemas.microsoft.com/office/drawing/2014/main" id="{EE70AFB9-F87E-11AC-2B32-B5178FE34E78}"/>
               </a:ext>
             </a:extLst>
           </p:cNvPr>
@@ -5296,7 +5296,7 @@
           <p:cNvPr id="2" name="Title 1">
             <a:extLst>
               <a:ext uri="{FF2B5EF4-FFF2-40B4-BE49-F238E27FC236}">
-                <a16:creationId xmlns="" xmlns:a16="http://schemas.microsoft.com/office/drawing/2014/main" id="{44C9E92B-FE67-1F3D-DCA0-195195A4AB6A}"/>
+                <a16:creationId xmlns:a16="http://schemas.microsoft.com/office/drawing/2014/main" id="{44C9E92B-FE67-1F3D-DCA0-195195A4AB6A}"/>
               </a:ext>
             </a:extLst>
           </p:cNvPr>
@@ -5338,7 +5338,7 @@
           <p:cNvPr id="10" name="Straight Connector 9">
             <a:extLst>
               <a:ext uri="{FF2B5EF4-FFF2-40B4-BE49-F238E27FC236}">
-                <a16:creationId xmlns="" xmlns:a16="http://schemas.microsoft.com/office/drawing/2014/main" id="{3FB318F3-41C4-0F1C-1CBD-D5A32280E575}"/>
+                <a16:creationId xmlns:a16="http://schemas.microsoft.com/office/drawing/2014/main" id="{3FB318F3-41C4-0F1C-1CBD-D5A32280E575}"/>
               </a:ext>
             </a:extLst>
           </p:cNvPr>
@@ -5384,7 +5384,7 @@
           <p:cNvPr id="14" name="Straight Connector 13">
             <a:extLst>
               <a:ext uri="{FF2B5EF4-FFF2-40B4-BE49-F238E27FC236}">
-                <a16:creationId xmlns="" xmlns:a16="http://schemas.microsoft.com/office/drawing/2014/main" id="{0C43CC35-4750-6912-E49F-E917DF9AB637}"/>
+                <a16:creationId xmlns:a16="http://schemas.microsoft.com/office/drawing/2014/main" id="{0C43CC35-4750-6912-E49F-E917DF9AB637}"/>
               </a:ext>
             </a:extLst>
           </p:cNvPr>
@@ -5430,7 +5430,7 @@
           <p:cNvPr id="8" name="Text Placeholder 7">
             <a:extLst>
               <a:ext uri="{FF2B5EF4-FFF2-40B4-BE49-F238E27FC236}">
-                <a16:creationId xmlns="" xmlns:a16="http://schemas.microsoft.com/office/drawing/2014/main" id="{CF06E8DC-A0CF-0798-ADF8-761E7E68BAC4}"/>
+                <a16:creationId xmlns:a16="http://schemas.microsoft.com/office/drawing/2014/main" id="{CF06E8DC-A0CF-0798-ADF8-761E7E68BAC4}"/>
               </a:ext>
             </a:extLst>
           </p:cNvPr>
@@ -5481,7 +5481,7 @@
           <p:cNvPr id="12" name="Text Placeholder 7">
             <a:extLst>
               <a:ext uri="{FF2B5EF4-FFF2-40B4-BE49-F238E27FC236}">
-                <a16:creationId xmlns="" xmlns:a16="http://schemas.microsoft.com/office/drawing/2014/main" id="{FCFA915D-63BE-A1E7-E7C6-A8B7F841C27B}"/>
+                <a16:creationId xmlns:a16="http://schemas.microsoft.com/office/drawing/2014/main" id="{FCFA915D-63BE-A1E7-E7C6-A8B7F841C27B}"/>
               </a:ext>
             </a:extLst>
           </p:cNvPr>
@@ -5532,7 +5532,7 @@
           <p:cNvPr id="15" name="Text Placeholder 7">
             <a:extLst>
               <a:ext uri="{FF2B5EF4-FFF2-40B4-BE49-F238E27FC236}">
-                <a16:creationId xmlns="" xmlns:a16="http://schemas.microsoft.com/office/drawing/2014/main" id="{2D2F8532-EAC1-4C87-C49E-5B099E83972D}"/>
+                <a16:creationId xmlns:a16="http://schemas.microsoft.com/office/drawing/2014/main" id="{2D2F8532-EAC1-4C87-C49E-5B099E83972D}"/>
               </a:ext>
             </a:extLst>
           </p:cNvPr>
@@ -5583,7 +5583,7 @@
           <p:cNvPr id="16" name="Text Placeholder 7">
             <a:extLst>
               <a:ext uri="{FF2B5EF4-FFF2-40B4-BE49-F238E27FC236}">
-                <a16:creationId xmlns="" xmlns:a16="http://schemas.microsoft.com/office/drawing/2014/main" id="{267078C8-F910-8FC3-7286-ADF1FB40862C}"/>
+                <a16:creationId xmlns:a16="http://schemas.microsoft.com/office/drawing/2014/main" id="{267078C8-F910-8FC3-7286-ADF1FB40862C}"/>
               </a:ext>
             </a:extLst>
           </p:cNvPr>
@@ -5634,7 +5634,7 @@
           <p:cNvPr id="17" name="Text Placeholder 7">
             <a:extLst>
               <a:ext uri="{FF2B5EF4-FFF2-40B4-BE49-F238E27FC236}">
-                <a16:creationId xmlns="" xmlns:a16="http://schemas.microsoft.com/office/drawing/2014/main" id="{2A8B99F6-09B0-9487-3A2A-0062188384B3}"/>
+                <a16:creationId xmlns:a16="http://schemas.microsoft.com/office/drawing/2014/main" id="{2A8B99F6-09B0-9487-3A2A-0062188384B3}"/>
               </a:ext>
             </a:extLst>
           </p:cNvPr>
@@ -5685,7 +5685,7 @@
           <p:cNvPr id="18" name="Text Placeholder 7">
             <a:extLst>
               <a:ext uri="{FF2B5EF4-FFF2-40B4-BE49-F238E27FC236}">
-                <a16:creationId xmlns="" xmlns:a16="http://schemas.microsoft.com/office/drawing/2014/main" id="{E2F86FE2-AC0C-C76C-B2BD-9A02FA2E0205}"/>
+                <a16:creationId xmlns:a16="http://schemas.microsoft.com/office/drawing/2014/main" id="{E2F86FE2-AC0C-C76C-B2BD-9A02FA2E0205}"/>
               </a:ext>
             </a:extLst>
           </p:cNvPr>
@@ -5741,7 +5741,7 @@
   <p:clrMapOvr>
     <a:masterClrMapping/>
   </p:clrMapOvr>
-  <p:extLst mod="1">
+  <p:extLst>
     <p:ext uri="{DCECCB84-F9BA-43D5-87BE-67443E8EF086}">
       <p15:sldGuideLst xmlns:p15="http://schemas.microsoft.com/office/powerpoint/2012/main">
         <p15:guide id="1" orient="horz" pos="840">
@@ -5842,7 +5842,7 @@
           <p:cNvPr id="4" name="Rectangle 3">
             <a:extLst>
               <a:ext uri="{FF2B5EF4-FFF2-40B4-BE49-F238E27FC236}">
-                <a16:creationId xmlns="" xmlns:a16="http://schemas.microsoft.com/office/drawing/2014/main" id="{9D414779-4CEE-EEAD-8A66-EE043E90B44F}"/>
+                <a16:creationId xmlns:a16="http://schemas.microsoft.com/office/drawing/2014/main" id="{9D414779-4CEE-EEAD-8A66-EE043E90B44F}"/>
               </a:ext>
             </a:extLst>
           </p:cNvPr>
@@ -5894,7 +5894,7 @@
           <p:cNvPr id="2" name="Title 1">
             <a:extLst>
               <a:ext uri="{FF2B5EF4-FFF2-40B4-BE49-F238E27FC236}">
-                <a16:creationId xmlns="" xmlns:a16="http://schemas.microsoft.com/office/drawing/2014/main" id="{44C9E92B-FE67-1F3D-DCA0-195195A4AB6A}"/>
+                <a16:creationId xmlns:a16="http://schemas.microsoft.com/office/drawing/2014/main" id="{44C9E92B-FE67-1F3D-DCA0-195195A4AB6A}"/>
               </a:ext>
             </a:extLst>
           </p:cNvPr>
@@ -5936,7 +5936,7 @@
           <p:cNvPr id="10" name="Straight Connector 9">
             <a:extLst>
               <a:ext uri="{FF2B5EF4-FFF2-40B4-BE49-F238E27FC236}">
-                <a16:creationId xmlns="" xmlns:a16="http://schemas.microsoft.com/office/drawing/2014/main" id="{3FB318F3-41C4-0F1C-1CBD-D5A32280E575}"/>
+                <a16:creationId xmlns:a16="http://schemas.microsoft.com/office/drawing/2014/main" id="{3FB318F3-41C4-0F1C-1CBD-D5A32280E575}"/>
               </a:ext>
             </a:extLst>
           </p:cNvPr>
@@ -5982,7 +5982,7 @@
           <p:cNvPr id="14" name="Straight Connector 13">
             <a:extLst>
               <a:ext uri="{FF2B5EF4-FFF2-40B4-BE49-F238E27FC236}">
-                <a16:creationId xmlns="" xmlns:a16="http://schemas.microsoft.com/office/drawing/2014/main" id="{0C43CC35-4750-6912-E49F-E917DF9AB637}"/>
+                <a16:creationId xmlns:a16="http://schemas.microsoft.com/office/drawing/2014/main" id="{0C43CC35-4750-6912-E49F-E917DF9AB637}"/>
               </a:ext>
             </a:extLst>
           </p:cNvPr>
@@ -6028,7 +6028,7 @@
           <p:cNvPr id="8" name="Text Placeholder 7">
             <a:extLst>
               <a:ext uri="{FF2B5EF4-FFF2-40B4-BE49-F238E27FC236}">
-                <a16:creationId xmlns="" xmlns:a16="http://schemas.microsoft.com/office/drawing/2014/main" id="{CF06E8DC-A0CF-0798-ADF8-761E7E68BAC4}"/>
+                <a16:creationId xmlns:a16="http://schemas.microsoft.com/office/drawing/2014/main" id="{CF06E8DC-A0CF-0798-ADF8-761E7E68BAC4}"/>
               </a:ext>
             </a:extLst>
           </p:cNvPr>
@@ -6079,7 +6079,7 @@
           <p:cNvPr id="15" name="Text Placeholder 7">
             <a:extLst>
               <a:ext uri="{FF2B5EF4-FFF2-40B4-BE49-F238E27FC236}">
-                <a16:creationId xmlns="" xmlns:a16="http://schemas.microsoft.com/office/drawing/2014/main" id="{2D2F8532-EAC1-4C87-C49E-5B099E83972D}"/>
+                <a16:creationId xmlns:a16="http://schemas.microsoft.com/office/drawing/2014/main" id="{2D2F8532-EAC1-4C87-C49E-5B099E83972D}"/>
               </a:ext>
             </a:extLst>
           </p:cNvPr>
@@ -6130,7 +6130,7 @@
           <p:cNvPr id="17" name="Text Placeholder 7">
             <a:extLst>
               <a:ext uri="{FF2B5EF4-FFF2-40B4-BE49-F238E27FC236}">
-                <a16:creationId xmlns="" xmlns:a16="http://schemas.microsoft.com/office/drawing/2014/main" id="{2A8B99F6-09B0-9487-3A2A-0062188384B3}"/>
+                <a16:creationId xmlns:a16="http://schemas.microsoft.com/office/drawing/2014/main" id="{2A8B99F6-09B0-9487-3A2A-0062188384B3}"/>
               </a:ext>
             </a:extLst>
           </p:cNvPr>
@@ -6181,7 +6181,7 @@
           <p:cNvPr id="18" name="Text Placeholder 7">
             <a:extLst>
               <a:ext uri="{FF2B5EF4-FFF2-40B4-BE49-F238E27FC236}">
-                <a16:creationId xmlns="" xmlns:a16="http://schemas.microsoft.com/office/drawing/2014/main" id="{E2F86FE2-AC0C-C76C-B2BD-9A02FA2E0205}"/>
+                <a16:creationId xmlns:a16="http://schemas.microsoft.com/office/drawing/2014/main" id="{E2F86FE2-AC0C-C76C-B2BD-9A02FA2E0205}"/>
               </a:ext>
             </a:extLst>
           </p:cNvPr>
@@ -6232,7 +6232,7 @@
           <p:cNvPr id="7" name="Picture Placeholder 6">
             <a:extLst>
               <a:ext uri="{FF2B5EF4-FFF2-40B4-BE49-F238E27FC236}">
-                <a16:creationId xmlns="" xmlns:a16="http://schemas.microsoft.com/office/drawing/2014/main" id="{34235A04-C2C9-A7DC-3FE5-1E7D27C0E13D}"/>
+                <a16:creationId xmlns:a16="http://schemas.microsoft.com/office/drawing/2014/main" id="{34235A04-C2C9-A7DC-3FE5-1E7D27C0E13D}"/>
               </a:ext>
             </a:extLst>
           </p:cNvPr>
@@ -6262,7 +6262,7 @@
           <p:cNvPr id="3" name="Text Placeholder 12">
             <a:extLst>
               <a:ext uri="{FF2B5EF4-FFF2-40B4-BE49-F238E27FC236}">
-                <a16:creationId xmlns="" xmlns:a16="http://schemas.microsoft.com/office/drawing/2014/main" id="{7104C814-4179-5378-738C-F0AEB2D153F3}"/>
+                <a16:creationId xmlns:a16="http://schemas.microsoft.com/office/drawing/2014/main" id="{7104C814-4179-5378-738C-F0AEB2D153F3}"/>
               </a:ext>
             </a:extLst>
           </p:cNvPr>
@@ -6331,7 +6331,7 @@
   <p:clrMapOvr>
     <a:masterClrMapping/>
   </p:clrMapOvr>
-  <p:extLst mod="1">
+  <p:extLst>
     <p:ext uri="{DCECCB84-F9BA-43D5-87BE-67443E8EF086}">
       <p15:sldGuideLst xmlns:p15="http://schemas.microsoft.com/office/powerpoint/2012/main">
         <p15:guide id="1" orient="horz" pos="840">
@@ -6432,7 +6432,7 @@
           <p:cNvPr id="8" name="Rectangle 7">
             <a:extLst>
               <a:ext uri="{FF2B5EF4-FFF2-40B4-BE49-F238E27FC236}">
-                <a16:creationId xmlns="" xmlns:a16="http://schemas.microsoft.com/office/drawing/2014/main" id="{3FB883CC-094E-7039-9807-58F11002611B}"/>
+                <a16:creationId xmlns:a16="http://schemas.microsoft.com/office/drawing/2014/main" id="{3FB883CC-094E-7039-9807-58F11002611B}"/>
               </a:ext>
             </a:extLst>
           </p:cNvPr>
@@ -6484,7 +6484,7 @@
           <p:cNvPr id="2" name="Title 1">
             <a:extLst>
               <a:ext uri="{FF2B5EF4-FFF2-40B4-BE49-F238E27FC236}">
-                <a16:creationId xmlns="" xmlns:a16="http://schemas.microsoft.com/office/drawing/2014/main" id="{44C9E92B-FE67-1F3D-DCA0-195195A4AB6A}"/>
+                <a16:creationId xmlns:a16="http://schemas.microsoft.com/office/drawing/2014/main" id="{44C9E92B-FE67-1F3D-DCA0-195195A4AB6A}"/>
               </a:ext>
             </a:extLst>
           </p:cNvPr>
@@ -6526,7 +6526,7 @@
           <p:cNvPr id="10" name="Straight Connector 9">
             <a:extLst>
               <a:ext uri="{FF2B5EF4-FFF2-40B4-BE49-F238E27FC236}">
-                <a16:creationId xmlns="" xmlns:a16="http://schemas.microsoft.com/office/drawing/2014/main" id="{3FB318F3-41C4-0F1C-1CBD-D5A32280E575}"/>
+                <a16:creationId xmlns:a16="http://schemas.microsoft.com/office/drawing/2014/main" id="{3FB318F3-41C4-0F1C-1CBD-D5A32280E575}"/>
               </a:ext>
             </a:extLst>
           </p:cNvPr>
@@ -6572,7 +6572,7 @@
           <p:cNvPr id="14" name="Straight Connector 13">
             <a:extLst>
               <a:ext uri="{FF2B5EF4-FFF2-40B4-BE49-F238E27FC236}">
-                <a16:creationId xmlns="" xmlns:a16="http://schemas.microsoft.com/office/drawing/2014/main" id="{0C43CC35-4750-6912-E49F-E917DF9AB637}"/>
+                <a16:creationId xmlns:a16="http://schemas.microsoft.com/office/drawing/2014/main" id="{0C43CC35-4750-6912-E49F-E917DF9AB637}"/>
               </a:ext>
             </a:extLst>
           </p:cNvPr>
@@ -6618,7 +6618,7 @@
           <p:cNvPr id="12" name="Text Placeholder 7">
             <a:extLst>
               <a:ext uri="{FF2B5EF4-FFF2-40B4-BE49-F238E27FC236}">
-                <a16:creationId xmlns="" xmlns:a16="http://schemas.microsoft.com/office/drawing/2014/main" id="{FCFA915D-63BE-A1E7-E7C6-A8B7F841C27B}"/>
+                <a16:creationId xmlns:a16="http://schemas.microsoft.com/office/drawing/2014/main" id="{FCFA915D-63BE-A1E7-E7C6-A8B7F841C27B}"/>
               </a:ext>
             </a:extLst>
           </p:cNvPr>
@@ -6669,7 +6669,7 @@
           <p:cNvPr id="15" name="Text Placeholder 7">
             <a:extLst>
               <a:ext uri="{FF2B5EF4-FFF2-40B4-BE49-F238E27FC236}">
-                <a16:creationId xmlns="" xmlns:a16="http://schemas.microsoft.com/office/drawing/2014/main" id="{2D2F8532-EAC1-4C87-C49E-5B099E83972D}"/>
+                <a16:creationId xmlns:a16="http://schemas.microsoft.com/office/drawing/2014/main" id="{2D2F8532-EAC1-4C87-C49E-5B099E83972D}"/>
               </a:ext>
             </a:extLst>
           </p:cNvPr>
@@ -6720,7 +6720,7 @@
           <p:cNvPr id="16" name="Text Placeholder 7">
             <a:extLst>
               <a:ext uri="{FF2B5EF4-FFF2-40B4-BE49-F238E27FC236}">
-                <a16:creationId xmlns="" xmlns:a16="http://schemas.microsoft.com/office/drawing/2014/main" id="{267078C8-F910-8FC3-7286-ADF1FB40862C}"/>
+                <a16:creationId xmlns:a16="http://schemas.microsoft.com/office/drawing/2014/main" id="{267078C8-F910-8FC3-7286-ADF1FB40862C}"/>
               </a:ext>
             </a:extLst>
           </p:cNvPr>
@@ -6771,7 +6771,7 @@
           <p:cNvPr id="18" name="Text Placeholder 7">
             <a:extLst>
               <a:ext uri="{FF2B5EF4-FFF2-40B4-BE49-F238E27FC236}">
-                <a16:creationId xmlns="" xmlns:a16="http://schemas.microsoft.com/office/drawing/2014/main" id="{E2F86FE2-AC0C-C76C-B2BD-9A02FA2E0205}"/>
+                <a16:creationId xmlns:a16="http://schemas.microsoft.com/office/drawing/2014/main" id="{E2F86FE2-AC0C-C76C-B2BD-9A02FA2E0205}"/>
               </a:ext>
             </a:extLst>
           </p:cNvPr>
@@ -6822,7 +6822,7 @@
           <p:cNvPr id="7" name="Picture Placeholder 6">
             <a:extLst>
               <a:ext uri="{FF2B5EF4-FFF2-40B4-BE49-F238E27FC236}">
-                <a16:creationId xmlns="" xmlns:a16="http://schemas.microsoft.com/office/drawing/2014/main" id="{8FDDBBAD-B928-4819-64F5-80A5AECD71CB}"/>
+                <a16:creationId xmlns:a16="http://schemas.microsoft.com/office/drawing/2014/main" id="{8FDDBBAD-B928-4819-64F5-80A5AECD71CB}"/>
               </a:ext>
             </a:extLst>
           </p:cNvPr>
@@ -6852,7 +6852,7 @@
           <p:cNvPr id="3" name="Text Placeholder 12">
             <a:extLst>
               <a:ext uri="{FF2B5EF4-FFF2-40B4-BE49-F238E27FC236}">
-                <a16:creationId xmlns="" xmlns:a16="http://schemas.microsoft.com/office/drawing/2014/main" id="{8B3586BE-78C6-E426-9F3C-F59381E5CD88}"/>
+                <a16:creationId xmlns:a16="http://schemas.microsoft.com/office/drawing/2014/main" id="{8B3586BE-78C6-E426-9F3C-F59381E5CD88}"/>
               </a:ext>
             </a:extLst>
           </p:cNvPr>
@@ -6921,7 +6921,7 @@
   <p:clrMapOvr>
     <a:masterClrMapping/>
   </p:clrMapOvr>
-  <p:extLst mod="1">
+  <p:extLst>
     <p:ext uri="{DCECCB84-F9BA-43D5-87BE-67443E8EF086}">
       <p15:sldGuideLst xmlns:p15="http://schemas.microsoft.com/office/powerpoint/2012/main">
         <p15:guide id="1" orient="horz" pos="840">
@@ -7007,7 +7007,7 @@
           <p:cNvPr id="3" name="Rectangle 2">
             <a:extLst>
               <a:ext uri="{FF2B5EF4-FFF2-40B4-BE49-F238E27FC236}">
-                <a16:creationId xmlns="" xmlns:a16="http://schemas.microsoft.com/office/drawing/2014/main" id="{25949CF9-AE80-D4A2-E0FC-126A4E8ECBCB}"/>
+                <a16:creationId xmlns:a16="http://schemas.microsoft.com/office/drawing/2014/main" id="{25949CF9-AE80-D4A2-E0FC-126A4E8ECBCB}"/>
               </a:ext>
             </a:extLst>
           </p:cNvPr>
@@ -7059,7 +7059,7 @@
           <p:cNvPr id="2" name="Title 1">
             <a:extLst>
               <a:ext uri="{FF2B5EF4-FFF2-40B4-BE49-F238E27FC236}">
-                <a16:creationId xmlns="" xmlns:a16="http://schemas.microsoft.com/office/drawing/2014/main" id="{44C9E92B-FE67-1F3D-DCA0-195195A4AB6A}"/>
+                <a16:creationId xmlns:a16="http://schemas.microsoft.com/office/drawing/2014/main" id="{44C9E92B-FE67-1F3D-DCA0-195195A4AB6A}"/>
               </a:ext>
             </a:extLst>
           </p:cNvPr>
@@ -7101,7 +7101,7 @@
           <p:cNvPr id="10" name="Straight Connector 9">
             <a:extLst>
               <a:ext uri="{FF2B5EF4-FFF2-40B4-BE49-F238E27FC236}">
-                <a16:creationId xmlns="" xmlns:a16="http://schemas.microsoft.com/office/drawing/2014/main" id="{3FB318F3-41C4-0F1C-1CBD-D5A32280E575}"/>
+                <a16:creationId xmlns:a16="http://schemas.microsoft.com/office/drawing/2014/main" id="{3FB318F3-41C4-0F1C-1CBD-D5A32280E575}"/>
               </a:ext>
             </a:extLst>
           </p:cNvPr>
@@ -7147,7 +7147,7 @@
           <p:cNvPr id="14" name="Straight Connector 13">
             <a:extLst>
               <a:ext uri="{FF2B5EF4-FFF2-40B4-BE49-F238E27FC236}">
-                <a16:creationId xmlns="" xmlns:a16="http://schemas.microsoft.com/office/drawing/2014/main" id="{0C43CC35-4750-6912-E49F-E917DF9AB637}"/>
+                <a16:creationId xmlns:a16="http://schemas.microsoft.com/office/drawing/2014/main" id="{0C43CC35-4750-6912-E49F-E917DF9AB637}"/>
               </a:ext>
             </a:extLst>
           </p:cNvPr>
@@ -7193,7 +7193,7 @@
           <p:cNvPr id="8" name="Text Placeholder 7">
             <a:extLst>
               <a:ext uri="{FF2B5EF4-FFF2-40B4-BE49-F238E27FC236}">
-                <a16:creationId xmlns="" xmlns:a16="http://schemas.microsoft.com/office/drawing/2014/main" id="{CF06E8DC-A0CF-0798-ADF8-761E7E68BAC4}"/>
+                <a16:creationId xmlns:a16="http://schemas.microsoft.com/office/drawing/2014/main" id="{CF06E8DC-A0CF-0798-ADF8-761E7E68BAC4}"/>
               </a:ext>
             </a:extLst>
           </p:cNvPr>
@@ -7244,7 +7244,7 @@
           <p:cNvPr id="12" name="Text Placeholder 7">
             <a:extLst>
               <a:ext uri="{FF2B5EF4-FFF2-40B4-BE49-F238E27FC236}">
-                <a16:creationId xmlns="" xmlns:a16="http://schemas.microsoft.com/office/drawing/2014/main" id="{FCFA915D-63BE-A1E7-E7C6-A8B7F841C27B}"/>
+                <a16:creationId xmlns:a16="http://schemas.microsoft.com/office/drawing/2014/main" id="{FCFA915D-63BE-A1E7-E7C6-A8B7F841C27B}"/>
               </a:ext>
             </a:extLst>
           </p:cNvPr>
@@ -7295,7 +7295,7 @@
           <p:cNvPr id="15" name="Text Placeholder 7">
             <a:extLst>
               <a:ext uri="{FF2B5EF4-FFF2-40B4-BE49-F238E27FC236}">
-                <a16:creationId xmlns="" xmlns:a16="http://schemas.microsoft.com/office/drawing/2014/main" id="{2D2F8532-EAC1-4C87-C49E-5B099E83972D}"/>
+                <a16:creationId xmlns:a16="http://schemas.microsoft.com/office/drawing/2014/main" id="{2D2F8532-EAC1-4C87-C49E-5B099E83972D}"/>
               </a:ext>
             </a:extLst>
           </p:cNvPr>
@@ -7346,7 +7346,7 @@
           <p:cNvPr id="16" name="Text Placeholder 7">
             <a:extLst>
               <a:ext uri="{FF2B5EF4-FFF2-40B4-BE49-F238E27FC236}">
-                <a16:creationId xmlns="" xmlns:a16="http://schemas.microsoft.com/office/drawing/2014/main" id="{267078C8-F910-8FC3-7286-ADF1FB40862C}"/>
+                <a16:creationId xmlns:a16="http://schemas.microsoft.com/office/drawing/2014/main" id="{267078C8-F910-8FC3-7286-ADF1FB40862C}"/>
               </a:ext>
             </a:extLst>
           </p:cNvPr>
@@ -7397,7 +7397,7 @@
           <p:cNvPr id="17" name="Text Placeholder 7">
             <a:extLst>
               <a:ext uri="{FF2B5EF4-FFF2-40B4-BE49-F238E27FC236}">
-                <a16:creationId xmlns="" xmlns:a16="http://schemas.microsoft.com/office/drawing/2014/main" id="{2A8B99F6-09B0-9487-3A2A-0062188384B3}"/>
+                <a16:creationId xmlns:a16="http://schemas.microsoft.com/office/drawing/2014/main" id="{2A8B99F6-09B0-9487-3A2A-0062188384B3}"/>
               </a:ext>
             </a:extLst>
           </p:cNvPr>
@@ -7448,7 +7448,7 @@
           <p:cNvPr id="18" name="Text Placeholder 7">
             <a:extLst>
               <a:ext uri="{FF2B5EF4-FFF2-40B4-BE49-F238E27FC236}">
-                <a16:creationId xmlns="" xmlns:a16="http://schemas.microsoft.com/office/drawing/2014/main" id="{E2F86FE2-AC0C-C76C-B2BD-9A02FA2E0205}"/>
+                <a16:creationId xmlns:a16="http://schemas.microsoft.com/office/drawing/2014/main" id="{E2F86FE2-AC0C-C76C-B2BD-9A02FA2E0205}"/>
               </a:ext>
             </a:extLst>
           </p:cNvPr>
@@ -7504,7 +7504,7 @@
   <p:clrMapOvr>
     <a:masterClrMapping/>
   </p:clrMapOvr>
-  <p:extLst mod="1">
+  <p:extLst>
     <p:ext uri="{DCECCB84-F9BA-43D5-87BE-67443E8EF086}">
       <p15:sldGuideLst xmlns:p15="http://schemas.microsoft.com/office/powerpoint/2012/main">
         <p15:guide id="1" orient="horz" pos="840">
@@ -7580,7 +7580,7 @@
           <p:cNvPr id="2" name="Title 1">
             <a:extLst>
               <a:ext uri="{FF2B5EF4-FFF2-40B4-BE49-F238E27FC236}">
-                <a16:creationId xmlns="" xmlns:a16="http://schemas.microsoft.com/office/drawing/2014/main" id="{00FD960C-86A7-6728-9263-973B76A8FDB9}"/>
+                <a16:creationId xmlns:a16="http://schemas.microsoft.com/office/drawing/2014/main" id="{00FD960C-86A7-6728-9263-973B76A8FDB9}"/>
               </a:ext>
             </a:extLst>
           </p:cNvPr>
@@ -7648,7 +7648,7 @@
           <p:cNvPr id="2" name="Title Placeholder 1">
             <a:extLst>
               <a:ext uri="{FF2B5EF4-FFF2-40B4-BE49-F238E27FC236}">
-                <a16:creationId xmlns="" xmlns:a16="http://schemas.microsoft.com/office/drawing/2014/main" id="{F154C769-5B6E-5C22-9516-5D7BE462E358}"/>
+                <a16:creationId xmlns:a16="http://schemas.microsoft.com/office/drawing/2014/main" id="{F154C769-5B6E-5C22-9516-5D7BE462E358}"/>
               </a:ext>
             </a:extLst>
           </p:cNvPr>
@@ -7686,7 +7686,7 @@
           <p:cNvPr id="3" name="Text Placeholder 2">
             <a:extLst>
               <a:ext uri="{FF2B5EF4-FFF2-40B4-BE49-F238E27FC236}">
-                <a16:creationId xmlns="" xmlns:a16="http://schemas.microsoft.com/office/drawing/2014/main" id="{023190F5-D493-CE67-ED1B-D761BFA6998B}"/>
+                <a16:creationId xmlns:a16="http://schemas.microsoft.com/office/drawing/2014/main" id="{023190F5-D493-CE67-ED1B-D761BFA6998B}"/>
               </a:ext>
             </a:extLst>
           </p:cNvPr>
@@ -7753,7 +7753,7 @@
           <p:cNvPr id="4" name="Date Placeholder 3">
             <a:extLst>
               <a:ext uri="{FF2B5EF4-FFF2-40B4-BE49-F238E27FC236}">
-                <a16:creationId xmlns="" xmlns:a16="http://schemas.microsoft.com/office/drawing/2014/main" id="{5725225E-A593-BBE5-FA35-2952DE6D56A1}"/>
+                <a16:creationId xmlns:a16="http://schemas.microsoft.com/office/drawing/2014/main" id="{5725225E-A593-BBE5-FA35-2952DE6D56A1}"/>
               </a:ext>
             </a:extLst>
           </p:cNvPr>
@@ -7789,7 +7789,7 @@
           <a:p>
             <a:fld id="{560812C0-D4F0-C345-96B4-1E8B918506AC}" type="datetimeFigureOut">
               <a:rPr lang="en-US" smtClean="0"/>
-              <a:t>2/29/2024</a:t>
+              <a:t>3/1/2024</a:t>
             </a:fld>
             <a:endParaRPr lang="en-US"/>
           </a:p>
@@ -7800,7 +7800,7 @@
           <p:cNvPr id="6" name="Slide Number Placeholder 5">
             <a:extLst>
               <a:ext uri="{FF2B5EF4-FFF2-40B4-BE49-F238E27FC236}">
-                <a16:creationId xmlns="" xmlns:a16="http://schemas.microsoft.com/office/drawing/2014/main" id="{BB730E95-9162-1956-4897-1AA052698F96}"/>
+                <a16:creationId xmlns:a16="http://schemas.microsoft.com/office/drawing/2014/main" id="{BB730E95-9162-1956-4897-1AA052698F96}"/>
               </a:ext>
             </a:extLst>
           </p:cNvPr>
@@ -8161,7 +8161,7 @@
       </a:lvl9pPr>
     </p:otherStyle>
   </p:txStyles>
-  <p:extLst mod="1">
+  <p:extLst>
     <p:ext uri="{27BBF7A9-308A-43DC-89C8-2F10F3537804}">
       <p15:sldGuideLst xmlns:p15="http://schemas.microsoft.com/office/powerpoint/2012/main">
         <p15:guide id="1" orient="horz" pos="2160">
@@ -8248,7 +8248,7 @@
           <a:lstStyle/>
           <a:p>
             <a:r>
-              <a:rPr lang="it-IT" smtClean="0"/>
+              <a:rPr lang="it-IT"/>
               <a:t>Fare clic per modificare lo stile del titolo</a:t>
             </a:r>
             <a:endParaRPr lang="en-US" dirty="0"/>
@@ -8282,35 +8282,35 @@
           <a:p>
             <a:pPr lvl="0"/>
             <a:r>
-              <a:rPr lang="it-IT" smtClean="0"/>
+              <a:rPr lang="it-IT"/>
               <a:t>Fare clic per modificare stili del testo dello schema</a:t>
             </a:r>
           </a:p>
           <a:p>
             <a:pPr lvl="1"/>
             <a:r>
-              <a:rPr lang="it-IT" smtClean="0"/>
+              <a:rPr lang="it-IT"/>
               <a:t>Secondo livello</a:t>
             </a:r>
           </a:p>
           <a:p>
             <a:pPr lvl="2"/>
             <a:r>
-              <a:rPr lang="it-IT" smtClean="0"/>
+              <a:rPr lang="it-IT"/>
               <a:t>Terzo livello</a:t>
             </a:r>
           </a:p>
           <a:p>
             <a:pPr lvl="3"/>
             <a:r>
-              <a:rPr lang="it-IT" smtClean="0"/>
+              <a:rPr lang="it-IT"/>
               <a:t>Quarto livello</a:t>
             </a:r>
           </a:p>
           <a:p>
             <a:pPr lvl="4"/>
             <a:r>
-              <a:rPr lang="it-IT" smtClean="0"/>
+              <a:rPr lang="it-IT"/>
               <a:t>Quinto livello</a:t>
             </a:r>
             <a:endParaRPr lang="en-US" dirty="0"/>
@@ -8352,7 +8352,7 @@
           <a:p>
             <a:fld id="{560812C0-D4F0-C345-96B4-1E8B918506AC}" type="datetimeFigureOut">
               <a:rPr lang="en-US" smtClean="0"/>
-              <a:t>2/29/2024</a:t>
+              <a:t>3/1/2024</a:t>
             </a:fld>
             <a:endParaRPr lang="en-US"/>
           </a:p>
@@ -8762,7 +8762,7 @@
           <p:cNvPr id="5" name="Immagine 4" descr="Immagine che contiene testo, Carattere, logo, Elementi grafici&#10;&#10;Descrizione generata automaticamente">
             <a:extLst>
               <a:ext uri="{FF2B5EF4-FFF2-40B4-BE49-F238E27FC236}">
-                <a16:creationId xmlns="" xmlns:a16="http://schemas.microsoft.com/office/drawing/2014/main" id="{3B26F8A1-F1F1-FBFA-4DFA-9A995B33E943}"/>
+                <a16:creationId xmlns:a16="http://schemas.microsoft.com/office/drawing/2014/main" id="{3B26F8A1-F1F1-FBFA-4DFA-9A995B33E943}"/>
               </a:ext>
             </a:extLst>
           </p:cNvPr>
@@ -8905,7 +8905,7 @@
           <p:cNvPr id="6" name="CasellaDiTesto 5">
             <a:extLst>
               <a:ext uri="{FF2B5EF4-FFF2-40B4-BE49-F238E27FC236}">
-                <a16:creationId xmlns="" xmlns:a16="http://schemas.microsoft.com/office/drawing/2014/main" id="{E165B62F-8958-B1F7-BC91-3ECF4AB77B50}"/>
+                <a16:creationId xmlns:a16="http://schemas.microsoft.com/office/drawing/2014/main" id="{E165B62F-8958-B1F7-BC91-3ECF4AB77B50}"/>
               </a:ext>
             </a:extLst>
           </p:cNvPr>
@@ -9002,7 +9002,7 @@
           <p:cNvPr id="8" name="Connettore diritto 7">
             <a:extLst>
               <a:ext uri="{FF2B5EF4-FFF2-40B4-BE49-F238E27FC236}">
-                <a16:creationId xmlns="" xmlns:a16="http://schemas.microsoft.com/office/drawing/2014/main" id="{204C50E6-4ABF-957E-3A1B-63F99CC7177C}"/>
+                <a16:creationId xmlns:a16="http://schemas.microsoft.com/office/drawing/2014/main" id="{204C50E6-4ABF-957E-3A1B-63F99CC7177C}"/>
               </a:ext>
             </a:extLst>
           </p:cNvPr>
@@ -9045,7 +9045,7 @@
           <p:cNvPr id="11" name="Immagine 10">
             <a:extLst>
               <a:ext uri="{FF2B5EF4-FFF2-40B4-BE49-F238E27FC236}">
-                <a16:creationId xmlns="" xmlns:a16="http://schemas.microsoft.com/office/drawing/2014/main" id="{9E6BECB9-AF6B-1492-D7A9-776176C3E2BA}"/>
+                <a16:creationId xmlns:a16="http://schemas.microsoft.com/office/drawing/2014/main" id="{9E6BECB9-AF6B-1492-D7A9-776176C3E2BA}"/>
               </a:ext>
             </a:extLst>
           </p:cNvPr>
@@ -9118,7 +9118,7 @@
           <p:cNvPr id="13" name="Connettore diritto 12">
             <a:extLst>
               <a:ext uri="{FF2B5EF4-FFF2-40B4-BE49-F238E27FC236}">
-                <a16:creationId xmlns="" xmlns:a16="http://schemas.microsoft.com/office/drawing/2014/main" id="{7A1BB469-567A-F7C1-EF62-AE4AB3577E21}"/>
+                <a16:creationId xmlns:a16="http://schemas.microsoft.com/office/drawing/2014/main" id="{7A1BB469-567A-F7C1-EF62-AE4AB3577E21}"/>
               </a:ext>
             </a:extLst>
           </p:cNvPr>
@@ -9161,7 +9161,7 @@
           <p:cNvPr id="17" name="Rettangolo 16">
             <a:extLst>
               <a:ext uri="{FF2B5EF4-FFF2-40B4-BE49-F238E27FC236}">
-                <a16:creationId xmlns="" xmlns:a16="http://schemas.microsoft.com/office/drawing/2014/main" id="{B38E911F-D0FB-13BA-B952-C261FD007658}"/>
+                <a16:creationId xmlns:a16="http://schemas.microsoft.com/office/drawing/2014/main" id="{B38E911F-D0FB-13BA-B952-C261FD007658}"/>
               </a:ext>
             </a:extLst>
           </p:cNvPr>
@@ -9215,7 +9215,7 @@
           <p:cNvPr id="19" name="Rettangolo 18">
             <a:extLst>
               <a:ext uri="{FF2B5EF4-FFF2-40B4-BE49-F238E27FC236}">
-                <a16:creationId xmlns="" xmlns:a16="http://schemas.microsoft.com/office/drawing/2014/main" id="{A29D0E8B-6125-2F89-162A-18B686B76829}"/>
+                <a16:creationId xmlns:a16="http://schemas.microsoft.com/office/drawing/2014/main" id="{A29D0E8B-6125-2F89-162A-18B686B76829}"/>
               </a:ext>
             </a:extLst>
           </p:cNvPr>
@@ -9269,7 +9269,7 @@
           <p:cNvPr id="20" name="Rettangolo 19">
             <a:extLst>
               <a:ext uri="{FF2B5EF4-FFF2-40B4-BE49-F238E27FC236}">
-                <a16:creationId xmlns="" xmlns:a16="http://schemas.microsoft.com/office/drawing/2014/main" id="{6D5CEB93-CF83-64F5-6FCA-6B3F6C274C40}"/>
+                <a16:creationId xmlns:a16="http://schemas.microsoft.com/office/drawing/2014/main" id="{6D5CEB93-CF83-64F5-6FCA-6B3F6C274C40}"/>
               </a:ext>
             </a:extLst>
           </p:cNvPr>
@@ -9323,7 +9323,7 @@
           <p:cNvPr id="21" name="Rettangolo 20">
             <a:extLst>
               <a:ext uri="{FF2B5EF4-FFF2-40B4-BE49-F238E27FC236}">
-                <a16:creationId xmlns="" xmlns:a16="http://schemas.microsoft.com/office/drawing/2014/main" id="{29364D17-DDEC-2BAD-3ED9-5A26C6552B1F}"/>
+                <a16:creationId xmlns:a16="http://schemas.microsoft.com/office/drawing/2014/main" id="{29364D17-DDEC-2BAD-3ED9-5A26C6552B1F}"/>
               </a:ext>
             </a:extLst>
           </p:cNvPr>
@@ -9377,7 +9377,7 @@
           <p:cNvPr id="23" name="Connettore diritto 22">
             <a:extLst>
               <a:ext uri="{FF2B5EF4-FFF2-40B4-BE49-F238E27FC236}">
-                <a16:creationId xmlns="" xmlns:a16="http://schemas.microsoft.com/office/drawing/2014/main" id="{2C20C3CD-7ABA-CC74-D7E2-3CF23EC75A26}"/>
+                <a16:creationId xmlns:a16="http://schemas.microsoft.com/office/drawing/2014/main" id="{2C20C3CD-7ABA-CC74-D7E2-3CF23EC75A26}"/>
               </a:ext>
             </a:extLst>
           </p:cNvPr>
@@ -9416,7 +9416,7 @@
           <p:cNvPr id="28" name="Connettore diritto 27">
             <a:extLst>
               <a:ext uri="{FF2B5EF4-FFF2-40B4-BE49-F238E27FC236}">
-                <a16:creationId xmlns="" xmlns:a16="http://schemas.microsoft.com/office/drawing/2014/main" id="{EF313AE2-387E-82BB-9D0F-548F8C5E402C}"/>
+                <a16:creationId xmlns:a16="http://schemas.microsoft.com/office/drawing/2014/main" id="{EF313AE2-387E-82BB-9D0F-548F8C5E402C}"/>
               </a:ext>
             </a:extLst>
           </p:cNvPr>
@@ -9456,7 +9456,7 @@
           <p:cNvPr id="35" name="CasellaDiTesto 34">
             <a:extLst>
               <a:ext uri="{FF2B5EF4-FFF2-40B4-BE49-F238E27FC236}">
-                <a16:creationId xmlns="" xmlns:a16="http://schemas.microsoft.com/office/drawing/2014/main" id="{137D998C-647A-CD4E-03C6-608595364BA5}"/>
+                <a16:creationId xmlns:a16="http://schemas.microsoft.com/office/drawing/2014/main" id="{137D998C-647A-CD4E-03C6-608595364BA5}"/>
               </a:ext>
             </a:extLst>
           </p:cNvPr>
@@ -9539,25 +9539,18 @@
   <p:clrMapOvr>
     <a:masterClrMapping/>
   </p:clrMapOvr>
-  <mc:AlternateContent xmlns:mc="http://schemas.openxmlformats.org/markup-compatibility/2006">
-    <mc:Choice xmlns:p14="http://schemas.microsoft.com/office/powerpoint/2010/main" Requires="p14">
+  <mc:AlternateContent xmlns:mc="http://schemas.openxmlformats.org/markup-compatibility/2006" xmlns:p14="http://schemas.microsoft.com/office/powerpoint/2010/main">
+    <mc:Choice Requires="p14">
       <p:transition spd="med" p14:dur="700">
         <p:fade/>
       </p:transition>
     </mc:Choice>
-    <mc:Fallback>
+    <mc:Fallback xmlns="">
       <p:transition spd="med">
         <p:fade/>
       </p:transition>
     </mc:Fallback>
   </mc:AlternateContent>
-  <p:timing>
-    <p:tnLst>
-      <p:par>
-        <p:cTn id="1" dur="indefinite" restart="never" nodeType="tmRoot"/>
-      </p:par>
-    </p:tnLst>
-  </p:timing>
 </p:sld>
 </file>
 
@@ -9731,13 +9724,13 @@
               <a:t> some </a:t>
             </a:r>
             <a:r>
-              <a:rPr lang="it-IT" sz="1600" dirty="0" err="1" smtClean="0">
+              <a:rPr lang="it-IT" sz="1600" dirty="0" err="1">
                 <a:latin typeface="Arial Nova" panose="020B0504020202020204" pitchFamily="34" charset="0"/>
               </a:rPr>
               <a:t>route</a:t>
             </a:r>
             <a:r>
-              <a:rPr lang="it-IT" sz="1600" dirty="0" smtClean="0">
+              <a:rPr lang="it-IT" sz="1600" dirty="0">
                 <a:latin typeface="Arial Nova" panose="020B0504020202020204" pitchFamily="34" charset="0"/>
               </a:rPr>
               <a:t> </a:t>
@@ -9840,19 +9833,19 @@
             </a:r>
           </a:p>
           <a:p>
-            <a:endParaRPr lang="it-IT" sz="1600" dirty="0" smtClean="0">
+            <a:endParaRPr lang="it-IT" sz="1600" dirty="0">
               <a:latin typeface="Arial Nova" panose="020B0504020202020204" pitchFamily="34" charset="0"/>
             </a:endParaRPr>
           </a:p>
           <a:p>
             <a:r>
-              <a:rPr lang="it-IT" sz="1600" dirty="0" err="1" smtClean="0">
+              <a:rPr lang="it-IT" sz="1600" dirty="0" err="1">
                 <a:latin typeface="Arial Nova" panose="020B0504020202020204" pitchFamily="34" charset="0"/>
               </a:rPr>
               <a:t>Our</a:t>
             </a:r>
             <a:r>
-              <a:rPr lang="it-IT" sz="1600" dirty="0" smtClean="0">
+              <a:rPr lang="it-IT" sz="1600" dirty="0">
                 <a:latin typeface="Arial Nova" panose="020B0504020202020204" pitchFamily="34" charset="0"/>
               </a:rPr>
               <a:t> </a:t>
@@ -9979,7 +9972,7 @@
             </a:r>
           </a:p>
           <a:p>
-            <a:endParaRPr lang="it-IT" sz="1600" dirty="0" smtClean="0">
+            <a:endParaRPr lang="it-IT" sz="1600" dirty="0">
               <a:latin typeface="Arial Nova" panose="020B0504020202020204" pitchFamily="34" charset="0"/>
             </a:endParaRPr>
           </a:p>
@@ -9988,223 +9981,193 @@
               <a:rPr lang="it-IT" sz="1600" dirty="0" err="1">
                 <a:latin typeface="Arial Nova" panose="020B0504020202020204" pitchFamily="34" charset="0"/>
               </a:rPr>
-              <a:t>C</a:t>
-            </a:r>
-            <a:r>
-              <a:rPr lang="it-IT" sz="1600" dirty="0" err="1" smtClean="0">
-                <a:latin typeface="Arial Nova" panose="020B0504020202020204" pitchFamily="34" charset="0"/>
-              </a:rPr>
-              <a:t>oncerning</a:t>
-            </a:r>
-            <a:r>
-              <a:rPr lang="it-IT" sz="1600" dirty="0" smtClean="0">
+              <a:t>Concerning</a:t>
+            </a:r>
+            <a:r>
+              <a:rPr lang="it-IT" sz="1600" dirty="0">
+                <a:latin typeface="Arial Nova" panose="020B0504020202020204" pitchFamily="34" charset="0"/>
+              </a:rPr>
+              <a:t> the </a:t>
+            </a:r>
+            <a:r>
+              <a:rPr lang="it-IT" sz="1600" dirty="0" err="1">
+                <a:latin typeface="Arial Nova" panose="020B0504020202020204" pitchFamily="34" charset="0"/>
+              </a:rPr>
+              <a:t>physical</a:t>
+            </a:r>
+            <a:r>
+              <a:rPr lang="it-IT" sz="1600" dirty="0">
+                <a:latin typeface="Arial Nova" panose="020B0504020202020204" pitchFamily="34" charset="0"/>
+              </a:rPr>
+              <a:t> part, </a:t>
+            </a:r>
+            <a:r>
+              <a:rPr lang="it-IT" sz="1600" dirty="0" err="1">
+                <a:latin typeface="Arial Nova" panose="020B0504020202020204" pitchFamily="34" charset="0"/>
+              </a:rPr>
+              <a:t>we</a:t>
+            </a:r>
+            <a:r>
+              <a:rPr lang="it-IT" sz="1600" dirty="0">
                 <a:latin typeface="Arial Nova" panose="020B0504020202020204" pitchFamily="34" charset="0"/>
               </a:rPr>
               <a:t> </a:t>
             </a:r>
             <a:r>
+              <a:rPr lang="it-IT" sz="1600" dirty="0" err="1">
+                <a:latin typeface="Arial Nova" panose="020B0504020202020204" pitchFamily="34" charset="0"/>
+              </a:rPr>
+              <a:t>pilot</a:t>
+            </a:r>
+            <a:r>
               <a:rPr lang="it-IT" sz="1600" dirty="0">
                 <a:latin typeface="Arial Nova" panose="020B0504020202020204" pitchFamily="34" charset="0"/>
               </a:rPr>
-              <a:t>the </a:t>
+              <a:t> the </a:t>
             </a:r>
             <a:r>
               <a:rPr lang="it-IT" sz="1600" dirty="0" err="1">
                 <a:latin typeface="Arial Nova" panose="020B0504020202020204" pitchFamily="34" charset="0"/>
               </a:rPr>
-              <a:t>physical</a:t>
+              <a:t>alphabot</a:t>
             </a:r>
             <a:r>
               <a:rPr lang="it-IT" sz="1600" dirty="0">
                 <a:latin typeface="Arial Nova" panose="020B0504020202020204" pitchFamily="34" charset="0"/>
               </a:rPr>
-              <a:t> part, </a:t>
+              <a:t> </a:t>
             </a:r>
             <a:r>
               <a:rPr lang="it-IT" sz="1600" dirty="0" err="1">
                 <a:latin typeface="Arial Nova" panose="020B0504020202020204" pitchFamily="34" charset="0"/>
               </a:rPr>
-              <a:t>we</a:t>
+              <a:t>through</a:t>
             </a:r>
             <a:r>
               <a:rPr lang="it-IT" sz="1600" dirty="0">
                 <a:latin typeface="Arial Nova" panose="020B0504020202020204" pitchFamily="34" charset="0"/>
               </a:rPr>
+              <a:t> the data </a:t>
+            </a:r>
+            <a:r>
+              <a:rPr lang="it-IT" sz="1600" dirty="0" err="1">
+                <a:latin typeface="Arial Nova" panose="020B0504020202020204" pitchFamily="34" charset="0"/>
+              </a:rPr>
+              <a:t>detected</a:t>
+            </a:r>
+            <a:r>
+              <a:rPr lang="it-IT" sz="1600" dirty="0">
+                <a:latin typeface="Arial Nova" panose="020B0504020202020204" pitchFamily="34" charset="0"/>
+              </a:rPr>
+              <a:t> by muse2 and </a:t>
+            </a:r>
+            <a:r>
+              <a:rPr lang="it-IT" sz="1600" dirty="0" err="1">
+                <a:latin typeface="Arial Nova" panose="020B0504020202020204" pitchFamily="34" charset="0"/>
+              </a:rPr>
+              <a:t>at</a:t>
+            </a:r>
+            <a:r>
+              <a:rPr lang="it-IT" sz="1600" dirty="0">
+                <a:latin typeface="Arial Nova" panose="020B0504020202020204" pitchFamily="34" charset="0"/>
+              </a:rPr>
+              <a:t> the </a:t>
+            </a:r>
+            <a:r>
+              <a:rPr lang="it-IT" sz="1600" dirty="0" err="1">
+                <a:latin typeface="Arial Nova" panose="020B0504020202020204" pitchFamily="34" charset="0"/>
+              </a:rPr>
+              <a:t>same</a:t>
+            </a:r>
+            <a:r>
+              <a:rPr lang="it-IT" sz="1600" dirty="0">
+                <a:latin typeface="Arial Nova" panose="020B0504020202020204" pitchFamily="34" charset="0"/>
+              </a:rPr>
+              <a:t> time </a:t>
+            </a:r>
+            <a:r>
+              <a:rPr lang="it-IT" sz="1600" dirty="0" err="1">
+                <a:latin typeface="Arial Nova" panose="020B0504020202020204" pitchFamily="34" charset="0"/>
+              </a:rPr>
+              <a:t>it</a:t>
+            </a:r>
+            <a:r>
+              <a:rPr lang="it-IT" sz="1600" dirty="0">
+                <a:latin typeface="Arial Nova" panose="020B0504020202020204" pitchFamily="34" charset="0"/>
+              </a:rPr>
               <a:t> </a:t>
             </a:r>
             <a:r>
               <a:rPr lang="it-IT" sz="1600" dirty="0" err="1">
                 <a:latin typeface="Arial Nova" panose="020B0504020202020204" pitchFamily="34" charset="0"/>
               </a:rPr>
-              <a:t>pilot</a:t>
+              <a:t>is</a:t>
             </a:r>
             <a:r>
               <a:rPr lang="it-IT" sz="1600" dirty="0">
                 <a:latin typeface="Arial Nova" panose="020B0504020202020204" pitchFamily="34" charset="0"/>
               </a:rPr>
-              <a:t> the </a:t>
+              <a:t> </a:t>
             </a:r>
             <a:r>
               <a:rPr lang="it-IT" sz="1600" dirty="0" err="1">
                 <a:latin typeface="Arial Nova" panose="020B0504020202020204" pitchFamily="34" charset="0"/>
               </a:rPr>
-              <a:t>alphabot</a:t>
+              <a:t>possible</a:t>
             </a:r>
             <a:r>
               <a:rPr lang="it-IT" sz="1600" dirty="0">
                 <a:latin typeface="Arial Nova" panose="020B0504020202020204" pitchFamily="34" charset="0"/>
               </a:rPr>
-              <a:t> </a:t>
+              <a:t> to </a:t>
             </a:r>
             <a:r>
               <a:rPr lang="it-IT" sz="1600" dirty="0" err="1">
                 <a:latin typeface="Arial Nova" panose="020B0504020202020204" pitchFamily="34" charset="0"/>
               </a:rPr>
-              <a:t>through</a:t>
+              <a:t>have</a:t>
             </a:r>
             <a:r>
               <a:rPr lang="it-IT" sz="1600" dirty="0">
                 <a:latin typeface="Arial Nova" panose="020B0504020202020204" pitchFamily="34" charset="0"/>
               </a:rPr>
-              <a:t> the data </a:t>
+              <a:t> a </a:t>
             </a:r>
             <a:r>
               <a:rPr lang="it-IT" sz="1600" dirty="0" err="1">
                 <a:latin typeface="Arial Nova" panose="020B0504020202020204" pitchFamily="34" charset="0"/>
               </a:rPr>
-              <a:t>detected</a:t>
+              <a:t>view</a:t>
             </a:r>
             <a:r>
               <a:rPr lang="it-IT" sz="1600" dirty="0">
                 <a:latin typeface="Arial Nova" panose="020B0504020202020204" pitchFamily="34" charset="0"/>
               </a:rPr>
-              <a:t> by muse2 and </a:t>
+              <a:t> on the </a:t>
             </a:r>
             <a:r>
               <a:rPr lang="it-IT" sz="1600" dirty="0" err="1">
                 <a:latin typeface="Arial Nova" panose="020B0504020202020204" pitchFamily="34" charset="0"/>
               </a:rPr>
-              <a:t>at</a:t>
+              <a:t>route</a:t>
             </a:r>
             <a:r>
               <a:rPr lang="it-IT" sz="1600" dirty="0">
                 <a:latin typeface="Arial Nova" panose="020B0504020202020204" pitchFamily="34" charset="0"/>
               </a:rPr>
-              <a:t> the </a:t>
+              <a:t> and to </a:t>
             </a:r>
             <a:r>
               <a:rPr lang="it-IT" sz="1600" dirty="0" err="1">
                 <a:latin typeface="Arial Nova" panose="020B0504020202020204" pitchFamily="34" charset="0"/>
               </a:rPr>
-              <a:t>same</a:t>
+              <a:t>fallow</a:t>
             </a:r>
             <a:r>
               <a:rPr lang="it-IT" sz="1600" dirty="0">
                 <a:latin typeface="Arial Nova" panose="020B0504020202020204" pitchFamily="34" charset="0"/>
               </a:rPr>
-              <a:t> time </a:t>
-            </a:r>
-            <a:r>
-              <a:rPr lang="it-IT" sz="1600" dirty="0" err="1">
-                <a:latin typeface="Arial Nova" panose="020B0504020202020204" pitchFamily="34" charset="0"/>
-              </a:rPr>
-              <a:t>it</a:t>
-            </a:r>
-            <a:r>
-              <a:rPr lang="it-IT" sz="1600" dirty="0">
-                <a:latin typeface="Arial Nova" panose="020B0504020202020204" pitchFamily="34" charset="0"/>
-              </a:rPr>
-              <a:t> </a:t>
-            </a:r>
-            <a:r>
-              <a:rPr lang="it-IT" sz="1600" dirty="0" err="1">
-                <a:latin typeface="Arial Nova" panose="020B0504020202020204" pitchFamily="34" charset="0"/>
-              </a:rPr>
-              <a:t>is</a:t>
-            </a:r>
-            <a:r>
-              <a:rPr lang="it-IT" sz="1600" dirty="0">
-                <a:latin typeface="Arial Nova" panose="020B0504020202020204" pitchFamily="34" charset="0"/>
-              </a:rPr>
-              <a:t> </a:t>
-            </a:r>
-            <a:r>
-              <a:rPr lang="it-IT" sz="1600" dirty="0" err="1">
-                <a:latin typeface="Arial Nova" panose="020B0504020202020204" pitchFamily="34" charset="0"/>
-              </a:rPr>
-              <a:t>possible</a:t>
-            </a:r>
-            <a:r>
-              <a:rPr lang="it-IT" sz="1600" dirty="0">
-                <a:latin typeface="Arial Nova" panose="020B0504020202020204" pitchFamily="34" charset="0"/>
-              </a:rPr>
-              <a:t> to </a:t>
-            </a:r>
-            <a:r>
-              <a:rPr lang="it-IT" sz="1600" dirty="0" err="1" smtClean="0">
-                <a:latin typeface="Arial Nova" panose="020B0504020202020204" pitchFamily="34" charset="0"/>
-              </a:rPr>
-              <a:t>have</a:t>
-            </a:r>
-            <a:r>
-              <a:rPr lang="it-IT" sz="1600" dirty="0" smtClean="0">
-                <a:latin typeface="Arial Nova" panose="020B0504020202020204" pitchFamily="34" charset="0"/>
-              </a:rPr>
-              <a:t> a </a:t>
-            </a:r>
-            <a:r>
-              <a:rPr lang="it-IT" sz="1600" dirty="0" err="1" smtClean="0">
-                <a:latin typeface="Arial Nova" panose="020B0504020202020204" pitchFamily="34" charset="0"/>
-              </a:rPr>
-              <a:t>view</a:t>
-            </a:r>
-            <a:r>
-              <a:rPr lang="it-IT" sz="1600" dirty="0" smtClean="0">
-                <a:latin typeface="Arial Nova" panose="020B0504020202020204" pitchFamily="34" charset="0"/>
-              </a:rPr>
-              <a:t> on </a:t>
-            </a:r>
-            <a:r>
-              <a:rPr lang="it-IT" sz="1600" dirty="0">
-                <a:latin typeface="Arial Nova" panose="020B0504020202020204" pitchFamily="34" charset="0"/>
-              </a:rPr>
-              <a:t>the </a:t>
-            </a:r>
-            <a:r>
-              <a:rPr lang="it-IT" sz="1600" dirty="0" err="1">
-                <a:latin typeface="Arial Nova" panose="020B0504020202020204" pitchFamily="34" charset="0"/>
-              </a:rPr>
-              <a:t>route</a:t>
-            </a:r>
-            <a:r>
-              <a:rPr lang="it-IT" sz="1600" dirty="0">
-                <a:latin typeface="Arial Nova" panose="020B0504020202020204" pitchFamily="34" charset="0"/>
-              </a:rPr>
-              <a:t> and </a:t>
-            </a:r>
-            <a:r>
-              <a:rPr lang="it-IT" sz="1600" dirty="0" smtClean="0">
-                <a:latin typeface="Arial Nova" panose="020B0504020202020204" pitchFamily="34" charset="0"/>
-              </a:rPr>
-              <a:t>to </a:t>
-            </a:r>
-            <a:r>
-              <a:rPr lang="it-IT" sz="1600" dirty="0" err="1" smtClean="0">
-                <a:latin typeface="Arial Nova" panose="020B0504020202020204" pitchFamily="34" charset="0"/>
-              </a:rPr>
-              <a:t>fallow</a:t>
-            </a:r>
-            <a:r>
-              <a:rPr lang="it-IT" sz="1600" dirty="0" smtClean="0">
-                <a:latin typeface="Arial Nova" panose="020B0504020202020204" pitchFamily="34" charset="0"/>
-              </a:rPr>
-              <a:t> the </a:t>
-            </a:r>
-            <a:r>
-              <a:rPr lang="it-IT" sz="1600" dirty="0">
-                <a:latin typeface="Arial Nova" panose="020B0504020202020204" pitchFamily="34" charset="0"/>
-              </a:rPr>
-              <a:t>machine </a:t>
+              <a:t> the machine </a:t>
             </a:r>
             <a:r>
               <a:rPr lang="it-IT" sz="1600" dirty="0" err="1">
@@ -10379,7 +10342,7 @@
           <a:lstStyle/>
           <a:p>
             <a:r>
-              <a:rPr lang="it-IT" sz="2000" dirty="0" smtClean="0">
+              <a:rPr lang="it-IT" sz="2000" dirty="0">
                 <a:solidFill>
                   <a:schemeClr val="bg1"/>
                 </a:solidFill>
@@ -10387,12 +10350,6 @@
               </a:rPr>
               <a:t>2</a:t>
             </a:r>
-            <a:endParaRPr lang="it-IT" sz="2000" dirty="0">
-              <a:solidFill>
-                <a:schemeClr val="bg1"/>
-              </a:solidFill>
-              <a:latin typeface="BankGothic Lt BT" panose="020B0607020203060204" pitchFamily="34" charset="0"/>
-            </a:endParaRPr>
           </a:p>
         </p:txBody>
       </p:sp>
@@ -10406,25 +10363,18 @@
   <p:clrMapOvr>
     <a:masterClrMapping/>
   </p:clrMapOvr>
-  <mc:AlternateContent xmlns:mc="http://schemas.openxmlformats.org/markup-compatibility/2006">
-    <mc:Choice xmlns:p14="http://schemas.microsoft.com/office/powerpoint/2010/main" Requires="p14">
+  <mc:AlternateContent xmlns:mc="http://schemas.openxmlformats.org/markup-compatibility/2006" xmlns:p14="http://schemas.microsoft.com/office/powerpoint/2010/main">
+    <mc:Choice Requires="p14">
       <p:transition spd="med" p14:dur="700">
         <p:fade/>
       </p:transition>
     </mc:Choice>
-    <mc:Fallback>
+    <mc:Fallback xmlns="">
       <p:transition spd="med">
         <p:fade/>
       </p:transition>
     </mc:Fallback>
   </mc:AlternateContent>
-  <p:timing>
-    <p:tnLst>
-      <p:par>
-        <p:cTn id="1" dur="indefinite" restart="never" nodeType="tmRoot"/>
-      </p:par>
-    </p:tnLst>
-  </p:timing>
 </p:sld>
 </file>
 
@@ -10468,13 +10418,13 @@
           <a:lstStyle/>
           <a:p>
             <a:r>
-              <a:rPr lang="it-IT" sz="4000" dirty="0" smtClean="0">
+              <a:rPr lang="it-IT" sz="4000" dirty="0">
                 <a:latin typeface="BankGothic Lt BT" panose="020B0607020203060204" pitchFamily="34" charset="0"/>
               </a:rPr>
               <a:t>Technologies </a:t>
             </a:r>
             <a:r>
-              <a:rPr lang="it-IT" sz="4000" dirty="0" err="1" smtClean="0">
+              <a:rPr lang="it-IT" sz="4000" dirty="0" err="1">
                 <a:latin typeface="BankGothic Lt BT" panose="020B0607020203060204" pitchFamily="34" charset="0"/>
               </a:rPr>
               <a:t>used</a:t>
@@ -10702,7 +10652,7 @@
           <a:p>
             <a:pPr algn="ctr"/>
             <a:r>
-              <a:rPr lang="it-IT" sz="1500" dirty="0" smtClean="0">
+              <a:rPr lang="it-IT" sz="1500" dirty="0">
                 <a:latin typeface="Arial Nova" panose="020B0504020202020204" pitchFamily="34" charset="0"/>
               </a:rPr>
               <a:t>MUSE2</a:t>
@@ -10711,16 +10661,10 @@
           <a:p>
             <a:pPr algn="just"/>
             <a:r>
-              <a:rPr lang="it-IT" sz="1500" dirty="0" smtClean="0">
-                <a:latin typeface="Arial Nova" panose="020B0504020202020204" pitchFamily="34" charset="0"/>
-              </a:rPr>
-              <a:t>Using </a:t>
-            </a:r>
-            <a:r>
               <a:rPr lang="it-IT" sz="1500" dirty="0">
                 <a:latin typeface="Arial Nova" panose="020B0504020202020204" pitchFamily="34" charset="0"/>
               </a:rPr>
-              <a:t>the </a:t>
+              <a:t>Using the </a:t>
             </a:r>
             <a:r>
               <a:rPr lang="it-IT" sz="1500" dirty="0" err="1">
@@ -10759,7 +10703,7 @@
               <a:t> and </a:t>
             </a:r>
             <a:r>
-              <a:rPr lang="it-IT" sz="1500" dirty="0" err="1" smtClean="0">
+              <a:rPr lang="it-IT" sz="1500" dirty="0" err="1">
                 <a:latin typeface="Arial Nova" panose="020B0504020202020204" pitchFamily="34" charset="0"/>
               </a:rPr>
               <a:t>based</a:t>
@@ -10768,19 +10712,7 @@
               <a:rPr lang="it-IT" sz="1500" dirty="0">
                 <a:latin typeface="Arial Nova" panose="020B0504020202020204" pitchFamily="34" charset="0"/>
               </a:rPr>
-              <a:t> </a:t>
-            </a:r>
-            <a:r>
-              <a:rPr lang="it-IT" sz="1500" dirty="0" smtClean="0">
-                <a:latin typeface="Arial Nova" panose="020B0504020202020204" pitchFamily="34" charset="0"/>
-              </a:rPr>
-              <a:t>on </a:t>
-            </a:r>
-            <a:r>
-              <a:rPr lang="it-IT" sz="1500" dirty="0">
-                <a:latin typeface="Arial Nova" panose="020B0504020202020204" pitchFamily="34" charset="0"/>
-              </a:rPr>
-              <a:t>the </a:t>
+              <a:t> on the </a:t>
             </a:r>
             <a:r>
               <a:rPr lang="it-IT" sz="1500" dirty="0" err="1">
@@ -10893,7 +10825,7 @@
           <a:p>
             <a:pPr algn="ctr"/>
             <a:r>
-              <a:rPr lang="it-IT" sz="1500" dirty="0" smtClean="0">
+              <a:rPr lang="it-IT" sz="1500" dirty="0">
                 <a:latin typeface="Arial Nova" panose="020B0504020202020204" pitchFamily="34" charset="0"/>
               </a:rPr>
               <a:t>ALPHABOT</a:t>
@@ -10905,202 +10837,196 @@
               <a:rPr lang="it-IT" sz="1500" dirty="0">
                 <a:latin typeface="Arial Nova" panose="020B0504020202020204" pitchFamily="34" charset="0"/>
               </a:rPr>
-              <a:t>T</a:t>
-            </a:r>
-            <a:r>
-              <a:rPr lang="it-IT" sz="1500" dirty="0" smtClean="0">
-                <a:latin typeface="Arial Nova" panose="020B0504020202020204" pitchFamily="34" charset="0"/>
-              </a:rPr>
-              <a:t>he </a:t>
-            </a:r>
-            <a:r>
-              <a:rPr lang="it-IT" sz="1500" dirty="0" err="1" smtClean="0">
+              <a:t>The </a:t>
+            </a:r>
+            <a:r>
+              <a:rPr lang="it-IT" sz="1500" dirty="0" err="1">
                 <a:latin typeface="Arial Nova" panose="020B0504020202020204" pitchFamily="34" charset="0"/>
               </a:rPr>
               <a:t>alphabot</a:t>
             </a:r>
             <a:r>
-              <a:rPr lang="it-IT" sz="1500" dirty="0" smtClean="0">
+              <a:rPr lang="it-IT" sz="1500" dirty="0">
                 <a:latin typeface="Arial Nova" panose="020B0504020202020204" pitchFamily="34" charset="0"/>
               </a:rPr>
               <a:t> </a:t>
             </a:r>
             <a:r>
-              <a:rPr lang="it-IT" sz="1500" dirty="0" err="1" smtClean="0">
+              <a:rPr lang="it-IT" sz="1500" dirty="0" err="1">
                 <a:latin typeface="Arial Nova" panose="020B0504020202020204" pitchFamily="34" charset="0"/>
               </a:rPr>
               <a:t>is</a:t>
             </a:r>
             <a:r>
-              <a:rPr lang="it-IT" sz="1500" dirty="0" smtClean="0">
+              <a:rPr lang="it-IT" sz="1500" dirty="0">
                 <a:latin typeface="Arial Nova" panose="020B0504020202020204" pitchFamily="34" charset="0"/>
               </a:rPr>
               <a:t> a </a:t>
             </a:r>
             <a:r>
-              <a:rPr lang="it-IT" sz="1500" dirty="0" err="1" smtClean="0">
+              <a:rPr lang="it-IT" sz="1500" dirty="0" err="1">
                 <a:latin typeface="Arial Nova" panose="020B0504020202020204" pitchFamily="34" charset="0"/>
               </a:rPr>
               <a:t>robotic</a:t>
             </a:r>
             <a:r>
-              <a:rPr lang="it-IT" sz="1500" dirty="0" smtClean="0">
+              <a:rPr lang="it-IT" sz="1500" dirty="0">
                 <a:latin typeface="Arial Nova" panose="020B0504020202020204" pitchFamily="34" charset="0"/>
               </a:rPr>
               <a:t> </a:t>
             </a:r>
             <a:r>
-              <a:rPr lang="it-IT" sz="1500" dirty="0" err="1" smtClean="0">
+              <a:rPr lang="it-IT" sz="1500" dirty="0" err="1">
                 <a:latin typeface="Arial Nova" panose="020B0504020202020204" pitchFamily="34" charset="0"/>
               </a:rPr>
               <a:t>development</a:t>
             </a:r>
             <a:r>
-              <a:rPr lang="it-IT" sz="1500" dirty="0" smtClean="0">
+              <a:rPr lang="it-IT" sz="1500" dirty="0">
                 <a:latin typeface="Arial Nova" panose="020B0504020202020204" pitchFamily="34" charset="0"/>
               </a:rPr>
               <a:t> </a:t>
             </a:r>
             <a:r>
-              <a:rPr lang="it-IT" sz="1500" dirty="0" err="1" smtClean="0">
+              <a:rPr lang="it-IT" sz="1500" dirty="0" err="1">
                 <a:latin typeface="Arial Nova" panose="020B0504020202020204" pitchFamily="34" charset="0"/>
               </a:rPr>
               <a:t>platform</a:t>
             </a:r>
             <a:r>
-              <a:rPr lang="it-IT" sz="1500" dirty="0" smtClean="0">
+              <a:rPr lang="it-IT" sz="1500" dirty="0">
                 <a:latin typeface="Arial Nova" panose="020B0504020202020204" pitchFamily="34" charset="0"/>
               </a:rPr>
               <a:t> with a </a:t>
             </a:r>
             <a:r>
-              <a:rPr lang="it-IT" sz="1500" dirty="0" err="1" smtClean="0">
+              <a:rPr lang="it-IT" sz="1500" dirty="0" err="1">
                 <a:latin typeface="Arial Nova" panose="020B0504020202020204" pitchFamily="34" charset="0"/>
               </a:rPr>
               <a:t>Raspberry</a:t>
             </a:r>
             <a:r>
-              <a:rPr lang="it-IT" sz="1500" dirty="0" smtClean="0">
+              <a:rPr lang="it-IT" sz="1500" dirty="0">
                 <a:latin typeface="Arial Nova" panose="020B0504020202020204" pitchFamily="34" charset="0"/>
               </a:rPr>
               <a:t> </a:t>
             </a:r>
             <a:r>
-              <a:rPr lang="it-IT" sz="1500" dirty="0" err="1" smtClean="0">
+              <a:rPr lang="it-IT" sz="1500" dirty="0" err="1">
                 <a:latin typeface="Arial Nova" panose="020B0504020202020204" pitchFamily="34" charset="0"/>
               </a:rPr>
               <a:t>Pi</a:t>
             </a:r>
             <a:r>
-              <a:rPr lang="it-IT" sz="1500" dirty="0" smtClean="0">
+              <a:rPr lang="it-IT" sz="1500" dirty="0">
                 <a:latin typeface="Arial Nova" panose="020B0504020202020204" pitchFamily="34" charset="0"/>
               </a:rPr>
               <a:t> inside. </a:t>
             </a:r>
             <a:r>
-              <a:rPr lang="it-IT" sz="1500" dirty="0" err="1" smtClean="0">
+              <a:rPr lang="it-IT" sz="1500" dirty="0" err="1">
                 <a:latin typeface="Arial Nova" panose="020B0504020202020204" pitchFamily="34" charset="0"/>
               </a:rPr>
               <a:t>It</a:t>
             </a:r>
             <a:r>
-              <a:rPr lang="it-IT" sz="1500" dirty="0" smtClean="0">
+              <a:rPr lang="it-IT" sz="1500" dirty="0">
                 <a:latin typeface="Arial Nova" panose="020B0504020202020204" pitchFamily="34" charset="0"/>
               </a:rPr>
               <a:t> </a:t>
             </a:r>
             <a:r>
-              <a:rPr lang="it-IT" sz="1500" dirty="0" err="1" smtClean="0">
+              <a:rPr lang="it-IT" sz="1500" dirty="0" err="1">
                 <a:latin typeface="Arial Nova" panose="020B0504020202020204" pitchFamily="34" charset="0"/>
               </a:rPr>
               <a:t>allows</a:t>
             </a:r>
             <a:r>
-              <a:rPr lang="it-IT" sz="1500" dirty="0" smtClean="0">
+              <a:rPr lang="it-IT" sz="1500" dirty="0">
                 <a:latin typeface="Arial Nova" panose="020B0504020202020204" pitchFamily="34" charset="0"/>
               </a:rPr>
               <a:t> the </a:t>
             </a:r>
             <a:r>
-              <a:rPr lang="it-IT" sz="1500" dirty="0" err="1" smtClean="0">
+              <a:rPr lang="it-IT" sz="1500" dirty="0" err="1">
                 <a:latin typeface="Arial Nova" panose="020B0504020202020204" pitchFamily="34" charset="0"/>
               </a:rPr>
               <a:t>user</a:t>
             </a:r>
             <a:r>
-              <a:rPr lang="it-IT" sz="1500" dirty="0" smtClean="0">
+              <a:rPr lang="it-IT" sz="1500" dirty="0">
                 <a:latin typeface="Arial Nova" panose="020B0504020202020204" pitchFamily="34" charset="0"/>
               </a:rPr>
               <a:t> to </a:t>
             </a:r>
             <a:r>
-              <a:rPr lang="it-IT" sz="1500" dirty="0" err="1" smtClean="0">
+              <a:rPr lang="it-IT" sz="1500" dirty="0" err="1">
                 <a:latin typeface="Arial Nova" panose="020B0504020202020204" pitchFamily="34" charset="0"/>
               </a:rPr>
               <a:t>visualize</a:t>
             </a:r>
             <a:r>
-              <a:rPr lang="it-IT" sz="1500" dirty="0" smtClean="0">
+              <a:rPr lang="it-IT" sz="1500" dirty="0">
                 <a:latin typeface="Arial Nova" panose="020B0504020202020204" pitchFamily="34" charset="0"/>
               </a:rPr>
               <a:t> the </a:t>
             </a:r>
             <a:r>
-              <a:rPr lang="it-IT" sz="1500" dirty="0" err="1" smtClean="0">
+              <a:rPr lang="it-IT" sz="1500" dirty="0" err="1">
                 <a:latin typeface="Arial Nova" panose="020B0504020202020204" pitchFamily="34" charset="0"/>
               </a:rPr>
               <a:t>movements</a:t>
             </a:r>
             <a:r>
-              <a:rPr lang="it-IT" sz="1500" dirty="0" smtClean="0">
+              <a:rPr lang="it-IT" sz="1500" dirty="0">
                 <a:latin typeface="Arial Nova" panose="020B0504020202020204" pitchFamily="34" charset="0"/>
               </a:rPr>
               <a:t> of the machine in the room </a:t>
             </a:r>
             <a:r>
-              <a:rPr lang="it-IT" sz="1500" dirty="0" err="1" smtClean="0">
+              <a:rPr lang="it-IT" sz="1500" dirty="0" err="1">
                 <a:latin typeface="Arial Nova" panose="020B0504020202020204" pitchFamily="34" charset="0"/>
               </a:rPr>
               <a:t>thanks</a:t>
             </a:r>
             <a:r>
-              <a:rPr lang="it-IT" sz="1500" dirty="0" smtClean="0">
+              <a:rPr lang="it-IT" sz="1500" dirty="0">
                 <a:latin typeface="Arial Nova" panose="020B0504020202020204" pitchFamily="34" charset="0"/>
               </a:rPr>
               <a:t> to the </a:t>
             </a:r>
             <a:r>
-              <a:rPr lang="it-IT" sz="1500" dirty="0" err="1" smtClean="0">
+              <a:rPr lang="it-IT" sz="1500" dirty="0" err="1">
                 <a:latin typeface="Arial Nova" panose="020B0504020202020204" pitchFamily="34" charset="0"/>
               </a:rPr>
               <a:t>signals</a:t>
             </a:r>
             <a:r>
-              <a:rPr lang="it-IT" sz="1500" dirty="0" smtClean="0">
+              <a:rPr lang="it-IT" sz="1500" dirty="0">
                 <a:latin typeface="Arial Nova" panose="020B0504020202020204" pitchFamily="34" charset="0"/>
               </a:rPr>
               <a:t> </a:t>
             </a:r>
             <a:r>
-              <a:rPr lang="it-IT" sz="1500" dirty="0" err="1" smtClean="0">
+              <a:rPr lang="it-IT" sz="1500" dirty="0" err="1">
                 <a:latin typeface="Arial Nova" panose="020B0504020202020204" pitchFamily="34" charset="0"/>
               </a:rPr>
               <a:t>it</a:t>
             </a:r>
             <a:r>
-              <a:rPr lang="it-IT" sz="1500" dirty="0" smtClean="0">
+              <a:rPr lang="it-IT" sz="1500" dirty="0">
                 <a:latin typeface="Arial Nova" panose="020B0504020202020204" pitchFamily="34" charset="0"/>
               </a:rPr>
               <a:t> </a:t>
             </a:r>
             <a:r>
-              <a:rPr lang="it-IT" sz="1500" dirty="0" err="1" smtClean="0">
+              <a:rPr lang="it-IT" sz="1500" dirty="0" err="1">
                 <a:latin typeface="Arial Nova" panose="020B0504020202020204" pitchFamily="34" charset="0"/>
               </a:rPr>
               <a:t>receives</a:t>
             </a:r>
             <a:r>
-              <a:rPr lang="it-IT" sz="1500" dirty="0" smtClean="0">
+              <a:rPr lang="it-IT" sz="1500" dirty="0">
                 <a:latin typeface="Arial Nova" panose="020B0504020202020204" pitchFamily="34" charset="0"/>
               </a:rPr>
               <a:t> from the Muse2.</a:t>
@@ -11134,7 +11060,7 @@
           <a:p>
             <a:pPr algn="ctr"/>
             <a:r>
-              <a:rPr lang="it-IT" sz="1500" dirty="0" smtClean="0">
+              <a:rPr lang="it-IT" sz="1500" dirty="0">
                 <a:latin typeface="Arial Nova" panose="020B0504020202020204" pitchFamily="34" charset="0"/>
                 <a:ea typeface="Calibri" panose="020F0502020204030204" pitchFamily="34" charset="0"/>
                 <a:cs typeface="Times New Roman" panose="02020603050405020304" pitchFamily="18" charset="0"/>
@@ -11145,7 +11071,7 @@
           <a:p>
             <a:pPr algn="just"/>
             <a:r>
-              <a:rPr lang="it-IT" sz="1500" dirty="0" err="1" smtClean="0">
+              <a:rPr lang="it-IT" sz="1500" dirty="0" err="1">
                 <a:latin typeface="Arial Nova" panose="020B0504020202020204" pitchFamily="34" charset="0"/>
                 <a:ea typeface="Calibri" panose="020F0502020204030204" pitchFamily="34" charset="0"/>
                 <a:cs typeface="Times New Roman" panose="02020603050405020304" pitchFamily="18" charset="0"/>
@@ -11153,20 +11079,12 @@
               <a:t>Used</a:t>
             </a:r>
             <a:r>
-              <a:rPr lang="it-IT" sz="1500" dirty="0" smtClean="0">
+              <a:rPr lang="it-IT" sz="1500" dirty="0">
                 <a:latin typeface="Arial Nova" panose="020B0504020202020204" pitchFamily="34" charset="0"/>
                 <a:ea typeface="Calibri" panose="020F0502020204030204" pitchFamily="34" charset="0"/>
                 <a:cs typeface="Times New Roman" panose="02020603050405020304" pitchFamily="18" charset="0"/>
               </a:rPr>
-              <a:t> </a:t>
-            </a:r>
-            <a:r>
-              <a:rPr lang="it-IT" sz="1500" dirty="0">
-                <a:latin typeface="Arial Nova" panose="020B0504020202020204" pitchFamily="34" charset="0"/>
-                <a:ea typeface="Calibri" panose="020F0502020204030204" pitchFamily="34" charset="0"/>
-                <a:cs typeface="Times New Roman" panose="02020603050405020304" pitchFamily="18" charset="0"/>
-              </a:rPr>
-              <a:t>to </a:t>
+              <a:t> to </a:t>
             </a:r>
             <a:r>
               <a:rPr lang="it-IT" sz="1500" dirty="0" err="1">
@@ -11285,7 +11203,7 @@
           <a:lstStyle/>
           <a:p>
             <a:r>
-              <a:rPr lang="it-IT" sz="2000" dirty="0" smtClean="0">
+              <a:rPr lang="it-IT" sz="2000" dirty="0">
                 <a:solidFill>
                   <a:schemeClr val="bg1"/>
                 </a:solidFill>
@@ -11293,12 +11211,6 @@
               </a:rPr>
               <a:t>3</a:t>
             </a:r>
-            <a:endParaRPr lang="it-IT" sz="2000" dirty="0">
-              <a:solidFill>
-                <a:schemeClr val="bg1"/>
-              </a:solidFill>
-              <a:latin typeface="BankGothic Lt BT" panose="020B0607020203060204" pitchFamily="34" charset="0"/>
-            </a:endParaRPr>
           </a:p>
         </p:txBody>
       </p:sp>
@@ -11312,25 +11224,18 @@
   <p:clrMapOvr>
     <a:masterClrMapping/>
   </p:clrMapOvr>
-  <mc:AlternateContent xmlns:mc="http://schemas.openxmlformats.org/markup-compatibility/2006">
-    <mc:Choice xmlns:p14="http://schemas.microsoft.com/office/powerpoint/2010/main" Requires="p14">
+  <mc:AlternateContent xmlns:mc="http://schemas.openxmlformats.org/markup-compatibility/2006" xmlns:p14="http://schemas.microsoft.com/office/powerpoint/2010/main">
+    <mc:Choice Requires="p14">
       <p:transition spd="med" p14:dur="700">
         <p:fade/>
       </p:transition>
     </mc:Choice>
-    <mc:Fallback>
+    <mc:Fallback xmlns="">
       <p:transition spd="med">
         <p:fade/>
       </p:transition>
     </mc:Fallback>
   </mc:AlternateContent>
-  <p:timing>
-    <p:tnLst>
-      <p:par>
-        <p:cTn id="1" dur="indefinite" restart="never" nodeType="tmRoot"/>
-      </p:par>
-    </p:tnLst>
-  </p:timing>
 </p:sld>
 </file>
 
@@ -11374,13 +11279,13 @@
           <a:lstStyle/>
           <a:p>
             <a:r>
-              <a:rPr lang="it-IT" sz="4000" dirty="0" smtClean="0">
+              <a:rPr lang="it-IT" sz="4000" dirty="0">
                 <a:latin typeface="BankGothic Lt BT" panose="020B0607020203060204" pitchFamily="34" charset="0"/>
               </a:rPr>
               <a:t>Technologies </a:t>
             </a:r>
             <a:r>
-              <a:rPr lang="it-IT" sz="4000" dirty="0" err="1" smtClean="0">
+              <a:rPr lang="it-IT" sz="4000" dirty="0" err="1">
                 <a:latin typeface="BankGothic Lt BT" panose="020B0607020203060204" pitchFamily="34" charset="0"/>
               </a:rPr>
               <a:t>used</a:t>
@@ -11568,7 +11473,7 @@
           <a:p>
             <a:pPr algn="ctr"/>
             <a:r>
-              <a:rPr lang="it-IT" sz="1500" dirty="0" smtClean="0">
+              <a:rPr lang="it-IT" sz="1500" dirty="0">
                 <a:latin typeface="Arial Nova" panose="020B0504020202020204" pitchFamily="34" charset="0"/>
               </a:rPr>
               <a:t>UREAL ENGINE</a:t>
@@ -11612,7 +11517,7 @@
           <a:p>
             <a:pPr algn="ctr"/>
             <a:r>
-              <a:rPr lang="it-IT" sz="1500" dirty="0" smtClean="0">
+              <a:rPr lang="it-IT" sz="1500" dirty="0">
                 <a:latin typeface="Arial Nova" panose="020B0504020202020204" pitchFamily="34" charset="0"/>
               </a:rPr>
               <a:t>PYTHON</a:t>
@@ -11621,16 +11526,10 @@
           <a:p>
             <a:pPr algn="just"/>
             <a:r>
-              <a:rPr lang="en-US" sz="1500" dirty="0" smtClean="0">
-                <a:latin typeface="Arial Nova" panose="020B0504020202020204" pitchFamily="34" charset="0"/>
-              </a:rPr>
-              <a:t>It </a:t>
-            </a:r>
-            <a:r>
               <a:rPr lang="en-US" sz="1500" dirty="0">
                 <a:latin typeface="Arial Nova" panose="020B0504020202020204" pitchFamily="34" charset="0"/>
               </a:rPr>
-              <a:t>is a versatile and easy-to-learn programming language widely used for software development and automation.</a:t>
+              <a:t>It is a versatile and easy-to-learn programming language widely used for software development and automation.</a:t>
             </a:r>
             <a:endParaRPr lang="it-IT" sz="1500" dirty="0">
               <a:latin typeface="Arial Nova" panose="020B0504020202020204" pitchFamily="34" charset="0"/>
@@ -11661,7 +11560,7 @@
           <a:lstStyle/>
           <a:p>
             <a:r>
-              <a:rPr lang="it-IT" sz="2000" dirty="0" smtClean="0">
+              <a:rPr lang="it-IT" sz="2000" dirty="0">
                 <a:solidFill>
                   <a:schemeClr val="bg1"/>
                 </a:solidFill>
@@ -11669,12 +11568,6 @@
               </a:rPr>
               <a:t>4</a:t>
             </a:r>
-            <a:endParaRPr lang="it-IT" sz="2000" dirty="0">
-              <a:solidFill>
-                <a:schemeClr val="bg1"/>
-              </a:solidFill>
-              <a:latin typeface="BankGothic Lt BT" panose="020B0607020203060204" pitchFamily="34" charset="0"/>
-            </a:endParaRPr>
           </a:p>
         </p:txBody>
       </p:sp>
@@ -11688,25 +11581,18 @@
   <p:clrMapOvr>
     <a:masterClrMapping/>
   </p:clrMapOvr>
-  <mc:AlternateContent xmlns:mc="http://schemas.openxmlformats.org/markup-compatibility/2006">
-    <mc:Choice xmlns:p14="http://schemas.microsoft.com/office/powerpoint/2010/main" Requires="p14">
+  <mc:AlternateContent xmlns:mc="http://schemas.openxmlformats.org/markup-compatibility/2006" xmlns:p14="http://schemas.microsoft.com/office/powerpoint/2010/main">
+    <mc:Choice Requires="p14">
       <p:transition spd="med" p14:dur="700">
         <p:fade/>
       </p:transition>
     </mc:Choice>
-    <mc:Fallback>
+    <mc:Fallback xmlns="">
       <p:transition spd="med">
         <p:fade/>
       </p:transition>
     </mc:Fallback>
   </mc:AlternateContent>
-  <p:timing>
-    <p:tnLst>
-      <p:par>
-        <p:cTn id="1" dur="indefinite" restart="never" nodeType="tmRoot"/>
-      </p:par>
-    </p:tnLst>
-  </p:timing>
 </p:sld>
 </file>
 
@@ -11858,7 +11744,7 @@
               <a:buAutoNum type="arabicPeriod"/>
             </a:pPr>
             <a:r>
-              <a:rPr lang="it-IT" sz="1600" dirty="0" smtClean="0">
+              <a:rPr lang="it-IT" sz="1600" dirty="0">
                 <a:latin typeface="Arial Nova" panose="020B0504020202020204" pitchFamily="34" charset="0"/>
               </a:rPr>
               <a:t>Muse2 </a:t>
@@ -11888,621 +11774,12 @@
               <a:t> code in </a:t>
             </a:r>
             <a:r>
-              <a:rPr lang="it-IT" sz="1600" dirty="0" err="1" smtClean="0">
+              <a:rPr lang="it-IT" sz="1600" dirty="0" err="1">
                 <a:latin typeface="Arial Nova" panose="020B0504020202020204" pitchFamily="34" charset="0"/>
               </a:rPr>
               <a:t>Python</a:t>
             </a:r>
-            <a:endParaRPr lang="it-IT" sz="1600" dirty="0" smtClean="0">
-              <a:latin typeface="Arial Nova" panose="020B0504020202020204" pitchFamily="34" charset="0"/>
-            </a:endParaRPr>
-          </a:p>
-          <a:p>
-            <a:pPr marL="342900" indent="-342900">
-              <a:buFont typeface="+mj-lt"/>
-              <a:buAutoNum type="arabicPeriod"/>
-            </a:pPr>
-            <a:endParaRPr lang="it-IT" sz="1600" dirty="0" smtClean="0">
-              <a:latin typeface="Arial Nova" panose="020B0504020202020204" pitchFamily="34" charset="0"/>
-            </a:endParaRPr>
-          </a:p>
-          <a:p>
-            <a:pPr marL="342900" indent="-342900">
-              <a:buFont typeface="+mj-lt"/>
-              <a:buAutoNum type="arabicPeriod"/>
-            </a:pPr>
-            <a:r>
-              <a:rPr lang="it-IT" sz="1600" dirty="0" err="1">
-                <a:latin typeface="Arial Nova" panose="020B0504020202020204" pitchFamily="34" charset="0"/>
-              </a:rPr>
-              <a:t>I</a:t>
-            </a:r>
-            <a:r>
-              <a:rPr lang="it-IT" sz="1600" dirty="0" err="1" smtClean="0">
-                <a:latin typeface="Arial Nova" panose="020B0504020202020204" pitchFamily="34" charset="0"/>
-              </a:rPr>
-              <a:t>nstall</a:t>
-            </a:r>
-            <a:r>
-              <a:rPr lang="it-IT" sz="1600" dirty="0" smtClean="0">
-                <a:latin typeface="Arial Nova" panose="020B0504020202020204" pitchFamily="34" charset="0"/>
-              </a:rPr>
-              <a:t> </a:t>
-            </a:r>
-            <a:r>
-              <a:rPr lang="it-IT" sz="1600" dirty="0">
-                <a:latin typeface="Arial Nova" panose="020B0504020202020204" pitchFamily="34" charset="0"/>
-              </a:rPr>
-              <a:t>the </a:t>
-            </a:r>
-            <a:r>
-              <a:rPr lang="it-IT" sz="1600" dirty="0" err="1">
-                <a:latin typeface="Arial Nova" panose="020B0504020202020204" pitchFamily="34" charset="0"/>
-              </a:rPr>
-              <a:t>Raspberry</a:t>
-            </a:r>
-            <a:r>
-              <a:rPr lang="it-IT" sz="1600" dirty="0">
-                <a:latin typeface="Arial Nova" panose="020B0504020202020204" pitchFamily="34" charset="0"/>
-              </a:rPr>
-              <a:t> </a:t>
-            </a:r>
-            <a:r>
-              <a:rPr lang="it-IT" sz="1600" dirty="0" err="1">
-                <a:latin typeface="Arial Nova" panose="020B0504020202020204" pitchFamily="34" charset="0"/>
-              </a:rPr>
-              <a:t>Pi</a:t>
-            </a:r>
-            <a:r>
-              <a:rPr lang="it-IT" sz="1600" dirty="0">
-                <a:latin typeface="Arial Nova" panose="020B0504020202020204" pitchFamily="34" charset="0"/>
-              </a:rPr>
-              <a:t> </a:t>
-            </a:r>
-            <a:r>
-              <a:rPr lang="it-IT" sz="1600" dirty="0" err="1">
-                <a:latin typeface="Arial Nova" panose="020B0504020202020204" pitchFamily="34" charset="0"/>
-              </a:rPr>
-              <a:t>operating</a:t>
-            </a:r>
-            <a:r>
-              <a:rPr lang="it-IT" sz="1600" dirty="0">
-                <a:latin typeface="Arial Nova" panose="020B0504020202020204" pitchFamily="34" charset="0"/>
-              </a:rPr>
-              <a:t> </a:t>
-            </a:r>
-            <a:r>
-              <a:rPr lang="it-IT" sz="1600" dirty="0" err="1">
-                <a:latin typeface="Arial Nova" panose="020B0504020202020204" pitchFamily="34" charset="0"/>
-              </a:rPr>
-              <a:t>system</a:t>
-            </a:r>
-            <a:r>
-              <a:rPr lang="it-IT" sz="1600" dirty="0">
-                <a:latin typeface="Arial Nova" panose="020B0504020202020204" pitchFamily="34" charset="0"/>
-              </a:rPr>
-              <a:t> on </a:t>
-            </a:r>
-            <a:r>
-              <a:rPr lang="it-IT" sz="1600" dirty="0" err="1">
-                <a:latin typeface="Arial Nova" panose="020B0504020202020204" pitchFamily="34" charset="0"/>
-              </a:rPr>
-              <a:t>your</a:t>
-            </a:r>
-            <a:r>
-              <a:rPr lang="it-IT" sz="1600" dirty="0">
-                <a:latin typeface="Arial Nova" panose="020B0504020202020204" pitchFamily="34" charset="0"/>
-              </a:rPr>
-              <a:t> computer and "flash" a </a:t>
-            </a:r>
-            <a:r>
-              <a:rPr lang="it-IT" sz="1600" dirty="0" err="1">
-                <a:latin typeface="Arial Nova" panose="020B0504020202020204" pitchFamily="34" charset="0"/>
-              </a:rPr>
-              <a:t>microSD</a:t>
-            </a:r>
-            <a:r>
-              <a:rPr lang="it-IT" sz="1600" dirty="0">
-                <a:latin typeface="Arial Nova" panose="020B0504020202020204" pitchFamily="34" charset="0"/>
-              </a:rPr>
-              <a:t> </a:t>
-            </a:r>
-            <a:r>
-              <a:rPr lang="it-IT" sz="1600" dirty="0" smtClean="0">
-                <a:latin typeface="Arial Nova" panose="020B0504020202020204" pitchFamily="34" charset="0"/>
-              </a:rPr>
-              <a:t>card </a:t>
-            </a:r>
-            <a:r>
-              <a:rPr lang="it-IT" sz="1600" dirty="0" err="1">
-                <a:latin typeface="Arial Nova" panose="020B0504020202020204" pitchFamily="34" charset="0"/>
-              </a:rPr>
-              <a:t>which</a:t>
-            </a:r>
-            <a:r>
-              <a:rPr lang="it-IT" sz="1600" dirty="0">
-                <a:latin typeface="Arial Nova" panose="020B0504020202020204" pitchFamily="34" charset="0"/>
-              </a:rPr>
-              <a:t> </a:t>
-            </a:r>
-            <a:r>
-              <a:rPr lang="it-IT" sz="1600" dirty="0" err="1">
-                <a:latin typeface="Arial Nova" panose="020B0504020202020204" pitchFamily="34" charset="0"/>
-              </a:rPr>
-              <a:t>you</a:t>
-            </a:r>
-            <a:r>
-              <a:rPr lang="it-IT" sz="1600" dirty="0">
-                <a:latin typeface="Arial Nova" panose="020B0504020202020204" pitchFamily="34" charset="0"/>
-              </a:rPr>
-              <a:t> </a:t>
-            </a:r>
-            <a:r>
-              <a:rPr lang="it-IT" sz="1600" dirty="0" err="1">
-                <a:latin typeface="Arial Nova" panose="020B0504020202020204" pitchFamily="34" charset="0"/>
-              </a:rPr>
-              <a:t>will</a:t>
-            </a:r>
-            <a:r>
-              <a:rPr lang="it-IT" sz="1600" dirty="0">
-                <a:latin typeface="Arial Nova" panose="020B0504020202020204" pitchFamily="34" charset="0"/>
-              </a:rPr>
-              <a:t> </a:t>
-            </a:r>
-            <a:r>
-              <a:rPr lang="it-IT" sz="1600" dirty="0" err="1">
-                <a:latin typeface="Arial Nova" panose="020B0504020202020204" pitchFamily="34" charset="0"/>
-              </a:rPr>
-              <a:t>need</a:t>
-            </a:r>
-            <a:r>
-              <a:rPr lang="it-IT" sz="1600" dirty="0">
-                <a:latin typeface="Arial Nova" panose="020B0504020202020204" pitchFamily="34" charset="0"/>
-              </a:rPr>
-              <a:t> to </a:t>
-            </a:r>
-            <a:r>
-              <a:rPr lang="it-IT" sz="1600" dirty="0" err="1">
-                <a:latin typeface="Arial Nova" panose="020B0504020202020204" pitchFamily="34" charset="0"/>
-              </a:rPr>
-              <a:t>insert</a:t>
-            </a:r>
-            <a:r>
-              <a:rPr lang="it-IT" sz="1600" dirty="0">
-                <a:latin typeface="Arial Nova" panose="020B0504020202020204" pitchFamily="34" charset="0"/>
-              </a:rPr>
-              <a:t> </a:t>
-            </a:r>
-            <a:r>
-              <a:rPr lang="it-IT" sz="1600" dirty="0" err="1">
-                <a:latin typeface="Arial Nova" panose="020B0504020202020204" pitchFamily="34" charset="0"/>
-              </a:rPr>
-              <a:t>into</a:t>
-            </a:r>
-            <a:r>
-              <a:rPr lang="it-IT" sz="1600" dirty="0">
-                <a:latin typeface="Arial Nova" panose="020B0504020202020204" pitchFamily="34" charset="0"/>
-              </a:rPr>
-              <a:t> the </a:t>
-            </a:r>
-            <a:r>
-              <a:rPr lang="it-IT" sz="1600" dirty="0" err="1">
-                <a:latin typeface="Arial Nova" panose="020B0504020202020204" pitchFamily="34" charset="0"/>
-              </a:rPr>
-              <a:t>aplhabot</a:t>
-            </a:r>
-            <a:r>
-              <a:rPr lang="it-IT" sz="1600" dirty="0">
-                <a:latin typeface="Arial Nova" panose="020B0504020202020204" pitchFamily="34" charset="0"/>
-              </a:rPr>
-              <a:t> to be </a:t>
-            </a:r>
-            <a:r>
-              <a:rPr lang="it-IT" sz="1600" dirty="0" err="1">
-                <a:latin typeface="Arial Nova" panose="020B0504020202020204" pitchFamily="34" charset="0"/>
-              </a:rPr>
-              <a:t>able</a:t>
-            </a:r>
-            <a:r>
-              <a:rPr lang="it-IT" sz="1600" dirty="0">
-                <a:latin typeface="Arial Nova" panose="020B0504020202020204" pitchFamily="34" charset="0"/>
-              </a:rPr>
-              <a:t> to </a:t>
-            </a:r>
-            <a:r>
-              <a:rPr lang="it-IT" sz="1600" dirty="0" err="1">
-                <a:latin typeface="Arial Nova" panose="020B0504020202020204" pitchFamily="34" charset="0"/>
-              </a:rPr>
-              <a:t>connect</a:t>
-            </a:r>
-            <a:r>
-              <a:rPr lang="it-IT" sz="1600" dirty="0">
-                <a:latin typeface="Arial Nova" panose="020B0504020202020204" pitchFamily="34" charset="0"/>
-              </a:rPr>
-              <a:t> </a:t>
-            </a:r>
-            <a:r>
-              <a:rPr lang="it-IT" sz="1600" dirty="0" err="1">
-                <a:latin typeface="Arial Nova" panose="020B0504020202020204" pitchFamily="34" charset="0"/>
-              </a:rPr>
-              <a:t>it</a:t>
-            </a:r>
-            <a:r>
-              <a:rPr lang="it-IT" sz="1600" dirty="0">
-                <a:latin typeface="Arial Nova" panose="020B0504020202020204" pitchFamily="34" charset="0"/>
-              </a:rPr>
-              <a:t> to the </a:t>
-            </a:r>
-            <a:r>
-              <a:rPr lang="it-IT" sz="1600" dirty="0" err="1">
-                <a:latin typeface="Arial Nova" panose="020B0504020202020204" pitchFamily="34" charset="0"/>
-              </a:rPr>
-              <a:t>wi-fi</a:t>
-            </a:r>
-            <a:r>
-              <a:rPr lang="it-IT" sz="1600" dirty="0">
-                <a:latin typeface="Arial Nova" panose="020B0504020202020204" pitchFamily="34" charset="0"/>
-              </a:rPr>
-              <a:t> network so </a:t>
-            </a:r>
-            <a:r>
-              <a:rPr lang="it-IT" sz="1600" dirty="0" err="1">
-                <a:latin typeface="Arial Nova" panose="020B0504020202020204" pitchFamily="34" charset="0"/>
-              </a:rPr>
-              <a:t>you</a:t>
-            </a:r>
-            <a:r>
-              <a:rPr lang="it-IT" sz="1600" dirty="0">
-                <a:latin typeface="Arial Nova" panose="020B0504020202020204" pitchFamily="34" charset="0"/>
-              </a:rPr>
-              <a:t> can </a:t>
-            </a:r>
-            <a:r>
-              <a:rPr lang="it-IT" sz="1600" dirty="0" err="1">
-                <a:latin typeface="Arial Nova" panose="020B0504020202020204" pitchFamily="34" charset="0"/>
-              </a:rPr>
-              <a:t>send</a:t>
-            </a:r>
-            <a:r>
-              <a:rPr lang="it-IT" sz="1600" dirty="0">
-                <a:latin typeface="Arial Nova" panose="020B0504020202020204" pitchFamily="34" charset="0"/>
-              </a:rPr>
-              <a:t> </a:t>
-            </a:r>
-            <a:r>
-              <a:rPr lang="it-IT" sz="1600" dirty="0" err="1">
-                <a:latin typeface="Arial Nova" panose="020B0504020202020204" pitchFamily="34" charset="0"/>
-              </a:rPr>
-              <a:t>it</a:t>
-            </a:r>
-            <a:r>
-              <a:rPr lang="it-IT" sz="1600" dirty="0">
-                <a:latin typeface="Arial Nova" panose="020B0504020202020204" pitchFamily="34" charset="0"/>
-              </a:rPr>
-              <a:t> the data </a:t>
-            </a:r>
-            <a:r>
-              <a:rPr lang="it-IT" sz="1600" dirty="0" err="1">
-                <a:latin typeface="Arial Nova" panose="020B0504020202020204" pitchFamily="34" charset="0"/>
-              </a:rPr>
-              <a:t>detected</a:t>
-            </a:r>
-            <a:r>
-              <a:rPr lang="it-IT" sz="1600" dirty="0">
-                <a:latin typeface="Arial Nova" panose="020B0504020202020204" pitchFamily="34" charset="0"/>
-              </a:rPr>
-              <a:t> by the Muse2. </a:t>
-            </a:r>
-            <a:r>
-              <a:rPr lang="it-IT" sz="1600" dirty="0" err="1">
-                <a:latin typeface="Arial Nova" panose="020B0504020202020204" pitchFamily="34" charset="0"/>
-              </a:rPr>
-              <a:t>We</a:t>
-            </a:r>
-            <a:r>
-              <a:rPr lang="it-IT" sz="1600" dirty="0">
-                <a:latin typeface="Arial Nova" panose="020B0504020202020204" pitchFamily="34" charset="0"/>
-              </a:rPr>
-              <a:t> </a:t>
-            </a:r>
-            <a:r>
-              <a:rPr lang="it-IT" sz="1600" dirty="0" err="1">
-                <a:latin typeface="Arial Nova" panose="020B0504020202020204" pitchFamily="34" charset="0"/>
-              </a:rPr>
-              <a:t>installed</a:t>
-            </a:r>
-            <a:r>
-              <a:rPr lang="it-IT" sz="1600" dirty="0">
-                <a:latin typeface="Arial Nova" panose="020B0504020202020204" pitchFamily="34" charset="0"/>
-              </a:rPr>
-              <a:t> the </a:t>
-            </a:r>
-            <a:r>
-              <a:rPr lang="it-IT" sz="1600" dirty="0" err="1">
-                <a:latin typeface="Arial Nova" panose="020B0504020202020204" pitchFamily="34" charset="0"/>
-              </a:rPr>
-              <a:t>operating</a:t>
-            </a:r>
-            <a:r>
-              <a:rPr lang="it-IT" sz="1600" dirty="0">
-                <a:latin typeface="Arial Nova" panose="020B0504020202020204" pitchFamily="34" charset="0"/>
-              </a:rPr>
-              <a:t> </a:t>
-            </a:r>
-            <a:r>
-              <a:rPr lang="it-IT" sz="1600" dirty="0" err="1">
-                <a:latin typeface="Arial Nova" panose="020B0504020202020204" pitchFamily="34" charset="0"/>
-              </a:rPr>
-              <a:t>system</a:t>
-            </a:r>
-            <a:r>
-              <a:rPr lang="it-IT" sz="1600" dirty="0">
-                <a:latin typeface="Arial Nova" panose="020B0504020202020204" pitchFamily="34" charset="0"/>
-              </a:rPr>
-              <a:t> </a:t>
-            </a:r>
-            <a:r>
-              <a:rPr lang="it-IT" sz="1600" dirty="0" err="1">
-                <a:latin typeface="Arial Nova" panose="020B0504020202020204" pitchFamily="34" charset="0"/>
-              </a:rPr>
-              <a:t>this</a:t>
-            </a:r>
-            <a:r>
-              <a:rPr lang="it-IT" sz="1600" dirty="0">
-                <a:latin typeface="Arial Nova" panose="020B0504020202020204" pitchFamily="34" charset="0"/>
-              </a:rPr>
-              <a:t> way to </a:t>
-            </a:r>
-            <a:r>
-              <a:rPr lang="it-IT" sz="1600" dirty="0" err="1">
-                <a:latin typeface="Arial Nova" panose="020B0504020202020204" pitchFamily="34" charset="0"/>
-              </a:rPr>
-              <a:t>make</a:t>
-            </a:r>
-            <a:r>
-              <a:rPr lang="it-IT" sz="1600" dirty="0">
-                <a:latin typeface="Arial Nova" panose="020B0504020202020204" pitchFamily="34" charset="0"/>
-              </a:rPr>
-              <a:t> the </a:t>
-            </a:r>
-            <a:r>
-              <a:rPr lang="it-IT" sz="1600" dirty="0" err="1">
-                <a:latin typeface="Arial Nova" panose="020B0504020202020204" pitchFamily="34" charset="0"/>
-              </a:rPr>
-              <a:t>steps</a:t>
-            </a:r>
-            <a:r>
-              <a:rPr lang="it-IT" sz="1600" dirty="0">
-                <a:latin typeface="Arial Nova" panose="020B0504020202020204" pitchFamily="34" charset="0"/>
-              </a:rPr>
-              <a:t> </a:t>
-            </a:r>
-            <a:r>
-              <a:rPr lang="it-IT" sz="1600" dirty="0" err="1">
-                <a:latin typeface="Arial Nova" panose="020B0504020202020204" pitchFamily="34" charset="0"/>
-              </a:rPr>
-              <a:t>easier</a:t>
-            </a:r>
-            <a:r>
-              <a:rPr lang="it-IT" sz="1600" dirty="0">
-                <a:latin typeface="Arial Nova" panose="020B0504020202020204" pitchFamily="34" charset="0"/>
-              </a:rPr>
-              <a:t> </a:t>
-            </a:r>
-            <a:r>
-              <a:rPr lang="it-IT" sz="1600" dirty="0" err="1">
-                <a:latin typeface="Arial Nova" panose="020B0504020202020204" pitchFamily="34" charset="0"/>
-              </a:rPr>
-              <a:t>thanks</a:t>
-            </a:r>
-            <a:r>
-              <a:rPr lang="it-IT" sz="1600" dirty="0">
-                <a:latin typeface="Arial Nova" panose="020B0504020202020204" pitchFamily="34" charset="0"/>
-              </a:rPr>
-              <a:t> to the </a:t>
-            </a:r>
-            <a:r>
-              <a:rPr lang="it-IT" sz="1600" dirty="0" err="1">
-                <a:latin typeface="Arial Nova" panose="020B0504020202020204" pitchFamily="34" charset="0"/>
-              </a:rPr>
-              <a:t>graphical</a:t>
-            </a:r>
-            <a:r>
-              <a:rPr lang="it-IT" sz="1600" dirty="0">
-                <a:latin typeface="Arial Nova" panose="020B0504020202020204" pitchFamily="34" charset="0"/>
-              </a:rPr>
-              <a:t> </a:t>
-            </a:r>
-            <a:r>
-              <a:rPr lang="it-IT" sz="1600" dirty="0" err="1">
-                <a:latin typeface="Arial Nova" panose="020B0504020202020204" pitchFamily="34" charset="0"/>
-              </a:rPr>
-              <a:t>interface</a:t>
-            </a:r>
-            <a:r>
-              <a:rPr lang="it-IT" sz="1600" dirty="0">
-                <a:latin typeface="Arial Nova" panose="020B0504020202020204" pitchFamily="34" charset="0"/>
-              </a:rPr>
-              <a:t> </a:t>
-            </a:r>
-            <a:r>
-              <a:rPr lang="it-IT" sz="1600" dirty="0" err="1">
-                <a:latin typeface="Arial Nova" panose="020B0504020202020204" pitchFamily="34" charset="0"/>
-              </a:rPr>
-              <a:t>but</a:t>
-            </a:r>
-            <a:r>
-              <a:rPr lang="it-IT" sz="1600" dirty="0">
-                <a:latin typeface="Arial Nova" panose="020B0504020202020204" pitchFamily="34" charset="0"/>
-              </a:rPr>
-              <a:t> </a:t>
-            </a:r>
-            <a:r>
-              <a:rPr lang="it-IT" sz="1600" dirty="0" err="1">
-                <a:latin typeface="Arial Nova" panose="020B0504020202020204" pitchFamily="34" charset="0"/>
-              </a:rPr>
-              <a:t>it</a:t>
-            </a:r>
-            <a:r>
-              <a:rPr lang="it-IT" sz="1600" dirty="0">
-                <a:latin typeface="Arial Nova" panose="020B0504020202020204" pitchFamily="34" charset="0"/>
-              </a:rPr>
-              <a:t> </a:t>
-            </a:r>
-            <a:r>
-              <a:rPr lang="it-IT" sz="1600" dirty="0" err="1">
-                <a:latin typeface="Arial Nova" panose="020B0504020202020204" pitchFamily="34" charset="0"/>
-              </a:rPr>
-              <a:t>is</a:t>
-            </a:r>
-            <a:r>
-              <a:rPr lang="it-IT" sz="1600" dirty="0">
-                <a:latin typeface="Arial Nova" panose="020B0504020202020204" pitchFamily="34" charset="0"/>
-              </a:rPr>
-              <a:t> </a:t>
-            </a:r>
-            <a:r>
-              <a:rPr lang="it-IT" sz="1600" dirty="0" err="1">
-                <a:latin typeface="Arial Nova" panose="020B0504020202020204" pitchFamily="34" charset="0"/>
-              </a:rPr>
-              <a:t>also</a:t>
-            </a:r>
-            <a:r>
-              <a:rPr lang="it-IT" sz="1600" dirty="0">
-                <a:latin typeface="Arial Nova" panose="020B0504020202020204" pitchFamily="34" charset="0"/>
-              </a:rPr>
-              <a:t> </a:t>
-            </a:r>
-            <a:r>
-              <a:rPr lang="it-IT" sz="1600" dirty="0" err="1">
-                <a:latin typeface="Arial Nova" panose="020B0504020202020204" pitchFamily="34" charset="0"/>
-              </a:rPr>
-              <a:t>possible</a:t>
-            </a:r>
-            <a:r>
-              <a:rPr lang="it-IT" sz="1600" dirty="0">
-                <a:latin typeface="Arial Nova" panose="020B0504020202020204" pitchFamily="34" charset="0"/>
-              </a:rPr>
-              <a:t> to do </a:t>
-            </a:r>
-            <a:r>
-              <a:rPr lang="it-IT" sz="1600" dirty="0" err="1">
-                <a:latin typeface="Arial Nova" panose="020B0504020202020204" pitchFamily="34" charset="0"/>
-              </a:rPr>
-              <a:t>it</a:t>
-            </a:r>
-            <a:r>
-              <a:rPr lang="it-IT" sz="1600" dirty="0">
-                <a:latin typeface="Arial Nova" panose="020B0504020202020204" pitchFamily="34" charset="0"/>
-              </a:rPr>
-              <a:t> via the </a:t>
-            </a:r>
-            <a:r>
-              <a:rPr lang="it-IT" sz="1600" dirty="0" err="1">
-                <a:latin typeface="Arial Nova" panose="020B0504020202020204" pitchFamily="34" charset="0"/>
-              </a:rPr>
-              <a:t>command</a:t>
-            </a:r>
-            <a:r>
-              <a:rPr lang="it-IT" sz="1600" dirty="0">
-                <a:latin typeface="Arial Nova" panose="020B0504020202020204" pitchFamily="34" charset="0"/>
-              </a:rPr>
-              <a:t> </a:t>
-            </a:r>
-            <a:r>
-              <a:rPr lang="it-IT" sz="1600" dirty="0" smtClean="0">
-                <a:latin typeface="Arial Nova" panose="020B0504020202020204" pitchFamily="34" charset="0"/>
-              </a:rPr>
-              <a:t>line</a:t>
-            </a:r>
-          </a:p>
-          <a:p>
-            <a:pPr marL="342900" indent="-342900">
-              <a:buFont typeface="+mj-lt"/>
-              <a:buAutoNum type="arabicPeriod"/>
-            </a:pPr>
-            <a:endParaRPr lang="it-IT" sz="1600" dirty="0" smtClean="0">
-              <a:latin typeface="Arial Nova" panose="020B0504020202020204" pitchFamily="34" charset="0"/>
-            </a:endParaRPr>
-          </a:p>
-          <a:p>
-            <a:pPr marL="342900" indent="-342900">
-              <a:buFont typeface="+mj-lt"/>
-              <a:buAutoNum type="arabicPeriod"/>
-            </a:pPr>
-            <a:r>
-              <a:rPr lang="it-IT" sz="1600" dirty="0">
-                <a:latin typeface="Arial Nova" panose="020B0504020202020204" pitchFamily="34" charset="0"/>
-              </a:rPr>
-              <a:t>C</a:t>
-            </a:r>
-            <a:r>
-              <a:rPr lang="it-IT" sz="1600" dirty="0" smtClean="0">
-                <a:latin typeface="Arial Nova" panose="020B0504020202020204" pitchFamily="34" charset="0"/>
-              </a:rPr>
-              <a:t>reate </a:t>
-            </a:r>
-            <a:r>
-              <a:rPr lang="it-IT" sz="1600" dirty="0">
-                <a:latin typeface="Arial Nova" panose="020B0504020202020204" pitchFamily="34" charset="0"/>
-              </a:rPr>
-              <a:t>Client-Server </a:t>
-            </a:r>
-            <a:r>
-              <a:rPr lang="it-IT" sz="1600" dirty="0" err="1">
-                <a:latin typeface="Arial Nova" panose="020B0504020202020204" pitchFamily="34" charset="0"/>
-              </a:rPr>
-              <a:t>communication</a:t>
-            </a:r>
-            <a:r>
-              <a:rPr lang="it-IT" sz="1600" dirty="0">
-                <a:latin typeface="Arial Nova" panose="020B0504020202020204" pitchFamily="34" charset="0"/>
-              </a:rPr>
-              <a:t> </a:t>
-            </a:r>
-            <a:r>
-              <a:rPr lang="it-IT" sz="1600" dirty="0" err="1">
-                <a:latin typeface="Arial Nova" panose="020B0504020202020204" pitchFamily="34" charset="0"/>
-              </a:rPr>
-              <a:t>between</a:t>
-            </a:r>
-            <a:r>
-              <a:rPr lang="it-IT" sz="1600" dirty="0">
-                <a:latin typeface="Arial Nova" panose="020B0504020202020204" pitchFamily="34" charset="0"/>
-              </a:rPr>
-              <a:t> the computer </a:t>
-            </a:r>
-            <a:r>
-              <a:rPr lang="it-IT" sz="1600" dirty="0" err="1">
-                <a:latin typeface="Arial Nova" panose="020B0504020202020204" pitchFamily="34" charset="0"/>
-              </a:rPr>
-              <a:t>running</a:t>
-            </a:r>
-            <a:r>
-              <a:rPr lang="it-IT" sz="1600" dirty="0">
-                <a:latin typeface="Arial Nova" panose="020B0504020202020204" pitchFamily="34" charset="0"/>
-              </a:rPr>
-              <a:t> the </a:t>
-            </a:r>
-            <a:r>
-              <a:rPr lang="it-IT" sz="1600" dirty="0" err="1">
-                <a:latin typeface="Arial Nova" panose="020B0504020202020204" pitchFamily="34" charset="0"/>
-              </a:rPr>
-              <a:t>program</a:t>
-            </a:r>
-            <a:r>
-              <a:rPr lang="it-IT" sz="1600" dirty="0">
-                <a:latin typeface="Arial Nova" panose="020B0504020202020204" pitchFamily="34" charset="0"/>
-              </a:rPr>
-              <a:t> and the </a:t>
-            </a:r>
-            <a:r>
-              <a:rPr lang="it-IT" sz="1600" dirty="0" err="1" smtClean="0">
-                <a:latin typeface="Arial Nova" panose="020B0504020202020204" pitchFamily="34" charset="0"/>
-              </a:rPr>
-              <a:t>aplhabot</a:t>
-            </a:r>
-            <a:endParaRPr lang="it-IT" sz="1600" dirty="0" smtClean="0">
+            <a:endParaRPr lang="it-IT" sz="1600" dirty="0">
               <a:latin typeface="Arial Nova" panose="020B0504020202020204" pitchFamily="34" charset="0"/>
             </a:endParaRPr>
           </a:p>
@@ -12521,22 +11798,586 @@
               <a:buAutoNum type="arabicPeriod"/>
             </a:pPr>
             <a:r>
-              <a:rPr lang="it-IT" altLang="it-IT" sz="1600" dirty="0" err="1" smtClean="0">
+              <a:rPr lang="it-IT" sz="1600" dirty="0" err="1">
+                <a:latin typeface="Arial Nova" panose="020B0504020202020204" pitchFamily="34" charset="0"/>
+              </a:rPr>
+              <a:t>Install</a:t>
+            </a:r>
+            <a:r>
+              <a:rPr lang="it-IT" sz="1600" dirty="0">
+                <a:latin typeface="Arial Nova" panose="020B0504020202020204" pitchFamily="34" charset="0"/>
+              </a:rPr>
+              <a:t> the </a:t>
+            </a:r>
+            <a:r>
+              <a:rPr lang="it-IT" sz="1600" dirty="0" err="1">
+                <a:latin typeface="Arial Nova" panose="020B0504020202020204" pitchFamily="34" charset="0"/>
+              </a:rPr>
+              <a:t>Raspberry</a:t>
+            </a:r>
+            <a:r>
+              <a:rPr lang="it-IT" sz="1600" dirty="0">
+                <a:latin typeface="Arial Nova" panose="020B0504020202020204" pitchFamily="34" charset="0"/>
+              </a:rPr>
+              <a:t> </a:t>
+            </a:r>
+            <a:r>
+              <a:rPr lang="it-IT" sz="1600" dirty="0" err="1">
+                <a:latin typeface="Arial Nova" panose="020B0504020202020204" pitchFamily="34" charset="0"/>
+              </a:rPr>
+              <a:t>Pi</a:t>
+            </a:r>
+            <a:r>
+              <a:rPr lang="it-IT" sz="1600" dirty="0">
+                <a:latin typeface="Arial Nova" panose="020B0504020202020204" pitchFamily="34" charset="0"/>
+              </a:rPr>
+              <a:t> </a:t>
+            </a:r>
+            <a:r>
+              <a:rPr lang="it-IT" sz="1600" dirty="0" err="1">
+                <a:latin typeface="Arial Nova" panose="020B0504020202020204" pitchFamily="34" charset="0"/>
+              </a:rPr>
+              <a:t>operating</a:t>
+            </a:r>
+            <a:r>
+              <a:rPr lang="it-IT" sz="1600" dirty="0">
+                <a:latin typeface="Arial Nova" panose="020B0504020202020204" pitchFamily="34" charset="0"/>
+              </a:rPr>
+              <a:t> </a:t>
+            </a:r>
+            <a:r>
+              <a:rPr lang="it-IT" sz="1600" dirty="0" err="1">
+                <a:latin typeface="Arial Nova" panose="020B0504020202020204" pitchFamily="34" charset="0"/>
+              </a:rPr>
+              <a:t>system</a:t>
+            </a:r>
+            <a:r>
+              <a:rPr lang="it-IT" sz="1600" dirty="0">
+                <a:latin typeface="Arial Nova" panose="020B0504020202020204" pitchFamily="34" charset="0"/>
+              </a:rPr>
+              <a:t> on </a:t>
+            </a:r>
+            <a:r>
+              <a:rPr lang="it-IT" sz="1600" dirty="0" err="1">
+                <a:latin typeface="Arial Nova" panose="020B0504020202020204" pitchFamily="34" charset="0"/>
+              </a:rPr>
+              <a:t>your</a:t>
+            </a:r>
+            <a:r>
+              <a:rPr lang="it-IT" sz="1600" dirty="0">
+                <a:latin typeface="Arial Nova" panose="020B0504020202020204" pitchFamily="34" charset="0"/>
+              </a:rPr>
+              <a:t> computer and "flash" a </a:t>
+            </a:r>
+            <a:r>
+              <a:rPr lang="it-IT" sz="1600" dirty="0" err="1">
+                <a:latin typeface="Arial Nova" panose="020B0504020202020204" pitchFamily="34" charset="0"/>
+              </a:rPr>
+              <a:t>microSD</a:t>
+            </a:r>
+            <a:r>
+              <a:rPr lang="it-IT" sz="1600" dirty="0">
+                <a:latin typeface="Arial Nova" panose="020B0504020202020204" pitchFamily="34" charset="0"/>
+              </a:rPr>
+              <a:t> card </a:t>
+            </a:r>
+            <a:r>
+              <a:rPr lang="it-IT" sz="1600" dirty="0" err="1">
+                <a:latin typeface="Arial Nova" panose="020B0504020202020204" pitchFamily="34" charset="0"/>
+              </a:rPr>
+              <a:t>which</a:t>
+            </a:r>
+            <a:r>
+              <a:rPr lang="it-IT" sz="1600" dirty="0">
+                <a:latin typeface="Arial Nova" panose="020B0504020202020204" pitchFamily="34" charset="0"/>
+              </a:rPr>
+              <a:t> </a:t>
+            </a:r>
+            <a:r>
+              <a:rPr lang="it-IT" sz="1600" dirty="0" err="1">
+                <a:latin typeface="Arial Nova" panose="020B0504020202020204" pitchFamily="34" charset="0"/>
+              </a:rPr>
+              <a:t>you</a:t>
+            </a:r>
+            <a:r>
+              <a:rPr lang="it-IT" sz="1600" dirty="0">
+                <a:latin typeface="Arial Nova" panose="020B0504020202020204" pitchFamily="34" charset="0"/>
+              </a:rPr>
+              <a:t> </a:t>
+            </a:r>
+            <a:r>
+              <a:rPr lang="it-IT" sz="1600" dirty="0" err="1">
+                <a:latin typeface="Arial Nova" panose="020B0504020202020204" pitchFamily="34" charset="0"/>
+              </a:rPr>
+              <a:t>will</a:t>
+            </a:r>
+            <a:r>
+              <a:rPr lang="it-IT" sz="1600" dirty="0">
+                <a:latin typeface="Arial Nova" panose="020B0504020202020204" pitchFamily="34" charset="0"/>
+              </a:rPr>
+              <a:t> </a:t>
+            </a:r>
+            <a:r>
+              <a:rPr lang="it-IT" sz="1600" dirty="0" err="1">
+                <a:latin typeface="Arial Nova" panose="020B0504020202020204" pitchFamily="34" charset="0"/>
+              </a:rPr>
+              <a:t>need</a:t>
+            </a:r>
+            <a:r>
+              <a:rPr lang="it-IT" sz="1600" dirty="0">
+                <a:latin typeface="Arial Nova" panose="020B0504020202020204" pitchFamily="34" charset="0"/>
+              </a:rPr>
+              <a:t> to </a:t>
+            </a:r>
+            <a:r>
+              <a:rPr lang="it-IT" sz="1600" dirty="0" err="1">
+                <a:latin typeface="Arial Nova" panose="020B0504020202020204" pitchFamily="34" charset="0"/>
+              </a:rPr>
+              <a:t>insert</a:t>
+            </a:r>
+            <a:r>
+              <a:rPr lang="it-IT" sz="1600" dirty="0">
+                <a:latin typeface="Arial Nova" panose="020B0504020202020204" pitchFamily="34" charset="0"/>
+              </a:rPr>
+              <a:t> </a:t>
+            </a:r>
+            <a:r>
+              <a:rPr lang="it-IT" sz="1600" dirty="0" err="1">
+                <a:latin typeface="Arial Nova" panose="020B0504020202020204" pitchFamily="34" charset="0"/>
+              </a:rPr>
+              <a:t>into</a:t>
+            </a:r>
+            <a:r>
+              <a:rPr lang="it-IT" sz="1600" dirty="0">
+                <a:latin typeface="Arial Nova" panose="020B0504020202020204" pitchFamily="34" charset="0"/>
+              </a:rPr>
+              <a:t> the </a:t>
+            </a:r>
+            <a:r>
+              <a:rPr lang="it-IT" sz="1600" dirty="0" err="1">
+                <a:latin typeface="Arial Nova" panose="020B0504020202020204" pitchFamily="34" charset="0"/>
+              </a:rPr>
+              <a:t>aplhabot</a:t>
+            </a:r>
+            <a:r>
+              <a:rPr lang="it-IT" sz="1600" dirty="0">
+                <a:latin typeface="Arial Nova" panose="020B0504020202020204" pitchFamily="34" charset="0"/>
+              </a:rPr>
+              <a:t> to be </a:t>
+            </a:r>
+            <a:r>
+              <a:rPr lang="it-IT" sz="1600" dirty="0" err="1">
+                <a:latin typeface="Arial Nova" panose="020B0504020202020204" pitchFamily="34" charset="0"/>
+              </a:rPr>
+              <a:t>able</a:t>
+            </a:r>
+            <a:r>
+              <a:rPr lang="it-IT" sz="1600" dirty="0">
+                <a:latin typeface="Arial Nova" panose="020B0504020202020204" pitchFamily="34" charset="0"/>
+              </a:rPr>
+              <a:t> to </a:t>
+            </a:r>
+            <a:r>
+              <a:rPr lang="it-IT" sz="1600" dirty="0" err="1">
+                <a:latin typeface="Arial Nova" panose="020B0504020202020204" pitchFamily="34" charset="0"/>
+              </a:rPr>
+              <a:t>connect</a:t>
+            </a:r>
+            <a:r>
+              <a:rPr lang="it-IT" sz="1600" dirty="0">
+                <a:latin typeface="Arial Nova" panose="020B0504020202020204" pitchFamily="34" charset="0"/>
+              </a:rPr>
+              <a:t> </a:t>
+            </a:r>
+            <a:r>
+              <a:rPr lang="it-IT" sz="1600" dirty="0" err="1">
+                <a:latin typeface="Arial Nova" panose="020B0504020202020204" pitchFamily="34" charset="0"/>
+              </a:rPr>
+              <a:t>it</a:t>
+            </a:r>
+            <a:r>
+              <a:rPr lang="it-IT" sz="1600" dirty="0">
+                <a:latin typeface="Arial Nova" panose="020B0504020202020204" pitchFamily="34" charset="0"/>
+              </a:rPr>
+              <a:t> to the </a:t>
+            </a:r>
+            <a:r>
+              <a:rPr lang="it-IT" sz="1600" dirty="0" err="1">
+                <a:latin typeface="Arial Nova" panose="020B0504020202020204" pitchFamily="34" charset="0"/>
+              </a:rPr>
+              <a:t>wi-fi</a:t>
+            </a:r>
+            <a:r>
+              <a:rPr lang="it-IT" sz="1600" dirty="0">
+                <a:latin typeface="Arial Nova" panose="020B0504020202020204" pitchFamily="34" charset="0"/>
+              </a:rPr>
+              <a:t> network so </a:t>
+            </a:r>
+            <a:r>
+              <a:rPr lang="it-IT" sz="1600" dirty="0" err="1">
+                <a:latin typeface="Arial Nova" panose="020B0504020202020204" pitchFamily="34" charset="0"/>
+              </a:rPr>
+              <a:t>you</a:t>
+            </a:r>
+            <a:r>
+              <a:rPr lang="it-IT" sz="1600" dirty="0">
+                <a:latin typeface="Arial Nova" panose="020B0504020202020204" pitchFamily="34" charset="0"/>
+              </a:rPr>
+              <a:t> can </a:t>
+            </a:r>
+            <a:r>
+              <a:rPr lang="it-IT" sz="1600" dirty="0" err="1">
+                <a:latin typeface="Arial Nova" panose="020B0504020202020204" pitchFamily="34" charset="0"/>
+              </a:rPr>
+              <a:t>send</a:t>
+            </a:r>
+            <a:r>
+              <a:rPr lang="it-IT" sz="1600" dirty="0">
+                <a:latin typeface="Arial Nova" panose="020B0504020202020204" pitchFamily="34" charset="0"/>
+              </a:rPr>
+              <a:t> </a:t>
+            </a:r>
+            <a:r>
+              <a:rPr lang="it-IT" sz="1600" dirty="0" err="1">
+                <a:latin typeface="Arial Nova" panose="020B0504020202020204" pitchFamily="34" charset="0"/>
+              </a:rPr>
+              <a:t>it</a:t>
+            </a:r>
+            <a:r>
+              <a:rPr lang="it-IT" sz="1600" dirty="0">
+                <a:latin typeface="Arial Nova" panose="020B0504020202020204" pitchFamily="34" charset="0"/>
+              </a:rPr>
+              <a:t> the data </a:t>
+            </a:r>
+            <a:r>
+              <a:rPr lang="it-IT" sz="1600" dirty="0" err="1">
+                <a:latin typeface="Arial Nova" panose="020B0504020202020204" pitchFamily="34" charset="0"/>
+              </a:rPr>
+              <a:t>detected</a:t>
+            </a:r>
+            <a:r>
+              <a:rPr lang="it-IT" sz="1600" dirty="0">
+                <a:latin typeface="Arial Nova" panose="020B0504020202020204" pitchFamily="34" charset="0"/>
+              </a:rPr>
+              <a:t> by the Muse2. </a:t>
+            </a:r>
+            <a:r>
+              <a:rPr lang="it-IT" sz="1600" dirty="0" err="1">
+                <a:latin typeface="Arial Nova" panose="020B0504020202020204" pitchFamily="34" charset="0"/>
+              </a:rPr>
+              <a:t>We</a:t>
+            </a:r>
+            <a:r>
+              <a:rPr lang="it-IT" sz="1600" dirty="0">
+                <a:latin typeface="Arial Nova" panose="020B0504020202020204" pitchFamily="34" charset="0"/>
+              </a:rPr>
+              <a:t> </a:t>
+            </a:r>
+            <a:r>
+              <a:rPr lang="it-IT" sz="1600" dirty="0" err="1">
+                <a:latin typeface="Arial Nova" panose="020B0504020202020204" pitchFamily="34" charset="0"/>
+              </a:rPr>
+              <a:t>installed</a:t>
+            </a:r>
+            <a:r>
+              <a:rPr lang="it-IT" sz="1600" dirty="0">
+                <a:latin typeface="Arial Nova" panose="020B0504020202020204" pitchFamily="34" charset="0"/>
+              </a:rPr>
+              <a:t> the </a:t>
+            </a:r>
+            <a:r>
+              <a:rPr lang="it-IT" sz="1600" dirty="0" err="1">
+                <a:latin typeface="Arial Nova" panose="020B0504020202020204" pitchFamily="34" charset="0"/>
+              </a:rPr>
+              <a:t>operating</a:t>
+            </a:r>
+            <a:r>
+              <a:rPr lang="it-IT" sz="1600" dirty="0">
+                <a:latin typeface="Arial Nova" panose="020B0504020202020204" pitchFamily="34" charset="0"/>
+              </a:rPr>
+              <a:t> </a:t>
+            </a:r>
+            <a:r>
+              <a:rPr lang="it-IT" sz="1600" dirty="0" err="1">
+                <a:latin typeface="Arial Nova" panose="020B0504020202020204" pitchFamily="34" charset="0"/>
+              </a:rPr>
+              <a:t>system</a:t>
+            </a:r>
+            <a:r>
+              <a:rPr lang="it-IT" sz="1600" dirty="0">
+                <a:latin typeface="Arial Nova" panose="020B0504020202020204" pitchFamily="34" charset="0"/>
+              </a:rPr>
+              <a:t> </a:t>
+            </a:r>
+            <a:r>
+              <a:rPr lang="it-IT" sz="1600" dirty="0" err="1">
+                <a:latin typeface="Arial Nova" panose="020B0504020202020204" pitchFamily="34" charset="0"/>
+              </a:rPr>
+              <a:t>this</a:t>
+            </a:r>
+            <a:r>
+              <a:rPr lang="it-IT" sz="1600" dirty="0">
+                <a:latin typeface="Arial Nova" panose="020B0504020202020204" pitchFamily="34" charset="0"/>
+              </a:rPr>
+              <a:t> way to </a:t>
+            </a:r>
+            <a:r>
+              <a:rPr lang="it-IT" sz="1600" dirty="0" err="1">
+                <a:latin typeface="Arial Nova" panose="020B0504020202020204" pitchFamily="34" charset="0"/>
+              </a:rPr>
+              <a:t>make</a:t>
+            </a:r>
+            <a:r>
+              <a:rPr lang="it-IT" sz="1600" dirty="0">
+                <a:latin typeface="Arial Nova" panose="020B0504020202020204" pitchFamily="34" charset="0"/>
+              </a:rPr>
+              <a:t> the </a:t>
+            </a:r>
+            <a:r>
+              <a:rPr lang="it-IT" sz="1600" dirty="0" err="1">
+                <a:latin typeface="Arial Nova" panose="020B0504020202020204" pitchFamily="34" charset="0"/>
+              </a:rPr>
+              <a:t>steps</a:t>
+            </a:r>
+            <a:r>
+              <a:rPr lang="it-IT" sz="1600" dirty="0">
+                <a:latin typeface="Arial Nova" panose="020B0504020202020204" pitchFamily="34" charset="0"/>
+              </a:rPr>
+              <a:t> </a:t>
+            </a:r>
+            <a:r>
+              <a:rPr lang="it-IT" sz="1600" dirty="0" err="1">
+                <a:latin typeface="Arial Nova" panose="020B0504020202020204" pitchFamily="34" charset="0"/>
+              </a:rPr>
+              <a:t>easier</a:t>
+            </a:r>
+            <a:r>
+              <a:rPr lang="it-IT" sz="1600" dirty="0">
+                <a:latin typeface="Arial Nova" panose="020B0504020202020204" pitchFamily="34" charset="0"/>
+              </a:rPr>
+              <a:t> </a:t>
+            </a:r>
+            <a:r>
+              <a:rPr lang="it-IT" sz="1600" dirty="0" err="1">
+                <a:latin typeface="Arial Nova" panose="020B0504020202020204" pitchFamily="34" charset="0"/>
+              </a:rPr>
+              <a:t>thanks</a:t>
+            </a:r>
+            <a:r>
+              <a:rPr lang="it-IT" sz="1600" dirty="0">
+                <a:latin typeface="Arial Nova" panose="020B0504020202020204" pitchFamily="34" charset="0"/>
+              </a:rPr>
+              <a:t> to the </a:t>
+            </a:r>
+            <a:r>
+              <a:rPr lang="it-IT" sz="1600" dirty="0" err="1">
+                <a:latin typeface="Arial Nova" panose="020B0504020202020204" pitchFamily="34" charset="0"/>
+              </a:rPr>
+              <a:t>graphical</a:t>
+            </a:r>
+            <a:r>
+              <a:rPr lang="it-IT" sz="1600" dirty="0">
+                <a:latin typeface="Arial Nova" panose="020B0504020202020204" pitchFamily="34" charset="0"/>
+              </a:rPr>
+              <a:t> </a:t>
+            </a:r>
+            <a:r>
+              <a:rPr lang="it-IT" sz="1600" dirty="0" err="1">
+                <a:latin typeface="Arial Nova" panose="020B0504020202020204" pitchFamily="34" charset="0"/>
+              </a:rPr>
+              <a:t>interface</a:t>
+            </a:r>
+            <a:r>
+              <a:rPr lang="it-IT" sz="1600" dirty="0">
+                <a:latin typeface="Arial Nova" panose="020B0504020202020204" pitchFamily="34" charset="0"/>
+              </a:rPr>
+              <a:t> </a:t>
+            </a:r>
+            <a:r>
+              <a:rPr lang="it-IT" sz="1600" dirty="0" err="1">
+                <a:latin typeface="Arial Nova" panose="020B0504020202020204" pitchFamily="34" charset="0"/>
+              </a:rPr>
+              <a:t>but</a:t>
+            </a:r>
+            <a:r>
+              <a:rPr lang="it-IT" sz="1600" dirty="0">
+                <a:latin typeface="Arial Nova" panose="020B0504020202020204" pitchFamily="34" charset="0"/>
+              </a:rPr>
+              <a:t> </a:t>
+            </a:r>
+            <a:r>
+              <a:rPr lang="it-IT" sz="1600" dirty="0" err="1">
+                <a:latin typeface="Arial Nova" panose="020B0504020202020204" pitchFamily="34" charset="0"/>
+              </a:rPr>
+              <a:t>it</a:t>
+            </a:r>
+            <a:r>
+              <a:rPr lang="it-IT" sz="1600" dirty="0">
+                <a:latin typeface="Arial Nova" panose="020B0504020202020204" pitchFamily="34" charset="0"/>
+              </a:rPr>
+              <a:t> </a:t>
+            </a:r>
+            <a:r>
+              <a:rPr lang="it-IT" sz="1600" dirty="0" err="1">
+                <a:latin typeface="Arial Nova" panose="020B0504020202020204" pitchFamily="34" charset="0"/>
+              </a:rPr>
+              <a:t>is</a:t>
+            </a:r>
+            <a:r>
+              <a:rPr lang="it-IT" sz="1600" dirty="0">
+                <a:latin typeface="Arial Nova" panose="020B0504020202020204" pitchFamily="34" charset="0"/>
+              </a:rPr>
+              <a:t> </a:t>
+            </a:r>
+            <a:r>
+              <a:rPr lang="it-IT" sz="1600" dirty="0" err="1">
+                <a:latin typeface="Arial Nova" panose="020B0504020202020204" pitchFamily="34" charset="0"/>
+              </a:rPr>
+              <a:t>also</a:t>
+            </a:r>
+            <a:r>
+              <a:rPr lang="it-IT" sz="1600" dirty="0">
+                <a:latin typeface="Arial Nova" panose="020B0504020202020204" pitchFamily="34" charset="0"/>
+              </a:rPr>
+              <a:t> </a:t>
+            </a:r>
+            <a:r>
+              <a:rPr lang="it-IT" sz="1600" dirty="0" err="1">
+                <a:latin typeface="Arial Nova" panose="020B0504020202020204" pitchFamily="34" charset="0"/>
+              </a:rPr>
+              <a:t>possible</a:t>
+            </a:r>
+            <a:r>
+              <a:rPr lang="it-IT" sz="1600" dirty="0">
+                <a:latin typeface="Arial Nova" panose="020B0504020202020204" pitchFamily="34" charset="0"/>
+              </a:rPr>
+              <a:t> to do </a:t>
+            </a:r>
+            <a:r>
+              <a:rPr lang="it-IT" sz="1600" dirty="0" err="1">
+                <a:latin typeface="Arial Nova" panose="020B0504020202020204" pitchFamily="34" charset="0"/>
+              </a:rPr>
+              <a:t>it</a:t>
+            </a:r>
+            <a:r>
+              <a:rPr lang="it-IT" sz="1600" dirty="0">
+                <a:latin typeface="Arial Nova" panose="020B0504020202020204" pitchFamily="34" charset="0"/>
+              </a:rPr>
+              <a:t> via the </a:t>
+            </a:r>
+            <a:r>
+              <a:rPr lang="it-IT" sz="1600" dirty="0" err="1">
+                <a:latin typeface="Arial Nova" panose="020B0504020202020204" pitchFamily="34" charset="0"/>
+              </a:rPr>
+              <a:t>command</a:t>
+            </a:r>
+            <a:r>
+              <a:rPr lang="it-IT" sz="1600" dirty="0">
+                <a:latin typeface="Arial Nova" panose="020B0504020202020204" pitchFamily="34" charset="0"/>
+              </a:rPr>
+              <a:t> line</a:t>
+            </a:r>
+          </a:p>
+          <a:p>
+            <a:pPr marL="342900" indent="-342900">
+              <a:buFont typeface="+mj-lt"/>
+              <a:buAutoNum type="arabicPeriod"/>
+            </a:pPr>
+            <a:endParaRPr lang="it-IT" sz="1600" dirty="0">
+              <a:latin typeface="Arial Nova" panose="020B0504020202020204" pitchFamily="34" charset="0"/>
+            </a:endParaRPr>
+          </a:p>
+          <a:p>
+            <a:pPr marL="342900" indent="-342900">
+              <a:buFont typeface="+mj-lt"/>
+              <a:buAutoNum type="arabicPeriod"/>
+            </a:pPr>
+            <a:r>
+              <a:rPr lang="it-IT" sz="1600" dirty="0">
+                <a:latin typeface="Arial Nova" panose="020B0504020202020204" pitchFamily="34" charset="0"/>
+              </a:rPr>
+              <a:t>Create Client-Server </a:t>
+            </a:r>
+            <a:r>
+              <a:rPr lang="it-IT" sz="1600" dirty="0" err="1">
+                <a:latin typeface="Arial Nova" panose="020B0504020202020204" pitchFamily="34" charset="0"/>
+              </a:rPr>
+              <a:t>communication</a:t>
+            </a:r>
+            <a:r>
+              <a:rPr lang="it-IT" sz="1600" dirty="0">
+                <a:latin typeface="Arial Nova" panose="020B0504020202020204" pitchFamily="34" charset="0"/>
+              </a:rPr>
+              <a:t> </a:t>
+            </a:r>
+            <a:r>
+              <a:rPr lang="it-IT" sz="1600" dirty="0" err="1">
+                <a:latin typeface="Arial Nova" panose="020B0504020202020204" pitchFamily="34" charset="0"/>
+              </a:rPr>
+              <a:t>between</a:t>
+            </a:r>
+            <a:r>
+              <a:rPr lang="it-IT" sz="1600" dirty="0">
+                <a:latin typeface="Arial Nova" panose="020B0504020202020204" pitchFamily="34" charset="0"/>
+              </a:rPr>
+              <a:t> the computer </a:t>
+            </a:r>
+            <a:r>
+              <a:rPr lang="it-IT" sz="1600" dirty="0" err="1">
+                <a:latin typeface="Arial Nova" panose="020B0504020202020204" pitchFamily="34" charset="0"/>
+              </a:rPr>
+              <a:t>running</a:t>
+            </a:r>
+            <a:r>
+              <a:rPr lang="it-IT" sz="1600" dirty="0">
+                <a:latin typeface="Arial Nova" panose="020B0504020202020204" pitchFamily="34" charset="0"/>
+              </a:rPr>
+              <a:t> the </a:t>
+            </a:r>
+            <a:r>
+              <a:rPr lang="it-IT" sz="1600" dirty="0" err="1">
+                <a:latin typeface="Arial Nova" panose="020B0504020202020204" pitchFamily="34" charset="0"/>
+              </a:rPr>
+              <a:t>program</a:t>
+            </a:r>
+            <a:r>
+              <a:rPr lang="it-IT" sz="1600" dirty="0">
+                <a:latin typeface="Arial Nova" panose="020B0504020202020204" pitchFamily="34" charset="0"/>
+              </a:rPr>
+              <a:t> and the </a:t>
+            </a:r>
+            <a:r>
+              <a:rPr lang="it-IT" sz="1600" dirty="0" err="1">
+                <a:latin typeface="Arial Nova" panose="020B0504020202020204" pitchFamily="34" charset="0"/>
+              </a:rPr>
+              <a:t>aplhabot</a:t>
+            </a:r>
+            <a:endParaRPr lang="it-IT" sz="1600" dirty="0">
+              <a:latin typeface="Arial Nova" panose="020B0504020202020204" pitchFamily="34" charset="0"/>
+            </a:endParaRPr>
+          </a:p>
+          <a:p>
+            <a:pPr marL="342900" indent="-342900">
+              <a:buFont typeface="+mj-lt"/>
+              <a:buAutoNum type="arabicPeriod"/>
+            </a:pPr>
+            <a:endParaRPr lang="it-IT" sz="1600" dirty="0">
+              <a:latin typeface="Arial Nova" panose="020B0504020202020204" pitchFamily="34" charset="0"/>
+            </a:endParaRPr>
+          </a:p>
+          <a:p>
+            <a:pPr marL="342900" indent="-342900">
+              <a:buFont typeface="+mj-lt"/>
+              <a:buAutoNum type="arabicPeriod"/>
+            </a:pPr>
+            <a:r>
+              <a:rPr lang="it-IT" altLang="it-IT" sz="1600" dirty="0">
                 <a:solidFill>
                   <a:srgbClr val="202124"/>
                 </a:solidFill>
                 <a:latin typeface="inherit"/>
               </a:rPr>
-              <a:t>Graphic</a:t>
-            </a:r>
-            <a:r>
-              <a:rPr lang="it-IT" altLang="it-IT" sz="1600" dirty="0" smtClean="0">
-                <a:solidFill>
-                  <a:srgbClr val="202124"/>
-                </a:solidFill>
-                <a:latin typeface="inherit"/>
-              </a:rPr>
-              <a:t> </a:t>
+              <a:t>Graphic </a:t>
             </a:r>
             <a:r>
               <a:rPr lang="it-IT" altLang="it-IT" sz="1600" dirty="0" err="1">
@@ -12581,7 +12422,7 @@
                 </a:solidFill>
                 <a:latin typeface="inherit"/>
               </a:rPr>
-              <a:t>Unreal-Engime</a:t>
+              <a:t>Unreal</a:t>
             </a:r>
             <a:r>
               <a:rPr lang="it-IT" altLang="it-IT" sz="1600" dirty="0">
@@ -12590,7 +12431,7 @@
                 </a:solidFill>
                 <a:latin typeface="inherit"/>
               </a:rPr>
-              <a:t> 5 of the </a:t>
+              <a:t>-Engine 5 of the </a:t>
             </a:r>
             <a:r>
               <a:rPr lang="it-IT" altLang="it-IT" sz="1600" dirty="0" err="1">
@@ -12608,23 +12449,8 @@
                 </a:solidFill>
                 <a:latin typeface="inherit"/>
               </a:rPr>
-              <a:t> on </a:t>
-            </a:r>
-            <a:r>
-              <a:rPr lang="it-IT" altLang="it-IT" sz="1600" dirty="0" smtClean="0">
-                <a:solidFill>
-                  <a:srgbClr val="202124"/>
-                </a:solidFill>
-                <a:latin typeface="inherit"/>
-              </a:rPr>
-              <a:t>PC</a:t>
-            </a:r>
-            <a:endParaRPr lang="it-IT" altLang="it-IT" sz="1600" dirty="0" smtClean="0">
-              <a:solidFill>
-                <a:srgbClr val="202124"/>
-              </a:solidFill>
-              <a:latin typeface="inherit"/>
-            </a:endParaRPr>
+              <a:t> on PC</a:t>
+            </a:r>
           </a:p>
           <a:p>
             <a:pPr marL="342900" indent="-342900">
@@ -12644,22 +12470,13 @@
               <a:buAutoNum type="arabicPeriod"/>
             </a:pPr>
             <a:r>
-              <a:rPr lang="it-IT" altLang="it-IT" sz="1600" dirty="0" err="1" smtClean="0">
+              <a:rPr lang="it-IT" altLang="it-IT" sz="1600" dirty="0" err="1">
                 <a:solidFill>
                   <a:srgbClr val="202124"/>
                 </a:solidFill>
                 <a:latin typeface="inherit"/>
               </a:rPr>
               <a:t>Creation</a:t>
-            </a:r>
-            <a:r>
-              <a:rPr lang="it-IT" altLang="it-IT" sz="1600" dirty="0" smtClean="0">
-                <a:solidFill>
-                  <a:srgbClr val="202124"/>
-                </a:solidFill>
-                <a:latin typeface="inherit"/>
-              </a:rPr>
-              <a:t> </a:t>
             </a:r>
             <a:r>
               <a:rPr lang="it-IT" altLang="it-IT" sz="1600" dirty="0">
@@ -12668,7 +12485,7 @@
                 </a:solidFill>
                 <a:latin typeface="inherit"/>
               </a:rPr>
-              <a:t>and </a:t>
+              <a:t> and </a:t>
             </a:r>
             <a:r>
               <a:rPr lang="it-IT" altLang="it-IT" sz="1600" dirty="0" err="1">
@@ -12784,15 +12601,6 @@
             </a:r>
             <a:endParaRPr lang="it-IT" altLang="it-IT" sz="1200" dirty="0">
               <a:latin typeface="Arial" panose="020B0604020202020204" pitchFamily="34" charset="0"/>
-            </a:endParaRPr>
-          </a:p>
-          <a:p>
-            <a:pPr marL="342900" indent="-342900">
-              <a:buFont typeface="+mj-lt"/>
-              <a:buAutoNum type="arabicPeriod"/>
-            </a:pPr>
-            <a:endParaRPr lang="it-IT" sz="1600" dirty="0" smtClean="0">
-              <a:latin typeface="Arial Nova" panose="020B0504020202020204" pitchFamily="34" charset="0"/>
             </a:endParaRPr>
           </a:p>
           <a:p>
@@ -12809,7 +12617,16 @@
               <a:buFont typeface="+mj-lt"/>
               <a:buAutoNum type="arabicPeriod"/>
             </a:pPr>
-            <a:endParaRPr lang="it-IT" sz="1600" dirty="0" smtClean="0">
+            <a:endParaRPr lang="it-IT" sz="1600" dirty="0">
+              <a:latin typeface="Arial Nova" panose="020B0504020202020204" pitchFamily="34" charset="0"/>
+            </a:endParaRPr>
+          </a:p>
+          <a:p>
+            <a:pPr marL="342900" indent="-342900">
+              <a:buFont typeface="+mj-lt"/>
+              <a:buAutoNum type="arabicPeriod"/>
+            </a:pPr>
+            <a:endParaRPr lang="it-IT" sz="1600" dirty="0">
               <a:latin typeface="Arial Nova" panose="020B0504020202020204" pitchFamily="34" charset="0"/>
             </a:endParaRPr>
           </a:p>
@@ -12949,7 +12766,7 @@
           <a:lstStyle/>
           <a:p>
             <a:r>
-              <a:rPr lang="it-IT" sz="2000" dirty="0" smtClean="0">
+              <a:rPr lang="it-IT" sz="2000" dirty="0">
                 <a:solidFill>
                   <a:schemeClr val="bg1"/>
                 </a:solidFill>
@@ -12957,12 +12774,6 @@
               </a:rPr>
               <a:t>5</a:t>
             </a:r>
-            <a:endParaRPr lang="it-IT" sz="2000" dirty="0">
-              <a:solidFill>
-                <a:schemeClr val="bg1"/>
-              </a:solidFill>
-              <a:latin typeface="BankGothic Lt BT" panose="020B0607020203060204" pitchFamily="34" charset="0"/>
-            </a:endParaRPr>
           </a:p>
         </p:txBody>
       </p:sp>
@@ -12976,25 +12787,18 @@
   <p:clrMapOvr>
     <a:masterClrMapping/>
   </p:clrMapOvr>
-  <mc:AlternateContent xmlns:mc="http://schemas.openxmlformats.org/markup-compatibility/2006">
-    <mc:Choice xmlns:p14="http://schemas.microsoft.com/office/powerpoint/2010/main" Requires="p14">
+  <mc:AlternateContent xmlns:mc="http://schemas.openxmlformats.org/markup-compatibility/2006" xmlns:p14="http://schemas.microsoft.com/office/powerpoint/2010/main">
+    <mc:Choice Requires="p14">
       <p:transition spd="med" p14:dur="700">
         <p:fade/>
       </p:transition>
     </mc:Choice>
-    <mc:Fallback>
+    <mc:Fallback xmlns="">
       <p:transition spd="med">
         <p:fade/>
       </p:transition>
     </mc:Fallback>
   </mc:AlternateContent>
-  <p:timing>
-    <p:tnLst>
-      <p:par>
-        <p:cTn id="1" dur="indefinite" restart="never" nodeType="tmRoot"/>
-      </p:par>
-    </p:tnLst>
-  </p:timing>
 </p:sld>
 </file>
 
@@ -13038,25 +12842,25 @@
           <a:lstStyle/>
           <a:p>
             <a:r>
-              <a:rPr lang="it-IT" sz="4000" dirty="0" smtClean="0">
+              <a:rPr lang="it-IT" sz="4000" dirty="0">
                 <a:latin typeface="BankGothic Lt BT" panose="020B0607020203060204" pitchFamily="34" charset="0"/>
               </a:rPr>
               <a:t>Site and </a:t>
             </a:r>
             <a:r>
-              <a:rPr lang="it-IT" sz="4000" dirty="0" err="1" smtClean="0">
+              <a:rPr lang="it-IT" sz="4000" dirty="0" err="1">
                 <a:latin typeface="BankGothic Lt BT" panose="020B0607020203060204" pitchFamily="34" charset="0"/>
               </a:rPr>
               <a:t>repository</a:t>
             </a:r>
             <a:r>
-              <a:rPr lang="it-IT" sz="4000" dirty="0" smtClean="0">
+              <a:rPr lang="it-IT" sz="4000" dirty="0">
                 <a:latin typeface="BankGothic Lt BT" panose="020B0607020203060204" pitchFamily="34" charset="0"/>
               </a:rPr>
               <a:t> </a:t>
             </a:r>
             <a:r>
-              <a:rPr lang="it-IT" sz="4000" dirty="0" err="1" smtClean="0">
+              <a:rPr lang="it-IT" sz="4000" dirty="0" err="1">
                 <a:latin typeface="BankGothic Lt BT" panose="020B0607020203060204" pitchFamily="34" charset="0"/>
               </a:rPr>
               <a:t>github</a:t>
@@ -13163,109 +12967,82 @@
           <a:lstStyle/>
           <a:p>
             <a:r>
-              <a:rPr lang="it-IT" sz="1600" dirty="0" err="1" smtClean="0">
+              <a:rPr lang="it-IT" sz="1600" dirty="0" err="1">
                 <a:latin typeface="Arial Nova" panose="020B0504020202020204" pitchFamily="34" charset="0"/>
               </a:rPr>
               <a:t>Repository</a:t>
             </a:r>
             <a:r>
-              <a:rPr lang="it-IT" sz="1600" dirty="0" smtClean="0">
+              <a:rPr lang="it-IT" sz="1600" dirty="0">
                 <a:latin typeface="Arial Nova" panose="020B0504020202020204" pitchFamily="34" charset="0"/>
               </a:rPr>
               <a:t> </a:t>
             </a:r>
             <a:r>
-              <a:rPr lang="it-IT" sz="1600" dirty="0" err="1" smtClean="0">
+              <a:rPr lang="it-IT" sz="1600" dirty="0" err="1">
                 <a:latin typeface="Arial Nova" panose="020B0504020202020204" pitchFamily="34" charset="0"/>
               </a:rPr>
               <a:t>git</a:t>
             </a:r>
             <a:r>
-              <a:rPr lang="it-IT" sz="1600" dirty="0" smtClean="0">
+              <a:rPr lang="it-IT" sz="1600" dirty="0">
                 <a:latin typeface="Arial Nova" panose="020B0504020202020204" pitchFamily="34" charset="0"/>
               </a:rPr>
               <a:t> </a:t>
             </a:r>
             <a:r>
-              <a:rPr lang="it-IT" sz="1600" dirty="0" err="1" smtClean="0">
+              <a:rPr lang="it-IT" sz="1600" dirty="0" err="1">
                 <a:latin typeface="Arial Nova" panose="020B0504020202020204" pitchFamily="34" charset="0"/>
               </a:rPr>
               <a:t>hub</a:t>
             </a:r>
             <a:r>
-              <a:rPr lang="it-IT" sz="1600" dirty="0" smtClean="0">
+              <a:rPr lang="it-IT" sz="1600" dirty="0">
                 <a:latin typeface="Arial Nova" panose="020B0504020202020204" pitchFamily="34" charset="0"/>
               </a:rPr>
               <a:t>: </a:t>
             </a:r>
             <a:r>
-              <a:rPr lang="it-IT" sz="1600" dirty="0" smtClean="0">
+              <a:rPr lang="it-IT" sz="1600" dirty="0">
                 <a:latin typeface="Arial Nova" panose="020B0504020202020204" pitchFamily="34" charset="0"/>
                 <a:hlinkClick r:id="rId3"/>
               </a:rPr>
-              <a:t>https</a:t>
-            </a:r>
-            <a:r>
-              <a:rPr lang="it-IT" sz="1600" dirty="0">
-                <a:latin typeface="Arial Nova" panose="020B0504020202020204" pitchFamily="34" charset="0"/>
-                <a:hlinkClick r:id="rId3"/>
-              </a:rPr>
-              <a:t>://</a:t>
-            </a:r>
-            <a:r>
-              <a:rPr lang="it-IT" sz="1600" dirty="0" smtClean="0">
-                <a:latin typeface="Arial Nova" panose="020B0504020202020204" pitchFamily="34" charset="0"/>
-                <a:hlinkClick r:id="rId3"/>
-              </a:rPr>
-              <a:t>github.com/PixelsForge</a:t>
-            </a:r>
-            <a:endParaRPr lang="it-IT" sz="1600" dirty="0" smtClean="0">
-              <a:latin typeface="Arial Nova" panose="020B0504020202020204" pitchFamily="34" charset="0"/>
-            </a:endParaRPr>
-          </a:p>
-          <a:p>
+              <a:t>https://github.com/PixelsForge</a:t>
+            </a:r>
             <a:endParaRPr lang="it-IT" sz="1600" dirty="0">
               <a:latin typeface="Arial Nova" panose="020B0504020202020204" pitchFamily="34" charset="0"/>
             </a:endParaRPr>
           </a:p>
           <a:p>
-            <a:r>
-              <a:rPr lang="it-IT" sz="1600" dirty="0" smtClean="0">
-                <a:latin typeface="Arial Nova" panose="020B0504020202020204" pitchFamily="34" charset="0"/>
-              </a:rPr>
-              <a:t>Site</a:t>
-            </a:r>
-            <a:r>
-              <a:rPr lang="it-IT" sz="1600" dirty="0">
-                <a:latin typeface="Arial Nova" panose="020B0504020202020204" pitchFamily="34" charset="0"/>
-              </a:rPr>
-              <a:t>: </a:t>
-            </a:r>
-            <a:r>
-              <a:rPr lang="it-IT" sz="1600" dirty="0">
-                <a:latin typeface="Arial Nova" panose="020B0504020202020204" pitchFamily="34" charset="0"/>
-                <a:hlinkClick r:id="rId4"/>
-              </a:rPr>
-              <a:t>https://mikypelle.github.io</a:t>
-            </a:r>
-            <a:r>
-              <a:rPr lang="it-IT" sz="1600" dirty="0" smtClean="0">
-                <a:latin typeface="Arial Nova" panose="020B0504020202020204" pitchFamily="34" charset="0"/>
-                <a:hlinkClick r:id="rId4"/>
-              </a:rPr>
-              <a:t>/</a:t>
-            </a:r>
-            <a:endParaRPr lang="it-IT" sz="1600" dirty="0" smtClean="0">
-              <a:latin typeface="Arial Nova" panose="020B0504020202020204" pitchFamily="34" charset="0"/>
-            </a:endParaRPr>
-          </a:p>
-          <a:p>
             <a:endParaRPr lang="it-IT" sz="1600" dirty="0">
               <a:latin typeface="Arial Nova" panose="020B0504020202020204" pitchFamily="34" charset="0"/>
             </a:endParaRPr>
           </a:p>
           <a:p>
-            <a:endParaRPr lang="it-IT" sz="1600" dirty="0" smtClean="0">
+            <a:r>
+              <a:rPr lang="it-IT" sz="1600" dirty="0">
+                <a:latin typeface="Arial Nova" panose="020B0504020202020204" pitchFamily="34" charset="0"/>
+              </a:rPr>
+              <a:t>Site: </a:t>
+            </a:r>
+            <a:r>
+              <a:rPr lang="it-IT" sz="1600" dirty="0">
+                <a:latin typeface="Arial Nova" panose="020B0504020202020204" pitchFamily="34" charset="0"/>
+                <a:hlinkClick r:id="rId4"/>
+              </a:rPr>
+              <a:t>https://mikypelle.github.io/</a:t>
+            </a:r>
+            <a:endParaRPr lang="it-IT" sz="1600" dirty="0">
+              <a:latin typeface="Arial Nova" panose="020B0504020202020204" pitchFamily="34" charset="0"/>
+            </a:endParaRPr>
+          </a:p>
+          <a:p>
+            <a:endParaRPr lang="it-IT" sz="1600" dirty="0">
+              <a:latin typeface="Arial Nova" panose="020B0504020202020204" pitchFamily="34" charset="0"/>
+            </a:endParaRPr>
+          </a:p>
+          <a:p>
+            <a:endParaRPr lang="it-IT" sz="1600" dirty="0">
               <a:latin typeface="Arial Nova" panose="020B0504020202020204" pitchFamily="34" charset="0"/>
             </a:endParaRPr>
           </a:p>
@@ -13383,7 +13160,7 @@
           <a:lstStyle/>
           <a:p>
             <a:r>
-              <a:rPr lang="it-IT" sz="2000" dirty="0" smtClean="0">
+              <a:rPr lang="it-IT" sz="2000" dirty="0">
                 <a:solidFill>
                   <a:schemeClr val="bg1"/>
                 </a:solidFill>
@@ -13391,12 +13168,6 @@
               </a:rPr>
               <a:t>6</a:t>
             </a:r>
-            <a:endParaRPr lang="it-IT" sz="2000" dirty="0">
-              <a:solidFill>
-                <a:schemeClr val="bg1"/>
-              </a:solidFill>
-              <a:latin typeface="BankGothic Lt BT" panose="020B0607020203060204" pitchFamily="34" charset="0"/>
-            </a:endParaRPr>
           </a:p>
         </p:txBody>
       </p:sp>
@@ -13410,25 +13181,18 @@
   <p:clrMapOvr>
     <a:masterClrMapping/>
   </p:clrMapOvr>
-  <mc:AlternateContent xmlns:mc="http://schemas.openxmlformats.org/markup-compatibility/2006">
-    <mc:Choice xmlns:p14="http://schemas.microsoft.com/office/powerpoint/2010/main" Requires="p14">
+  <mc:AlternateContent xmlns:mc="http://schemas.openxmlformats.org/markup-compatibility/2006" xmlns:p14="http://schemas.microsoft.com/office/powerpoint/2010/main">
+    <mc:Choice Requires="p14">
       <p:transition spd="med" p14:dur="700">
         <p:fade/>
       </p:transition>
     </mc:Choice>
-    <mc:Fallback>
+    <mc:Fallback xmlns="">
       <p:transition spd="med">
         <p:fade/>
       </p:transition>
     </mc:Fallback>
   </mc:AlternateContent>
-  <p:timing>
-    <p:tnLst>
-      <p:par>
-        <p:cTn id="1" dur="indefinite" restart="never" nodeType="tmRoot"/>
-      </p:par>
-    </p:tnLst>
-  </p:timing>
 </p:sld>
 </file>
 

--- a/PCTO_GameAbility2024.pptx
+++ b/PCTO_GameAbility2024.pptx
@@ -12828,7 +12828,7 @@
         <p:spPr>
           <a:xfrm>
             <a:off x="3161212" y="650552"/>
-            <a:ext cx="7850226" cy="707886"/>
+            <a:ext cx="9172704" cy="707886"/>
           </a:xfrm>
           <a:prstGeom prst="rect">
             <a:avLst/>
@@ -12845,19 +12845,7 @@
               <a:rPr lang="it-IT" sz="4000" dirty="0">
                 <a:latin typeface="BankGothic Lt BT" panose="020B0607020203060204" pitchFamily="34" charset="0"/>
               </a:rPr>
-              <a:t>Site and </a:t>
-            </a:r>
-            <a:r>
-              <a:rPr lang="it-IT" sz="4000" dirty="0" err="1">
-                <a:latin typeface="BankGothic Lt BT" panose="020B0607020203060204" pitchFamily="34" charset="0"/>
-              </a:rPr>
-              <a:t>repository</a:t>
-            </a:r>
-            <a:r>
-              <a:rPr lang="it-IT" sz="4000" dirty="0">
-                <a:latin typeface="BankGothic Lt BT" panose="020B0607020203060204" pitchFamily="34" charset="0"/>
-              </a:rPr>
-              <a:t> </a:t>
+              <a:t>Web site and repository </a:t>
             </a:r>
             <a:r>
               <a:rPr lang="it-IT" sz="4000" dirty="0" err="1">
@@ -12967,34 +12955,16 @@
           <a:lstStyle/>
           <a:p>
             <a:r>
+              <a:rPr lang="it-IT" sz="1600" dirty="0">
+                <a:latin typeface="Arial Nova" panose="020B0504020202020204" pitchFamily="34" charset="0"/>
+              </a:rPr>
+              <a:t>Repository </a:t>
+            </a:r>
+            <a:r>
               <a:rPr lang="it-IT" sz="1600" dirty="0" err="1">
                 <a:latin typeface="Arial Nova" panose="020B0504020202020204" pitchFamily="34" charset="0"/>
               </a:rPr>
-              <a:t>Repository</a:t>
-            </a:r>
-            <a:r>
-              <a:rPr lang="it-IT" sz="1600" dirty="0">
-                <a:latin typeface="Arial Nova" panose="020B0504020202020204" pitchFamily="34" charset="0"/>
-              </a:rPr>
-              <a:t> </a:t>
-            </a:r>
-            <a:r>
-              <a:rPr lang="it-IT" sz="1600" dirty="0" err="1">
-                <a:latin typeface="Arial Nova" panose="020B0504020202020204" pitchFamily="34" charset="0"/>
-              </a:rPr>
-              <a:t>git</a:t>
-            </a:r>
-            <a:r>
-              <a:rPr lang="it-IT" sz="1600" dirty="0">
-                <a:latin typeface="Arial Nova" panose="020B0504020202020204" pitchFamily="34" charset="0"/>
-              </a:rPr>
-              <a:t> </a:t>
-            </a:r>
-            <a:r>
-              <a:rPr lang="it-IT" sz="1600" dirty="0" err="1">
-                <a:latin typeface="Arial Nova" panose="020B0504020202020204" pitchFamily="34" charset="0"/>
-              </a:rPr>
-              <a:t>hub</a:t>
+              <a:t>github</a:t>
             </a:r>
             <a:r>
               <a:rPr lang="it-IT" sz="1600" dirty="0">
@@ -13020,10 +12990,28 @@
           </a:p>
           <a:p>
             <a:r>
+              <a:rPr lang="it-IT" sz="1600">
+                <a:latin typeface="Arial Nova" panose="020B0504020202020204" pitchFamily="34" charset="0"/>
+              </a:rPr>
+              <a:t>Web </a:t>
+            </a:r>
+            <a:r>
               <a:rPr lang="it-IT" sz="1600" dirty="0">
                 <a:latin typeface="Arial Nova" panose="020B0504020202020204" pitchFamily="34" charset="0"/>
               </a:rPr>
-              <a:t>Site: </a:t>
+              <a:t>s</a:t>
+            </a:r>
+            <a:r>
+              <a:rPr lang="it-IT" sz="1600">
+                <a:latin typeface="Arial Nova" panose="020B0504020202020204" pitchFamily="34" charset="0"/>
+              </a:rPr>
+              <a:t>ite</a:t>
+            </a:r>
+            <a:r>
+              <a:rPr lang="it-IT" sz="1600" dirty="0">
+                <a:latin typeface="Arial Nova" panose="020B0504020202020204" pitchFamily="34" charset="0"/>
+              </a:rPr>
+              <a:t>: </a:t>
             </a:r>
             <a:r>
               <a:rPr lang="it-IT" sz="1600" dirty="0">

--- a/PCTO_GameAbility2024.pptx
+++ b/PCTO_GameAbility2024.pptx
@@ -8932,7 +8932,7 @@
               <a:rPr lang="it-IT" dirty="0">
                 <a:latin typeface="Body-Font"/>
               </a:rPr>
-              <a:t>PROGETTO DI: </a:t>
+              <a:t>PROJECT OF: </a:t>
             </a:r>
           </a:p>
           <a:p>
